--- a/Document-Templates/SoftUni-AI-PowerPoint-Template-EN-Oct-2024.pptx
+++ b/Document-Templates/SoftUni-AI-PowerPoint-Template-EN-Oct-2024.pptx
@@ -5,10 +5,10 @@
     <p:sldMasterId id="2147483670" r:id="rId4"/>
   </p:sldMasterIdLst>
   <p:notesMasterIdLst>
-    <p:notesMasterId r:id="rId43"/>
+    <p:notesMasterId r:id="rId45"/>
   </p:notesMasterIdLst>
   <p:handoutMasterIdLst>
-    <p:handoutMasterId r:id="rId44"/>
+    <p:handoutMasterId r:id="rId46"/>
   </p:handoutMasterIdLst>
   <p:sldIdLst>
     <p:sldId id="667" r:id="rId5"/>
@@ -28,7 +28,7 @@
     <p:sldId id="755" r:id="rId19"/>
     <p:sldId id="764" r:id="rId20"/>
     <p:sldId id="765" r:id="rId21"/>
-    <p:sldId id="775" r:id="rId22"/>
+    <p:sldId id="793" r:id="rId22"/>
     <p:sldId id="776" r:id="rId23"/>
     <p:sldId id="768" r:id="rId24"/>
     <p:sldId id="756" r:id="rId25"/>
@@ -38,17 +38,19 @@
     <p:sldId id="759" r:id="rId29"/>
     <p:sldId id="778" r:id="rId30"/>
     <p:sldId id="763" r:id="rId31"/>
-    <p:sldId id="779" r:id="rId32"/>
-    <p:sldId id="500" r:id="rId33"/>
-    <p:sldId id="638" r:id="rId34"/>
-    <p:sldId id="727" r:id="rId35"/>
-    <p:sldId id="745" r:id="rId36"/>
-    <p:sldId id="746" r:id="rId37"/>
-    <p:sldId id="783" r:id="rId38"/>
-    <p:sldId id="781" r:id="rId39"/>
-    <p:sldId id="780" r:id="rId40"/>
-    <p:sldId id="289" r:id="rId41"/>
-    <p:sldId id="399" r:id="rId42"/>
+    <p:sldId id="792" r:id="rId32"/>
+    <p:sldId id="790" r:id="rId33"/>
+    <p:sldId id="500" r:id="rId34"/>
+    <p:sldId id="638" r:id="rId35"/>
+    <p:sldId id="785" r:id="rId36"/>
+    <p:sldId id="786" r:id="rId37"/>
+    <p:sldId id="745" r:id="rId38"/>
+    <p:sldId id="746" r:id="rId39"/>
+    <p:sldId id="783" r:id="rId40"/>
+    <p:sldId id="781" r:id="rId41"/>
+    <p:sldId id="780" r:id="rId42"/>
+    <p:sldId id="289" r:id="rId43"/>
+    <p:sldId id="399" r:id="rId44"/>
   </p:sldIdLst>
   <p:sldSz cx="12188825" cy="6858000"/>
   <p:notesSz cx="6858000" cy="9144000"/>
@@ -189,7 +191,7 @@
         </p14:section>
         <p14:section name="Take a Break" id="{EA4B73CA-61EA-4A35-AE16-97C8451F6401}">
           <p14:sldIdLst>
-            <p14:sldId id="775"/>
+            <p14:sldId id="793"/>
           </p14:sldIdLst>
         </p14:section>
         <p14:section name="AI is a Tool for Developers" id="{E140657A-DE05-437F-B741-21B3600D404D}">
@@ -215,10 +217,12 @@
         </p14:section>
         <p14:section name="More Examples" id="{973B366F-7654-4F05-A5BC-A57F96DE2BA3}">
           <p14:sldIdLst>
-            <p14:sldId id="779"/>
+            <p14:sldId id="792"/>
+            <p14:sldId id="790"/>
             <p14:sldId id="500"/>
             <p14:sldId id="638"/>
-            <p14:sldId id="727"/>
+            <p14:sldId id="785"/>
+            <p14:sldId id="786"/>
             <p14:sldId id="745"/>
             <p14:sldId id="746"/>
           </p14:sldIdLst>
@@ -823,7 +827,7 @@
             <a:fld id="{FE5B4EDC-59C0-49C7-8ADA-5A781B329E02}" type="datetimeFigureOut">
               <a:rPr lang="en-US"/>
               <a:pPr/>
-              <a:t>7-Oct-24</a:t>
+              <a:t>8-Oct-24</a:t>
             </a:fld>
             <a:endParaRPr dirty="0"/>
           </a:p>
@@ -1004,7 +1008,7 @@
             <a:fld id="{F2D8D46A-B586-417D-BFBD-8C8FE0AAF762}" type="datetimeFigureOut">
               <a:rPr lang="en-US" smtClean="0"/>
               <a:pPr/>
-              <a:t>7-Oct-24</a:t>
+              <a:t>8-Oct-24</a:t>
             </a:fld>
             <a:endParaRPr lang="en-US"/>
           </a:p>
@@ -1730,7 +1734,7 @@
             <a:fld id="{3EBA5BD7-F043-4D1B-AA17-CD412FC534DE}" type="slidenum">
               <a:rPr lang="en-US" smtClean="0"/>
               <a:pPr/>
-              <a:t>29</a:t>
+              <a:t>30</a:t>
             </a:fld>
             <a:endParaRPr lang="en-US" dirty="0"/>
           </a:p>
@@ -1826,7 +1830,7 @@
             <a:fld id="{3EBA5BD7-F043-4D1B-AA17-CD412FC534DE}" type="slidenum">
               <a:rPr lang="en-US" smtClean="0"/>
               <a:pPr/>
-              <a:t>37</a:t>
+              <a:t>39</a:t>
             </a:fld>
             <a:endParaRPr lang="en-US" dirty="0"/>
           </a:p>
@@ -1965,7 +1969,7 @@
                 </a:solidFill>
               </a:rPr>
               <a:pPr/>
-              <a:t>38</a:t>
+              <a:t>40</a:t>
             </a:fld>
             <a:endParaRPr lang="en-US" dirty="0">
               <a:solidFill>
@@ -3057,10 +3061,10 @@
       </p:pic>
       <p:sp>
         <p:nvSpPr>
-          <p:cNvPr id="10" name="Text Placeholder 9">
+          <p:cNvPr id="8" name="Text Placeholder 7">
             <a:extLst>
               <a:ext uri="{FF2B5EF4-FFF2-40B4-BE49-F238E27FC236}">
-                <a16:creationId xmlns:a16="http://schemas.microsoft.com/office/drawing/2014/main" id="{11119141-71EC-67BB-61C0-7E527610665E}"/>
+                <a16:creationId xmlns:a16="http://schemas.microsoft.com/office/drawing/2014/main" id="{D6D747F1-67CC-27D3-C555-BC0D4639D2D3}"/>
               </a:ext>
             </a:extLst>
           </p:cNvPr>
@@ -3068,13 +3072,13 @@
             <a:spLocks noGrp="1"/>
           </p:cNvSpPr>
           <p:nvPr>
-            <p:ph type="body" sz="quarter" idx="12" hasCustomPrompt="1"/>
+            <p:ph type="body" sz="quarter" idx="13" hasCustomPrompt="1"/>
           </p:nvPr>
         </p:nvSpPr>
         <p:spPr>
           <a:xfrm>
-            <a:off x="615266" y="1916832"/>
-            <a:ext cx="10951753" cy="1510771"/>
+            <a:off x="615266" y="1998965"/>
+            <a:ext cx="10951753" cy="1467957"/>
           </a:xfrm>
           <a:solidFill>
             <a:schemeClr val="accent6">
@@ -3082,7 +3086,7 @@
               <a:alpha val="15000"/>
             </a:schemeClr>
           </a:solidFill>
-          <a:ln w="12700">
+          <a:ln>
             <a:solidFill>
               <a:schemeClr val="bg1">
                 <a:lumMod val="50000"/>
@@ -3091,79 +3095,39 @@
           </a:ln>
         </p:spPr>
         <p:txBody>
-          <a:bodyPr vert="horz" wrap="square" lIns="144000" tIns="108000" rIns="144000" bIns="108000" rtlCol="0">
+          <a:bodyPr wrap="square">
             <a:spAutoFit/>
           </a:bodyPr>
           <a:lstStyle>
-            <a:lvl1pPr marL="360000" indent="-360000">
+            <a:lvl1pPr marL="0" indent="0">
               <a:spcBef>
-                <a:spcPts val="600"/>
+                <a:spcPts val="200"/>
               </a:spcBef>
               <a:spcAft>
-                <a:spcPts val="600"/>
+                <a:spcPts val="200"/>
               </a:spcAft>
-              <a:buFont typeface="Arial" panose="020B0604020202020204" pitchFamily="34" charset="0"/>
               <a:buNone/>
-              <a:defRPr lang="en-US" sz="2800" b="1" dirty="0">
-                <a:latin typeface="Consolas" pitchFamily="49" charset="0"/>
+              <a:defRPr sz="2800" b="1">
+                <a:latin typeface="Consolas" panose="020B0609020204030204" pitchFamily="49" charset="0"/>
               </a:defRPr>
             </a:lvl1pPr>
           </a:lstStyle>
           <a:p>
-            <a:pPr marL="361950" lvl="0" indent="-361950" latinLnBrk="0">
-              <a:spcBef>
-                <a:spcPts val="0"/>
-              </a:spcBef>
-              <a:spcAft>
-                <a:spcPts val="0"/>
-              </a:spcAft>
-            </a:pPr>
+            <a:pPr lvl="0"/>
             <a:r>
               <a:rPr lang="en-US" dirty="0"/>
               <a:t>Source code …</a:t>
             </a:r>
           </a:p>
           <a:p>
-            <a:pPr marL="361950" marR="0" lvl="0" indent="-361950" algn="l" defTabSz="1218438" rtl="0" eaLnBrk="1" fontAlgn="auto" latinLnBrk="0" hangingPunct="1">
-              <a:lnSpc>
-                <a:spcPct val="100000"/>
-              </a:lnSpc>
-              <a:spcBef>
-                <a:spcPts val="0"/>
-              </a:spcBef>
-              <a:spcAft>
-                <a:spcPts val="0"/>
-              </a:spcAft>
-              <a:buClr>
-                <a:schemeClr val="bg1"/>
-              </a:buClr>
-              <a:buSzTx/>
-              <a:tabLst/>
-              <a:defRPr/>
-            </a:pPr>
+            <a:pPr lvl="0"/>
             <a:r>
               <a:rPr lang="en-US" dirty="0"/>
               <a:t>Source code …</a:t>
             </a:r>
           </a:p>
           <a:p>
-            <a:pPr marL="361950" marR="0" lvl="0" indent="-361950" algn="l" defTabSz="1218438" rtl="0" eaLnBrk="1" fontAlgn="auto" latinLnBrk="0" hangingPunct="1">
-              <a:lnSpc>
-                <a:spcPct val="100000"/>
-              </a:lnSpc>
-              <a:spcBef>
-                <a:spcPts val="0"/>
-              </a:spcBef>
-              <a:spcAft>
-                <a:spcPts val="0"/>
-              </a:spcAft>
-              <a:buClr>
-                <a:schemeClr val="bg1"/>
-              </a:buClr>
-              <a:buSzTx/>
-              <a:tabLst/>
-              <a:defRPr/>
-            </a:pPr>
+            <a:pPr lvl="0"/>
             <a:r>
               <a:rPr lang="en-US" dirty="0"/>
               <a:t>Source code …</a:t>
@@ -4201,13 +4165,15 @@
           </a:prstGeom>
           <a:gradFill>
             <a:gsLst>
-              <a:gs pos="100000">
+              <a:gs pos="0">
                 <a:srgbClr val="3D0791">
                   <a:alpha val="80000"/>
                 </a:srgbClr>
               </a:gs>
-              <a:gs pos="0">
-                <a:srgbClr val="009276"/>
+              <a:gs pos="100000">
+                <a:srgbClr val="009276">
+                  <a:alpha val="80000"/>
+                </a:srgbClr>
               </a:gs>
             </a:gsLst>
             <a:lin ang="12600000" scaled="0"/>
@@ -4276,8 +4242,9 @@
             <a:lvl1pPr algn="r">
               <a:defRPr sz="1000">
                 <a:solidFill>
-                  <a:schemeClr val="accent2">
-                    <a:lumMod val="50000"/>
+                  <a:schemeClr val="tx1">
+                    <a:lumMod val="40000"/>
+                    <a:lumOff val="60000"/>
                     <a:alpha val="30000"/>
                   </a:schemeClr>
                 </a:solidFill>
@@ -4504,7 +4471,7 @@
 </file>
 
 <file path=ppt/slideLayouts/slideLayout15.xml><?xml version="1.0" encoding="utf-8"?>
-<p:sldLayout xmlns:a="http://schemas.openxmlformats.org/drawingml/2006/main" xmlns:r="http://schemas.openxmlformats.org/officeDocument/2006/relationships" xmlns:p="http://schemas.openxmlformats.org/presentationml/2006/main" userDrawn="1">
+<p:sldLayout xmlns:a="http://schemas.openxmlformats.org/drawingml/2006/main" xmlns:r="http://schemas.openxmlformats.org/officeDocument/2006/relationships" xmlns:p="http://schemas.openxmlformats.org/presentationml/2006/main" preserve="1" userDrawn="1">
   <p:cSld name="Breaks Slide">
     <p:bg>
       <p:bgPr>
@@ -4534,12 +4501,58 @@
           <a:chExt cx="0" cy="0"/>
         </a:xfrm>
       </p:grpSpPr>
+      <p:sp>
+        <p:nvSpPr>
+          <p:cNvPr id="2" name="Title 1">
+            <a:extLst>
+              <a:ext uri="{FF2B5EF4-FFF2-40B4-BE49-F238E27FC236}">
+                <a16:creationId xmlns:a16="http://schemas.microsoft.com/office/drawing/2014/main" id="{E53170B4-248D-5FF6-4449-7EA8A506BF7E}"/>
+              </a:ext>
+            </a:extLst>
+          </p:cNvPr>
+          <p:cNvSpPr>
+            <a:spLocks noGrp="1"/>
+          </p:cNvSpPr>
+          <p:nvPr>
+            <p:ph type="title" hasCustomPrompt="1"/>
+          </p:nvPr>
+        </p:nvSpPr>
+        <p:spPr>
+          <a:xfrm>
+            <a:off x="765820" y="1032066"/>
+            <a:ext cx="5827942" cy="1068011"/>
+          </a:xfrm>
+        </p:spPr>
+        <p:txBody>
+          <a:bodyPr>
+            <a:noAutofit/>
+          </a:bodyPr>
+          <a:lstStyle>
+            <a:lvl1pPr>
+              <a:defRPr sz="6000">
+                <a:solidFill>
+                  <a:schemeClr val="bg1">
+                    <a:lumMod val="20000"/>
+                    <a:lumOff val="80000"/>
+                  </a:schemeClr>
+                </a:solidFill>
+              </a:defRPr>
+            </a:lvl1pPr>
+          </a:lstStyle>
+          <a:p>
+            <a:r>
+              <a:rPr lang="en-US" dirty="0"/>
+              <a:t>Take a Break</a:t>
+            </a:r>
+          </a:p>
+        </p:txBody>
+      </p:sp>
       <p:grpSp>
         <p:nvGrpSpPr>
-          <p:cNvPr id="11" name="Group 10">
+          <p:cNvPr id="3" name="Group 2">
             <a:extLst>
               <a:ext uri="{FF2B5EF4-FFF2-40B4-BE49-F238E27FC236}">
-                <a16:creationId xmlns:a16="http://schemas.microsoft.com/office/drawing/2014/main" id="{5A6EA22E-F53B-CA4C-7016-F96C5E0A7759}"/>
+                <a16:creationId xmlns:a16="http://schemas.microsoft.com/office/drawing/2014/main" id="{B5B0056F-B61D-AAD1-8BF5-2BB6FD68B655}"/>
               </a:ext>
             </a:extLst>
           </p:cNvPr>
@@ -4556,11 +4569,11 @@
         </p:grpSpPr>
         <p:sp>
           <p:nvSpPr>
-            <p:cNvPr id="13" name="Rectangle: Rounded Corners 16">
+            <p:cNvPr id="4" name="Rectangle: Rounded Corners 16">
               <a:hlinkClick r:id="rId3"/>
               <a:extLst>
                 <a:ext uri="{FF2B5EF4-FFF2-40B4-BE49-F238E27FC236}">
-                  <a16:creationId xmlns:a16="http://schemas.microsoft.com/office/drawing/2014/main" id="{3D508CAE-4745-6A45-8696-14024943A031}"/>
+                  <a16:creationId xmlns:a16="http://schemas.microsoft.com/office/drawing/2014/main" id="{DFE198B6-9449-3BD0-A3EF-9CB8115D6363}"/>
                 </a:ext>
               </a:extLst>
             </p:cNvPr>
@@ -4640,10 +4653,10 @@
         </p:sp>
         <p:grpSp>
           <p:nvGrpSpPr>
-            <p:cNvPr id="14" name="Group 13">
+            <p:cNvPr id="5" name="Group 4">
               <a:extLst>
                 <a:ext uri="{FF2B5EF4-FFF2-40B4-BE49-F238E27FC236}">
-                  <a16:creationId xmlns:a16="http://schemas.microsoft.com/office/drawing/2014/main" id="{91C3E10C-C13A-E7F0-CA46-CEA080D43E84}"/>
+                  <a16:creationId xmlns:a16="http://schemas.microsoft.com/office/drawing/2014/main" id="{39786A6F-4EAA-0786-840C-A0B138BD0998}"/>
                 </a:ext>
               </a:extLst>
             </p:cNvPr>
@@ -4660,10 +4673,10 @@
           </p:grpSpPr>
           <p:sp>
             <p:nvSpPr>
-              <p:cNvPr id="15" name="TextBox 8">
+              <p:cNvPr id="6" name="TextBox 8">
                 <a:extLst>
                   <a:ext uri="{FF2B5EF4-FFF2-40B4-BE49-F238E27FC236}">
-                    <a16:creationId xmlns:a16="http://schemas.microsoft.com/office/drawing/2014/main" id="{82C12FD6-B004-17B0-B8DB-AB62ADEEA59A}"/>
+                    <a16:creationId xmlns:a16="http://schemas.microsoft.com/office/drawing/2014/main" id="{38E15180-7D87-82A7-73AE-2BC7B6B34764}"/>
                   </a:ext>
                 </a:extLst>
               </p:cNvPr>
@@ -4719,10 +4732,10 @@
           </p:sp>
           <p:grpSp>
             <p:nvGrpSpPr>
-              <p:cNvPr id="16" name="Group 9">
+              <p:cNvPr id="7" name="Group 9">
                 <a:extLst>
                   <a:ext uri="{FF2B5EF4-FFF2-40B4-BE49-F238E27FC236}">
-                    <a16:creationId xmlns:a16="http://schemas.microsoft.com/office/drawing/2014/main" id="{9CC339EB-03BC-1F9E-6920-E35D43369E2E}"/>
+                    <a16:creationId xmlns:a16="http://schemas.microsoft.com/office/drawing/2014/main" id="{9C81EEAD-3DAE-E77A-9B2E-0A543D54868F}"/>
                   </a:ext>
                 </a:extLst>
               </p:cNvPr>
@@ -4739,10 +4752,10 @@
             </p:grpSpPr>
             <p:sp>
               <p:nvSpPr>
-                <p:cNvPr id="18" name="Freeform 17">
+                <p:cNvPr id="9" name="Freeform 17">
                   <a:extLst>
                     <a:ext uri="{FF2B5EF4-FFF2-40B4-BE49-F238E27FC236}">
-                      <a16:creationId xmlns:a16="http://schemas.microsoft.com/office/drawing/2014/main" id="{465E259C-2C8C-80AD-E2AC-57E49920F882}"/>
+                      <a16:creationId xmlns:a16="http://schemas.microsoft.com/office/drawing/2014/main" id="{9B2AFEA6-0C3C-D4E5-0CBD-BC7A1F70B4E3}"/>
                     </a:ext>
                   </a:extLst>
                 </p:cNvPr>
@@ -4841,10 +4854,10 @@
             </p:sp>
             <p:sp>
               <p:nvSpPr>
-                <p:cNvPr id="19" name="TextBox 18">
+                <p:cNvPr id="10" name="TextBox 9">
                   <a:extLst>
                     <a:ext uri="{FF2B5EF4-FFF2-40B4-BE49-F238E27FC236}">
-                      <a16:creationId xmlns:a16="http://schemas.microsoft.com/office/drawing/2014/main" id="{0B7DB09C-3AB0-8C2C-8F3A-66CA5FB8EFAC}"/>
+                      <a16:creationId xmlns:a16="http://schemas.microsoft.com/office/drawing/2014/main" id="{B65D3DAE-C531-0146-3800-E5A7CF48E061}"/>
                     </a:ext>
                   </a:extLst>
                 </p:cNvPr>
@@ -4901,10 +4914,10 @@
           </p:grpSp>
           <p:pic>
             <p:nvPicPr>
-              <p:cNvPr id="17" name="Picture 12">
+              <p:cNvPr id="8" name="Picture 12">
                 <a:extLst>
                   <a:ext uri="{FF2B5EF4-FFF2-40B4-BE49-F238E27FC236}">
-                    <a16:creationId xmlns:a16="http://schemas.microsoft.com/office/drawing/2014/main" id="{40982ABA-1AD5-22B4-36E6-CDB274DE2148}"/>
+                    <a16:creationId xmlns:a16="http://schemas.microsoft.com/office/drawing/2014/main" id="{58778FB3-72C1-8AFA-5F6E-66B91F14747B}"/>
                   </a:ext>
                 </a:extLst>
               </p:cNvPr>
@@ -4943,10 +4956,10 @@
       </p:grpSp>
       <p:pic>
         <p:nvPicPr>
-          <p:cNvPr id="7" name="Picture 6" descr="Abstract AI clock">
+          <p:cNvPr id="11" name="Picture 10" descr="Abstract AI clock">
             <a:extLst>
               <a:ext uri="{FF2B5EF4-FFF2-40B4-BE49-F238E27FC236}">
-                <a16:creationId xmlns:a16="http://schemas.microsoft.com/office/drawing/2014/main" id="{0A32D538-1043-B587-7FCF-3825FC7CF03E}"/>
+                <a16:creationId xmlns:a16="http://schemas.microsoft.com/office/drawing/2014/main" id="{0F02D39F-59EF-FF5C-2EDF-C7DEFF32BA5B}"/>
               </a:ext>
             </a:extLst>
           </p:cNvPr>
@@ -4978,10 +4991,10 @@
       </p:pic>
       <p:pic>
         <p:nvPicPr>
-          <p:cNvPr id="5" name="Picture 4" descr="SoftUni AI logo">
+          <p:cNvPr id="12" name="Picture 11" descr="SoftUni AI logo">
             <a:extLst>
               <a:ext uri="{FF2B5EF4-FFF2-40B4-BE49-F238E27FC236}">
-                <a16:creationId xmlns:a16="http://schemas.microsoft.com/office/drawing/2014/main" id="{92F81BFD-A2AB-CBFC-D213-321DBCCED428}"/>
+                <a16:creationId xmlns:a16="http://schemas.microsoft.com/office/drawing/2014/main" id="{90D2B2C2-0BFC-84EE-F51F-EEB763D3D5B3}"/>
               </a:ext>
             </a:extLst>
           </p:cNvPr>
@@ -5015,10 +5028,10 @@
       </p:pic>
       <p:sp>
         <p:nvSpPr>
-          <p:cNvPr id="10" name="Slide Number">
+          <p:cNvPr id="13" name="Slide Number">
             <a:extLst>
               <a:ext uri="{FF2B5EF4-FFF2-40B4-BE49-F238E27FC236}">
-                <a16:creationId xmlns:a16="http://schemas.microsoft.com/office/drawing/2014/main" id="{B0B03C9D-6D17-327D-18CF-306FED3B95EF}"/>
+                <a16:creationId xmlns:a16="http://schemas.microsoft.com/office/drawing/2014/main" id="{CF6FD7D9-482D-5AD4-2CAE-CD3F41D699EC}"/>
               </a:ext>
             </a:extLst>
           </p:cNvPr>
@@ -5062,56 +5075,10 @@
           </a:p>
         </p:txBody>
       </p:sp>
-      <p:sp>
-        <p:nvSpPr>
-          <p:cNvPr id="4" name="Title 3">
-            <a:extLst>
-              <a:ext uri="{FF2B5EF4-FFF2-40B4-BE49-F238E27FC236}">
-                <a16:creationId xmlns:a16="http://schemas.microsoft.com/office/drawing/2014/main" id="{2E698449-B58A-F051-E10C-6F74706EFFDF}"/>
-              </a:ext>
-            </a:extLst>
-          </p:cNvPr>
-          <p:cNvSpPr>
-            <a:spLocks noGrp="1"/>
-          </p:cNvSpPr>
-          <p:nvPr>
-            <p:ph type="title" hasCustomPrompt="1"/>
-          </p:nvPr>
-        </p:nvSpPr>
-        <p:spPr>
-          <a:xfrm>
-            <a:off x="837828" y="980728"/>
-            <a:ext cx="5544017" cy="995862"/>
-          </a:xfrm>
-        </p:spPr>
-        <p:txBody>
-          <a:bodyPr>
-            <a:noAutofit/>
-          </a:bodyPr>
-          <a:lstStyle>
-            <a:lvl1pPr>
-              <a:defRPr sz="6000">
-                <a:solidFill>
-                  <a:schemeClr val="bg1">
-                    <a:lumMod val="20000"/>
-                    <a:lumOff val="80000"/>
-                  </a:schemeClr>
-                </a:solidFill>
-              </a:defRPr>
-            </a:lvl1pPr>
-          </a:lstStyle>
-          <a:p>
-            <a:r>
-              <a:rPr lang="en-US" dirty="0"/>
-              <a:t>Take a Break</a:t>
-            </a:r>
-          </a:p>
-        </p:txBody>
-      </p:sp>
     </p:spTree>
     <p:extLst>
       <p:ext uri="{BB962C8B-B14F-4D97-AF65-F5344CB8AC3E}">
-        <p14:creationId xmlns:p14="http://schemas.microsoft.com/office/powerpoint/2010/main" val="1840432654"/>
+        <p14:creationId xmlns:p14="http://schemas.microsoft.com/office/powerpoint/2010/main" val="3423120346"/>
       </p:ext>
     </p:extLst>
   </p:cSld>
@@ -5126,22 +5093,6 @@
       <p:transition spd="slow" advClick="0" advTm="5000"/>
     </mc:Fallback>
   </mc:AlternateContent>
-  <p:extLst>
-    <p:ext uri="{DCECCB84-F9BA-43D5-87BE-67443E8EF086}">
-      <p15:sldGuideLst xmlns:p15="http://schemas.microsoft.com/office/powerpoint/2012/main">
-        <p15:guide id="1" orient="horz" pos="2160">
-          <p15:clr>
-            <a:srgbClr val="FBAE40"/>
-          </p15:clr>
-        </p15:guide>
-        <p15:guide id="2" pos="3840">
-          <p15:clr>
-            <a:srgbClr val="FBAE40"/>
-          </p15:clr>
-        </p15:guide>
-      </p15:sldGuideLst>
-    </p:ext>
-  </p:extLst>
 </p:sldLayout>
 </file>
 
@@ -5207,7 +5158,7 @@
             <a:gradFill>
               <a:gsLst>
                 <a:gs pos="0">
-                  <a:srgbClr val="18151C"/>
+                  <a:srgbClr val="332D3B"/>
                 </a:gs>
                 <a:gs pos="51000">
                   <a:schemeClr val="tx2">
@@ -5216,14 +5167,14 @@
                   </a:schemeClr>
                 </a:gs>
                 <a:gs pos="95000">
-                  <a:schemeClr val="bg1">
-                    <a:lumMod val="75000"/>
+                  <a:schemeClr val="accent6">
+                    <a:lumMod val="50000"/>
                   </a:schemeClr>
                 </a:gs>
               </a:gsLst>
               <a:lin ang="4200000" scaled="0"/>
             </a:gradFill>
-            <a:ln>
+            <a:ln w="6350">
               <a:solidFill>
                 <a:schemeClr val="tx2">
                   <a:lumMod val="90000"/>
@@ -5596,12 +5547,17 @@
           <a:gradFill>
             <a:gsLst>
               <a:gs pos="0">
-                <a:srgbClr val="00BA96">
+                <a:srgbClr val="3D0791">
                   <a:alpha val="30000"/>
                 </a:srgbClr>
               </a:gs>
+              <a:gs pos="63000">
+                <a:schemeClr val="bg1">
+                  <a:lumMod val="50000"/>
+                </a:schemeClr>
+              </a:gs>
               <a:gs pos="100000">
-                <a:srgbClr val="18151C"/>
+                <a:srgbClr val="312B39"/>
               </a:gs>
             </a:gsLst>
             <a:lin ang="8400000" scaled="0"/>
@@ -5633,7 +5589,7 @@
           </a:bodyPr>
           <a:lstStyle/>
           <a:p>
-            <a:pPr algn="ctr"/>
+            <a:pPr lvl="0" algn="ctr"/>
             <a:endParaRPr lang="en-BG" sz="2800" b="0" dirty="0">
               <a:solidFill>
                 <a:srgbClr val="FFFFFF"/>
@@ -6376,7 +6332,7 @@
 </file>
 
 <file path=ppt/slideLayouts/slideLayout18.xml><?xml version="1.0" encoding="utf-8"?>
-<p:sldLayout xmlns:a="http://schemas.openxmlformats.org/drawingml/2006/main" xmlns:r="http://schemas.openxmlformats.org/officeDocument/2006/relationships" xmlns:p="http://schemas.openxmlformats.org/presentationml/2006/main" userDrawn="1">
+<p:sldLayout xmlns:a="http://schemas.openxmlformats.org/drawingml/2006/main" xmlns:r="http://schemas.openxmlformats.org/officeDocument/2006/relationships" xmlns:p="http://schemas.openxmlformats.org/presentationml/2006/main" preserve="1" userDrawn="1">
   <p:cSld name="Homework Slide">
     <p:bg>
       <p:bgPr>
@@ -6408,10 +6364,10 @@
       </p:grpSpPr>
       <p:sp>
         <p:nvSpPr>
-          <p:cNvPr id="12" name="Round Single Corner of Rectangle 4">
+          <p:cNvPr id="3" name="Round Single Corner of Rectangle 4">
             <a:extLst>
               <a:ext uri="{FF2B5EF4-FFF2-40B4-BE49-F238E27FC236}">
-                <a16:creationId xmlns:a16="http://schemas.microsoft.com/office/drawing/2014/main" id="{E2E58FB6-73E5-5F79-3671-B53DC9352EDC}"/>
+                <a16:creationId xmlns:a16="http://schemas.microsoft.com/office/drawing/2014/main" id="{E2B6A411-D458-503E-763F-713B7C0E5253}"/>
               </a:ext>
             </a:extLst>
           </p:cNvPr>
@@ -6420,7 +6376,7 @@
         </p:nvSpPr>
         <p:spPr bwMode="auto">
           <a:xfrm flipV="1">
-            <a:off x="-2" y="28744"/>
+            <a:off x="0" y="0"/>
             <a:ext cx="12188825" cy="1052736"/>
           </a:xfrm>
           <a:prstGeom prst="round1Rect">
@@ -6435,8 +6391,13 @@
                   <a:alpha val="30000"/>
                 </a:srgbClr>
               </a:gs>
+              <a:gs pos="63000">
+                <a:schemeClr val="bg1">
+                  <a:lumMod val="50000"/>
+                </a:schemeClr>
+              </a:gs>
               <a:gs pos="100000">
-                <a:srgbClr val="18151C"/>
+                <a:srgbClr val="312B39"/>
               </a:gs>
             </a:gsLst>
             <a:lin ang="8400000" scaled="0"/>
@@ -6486,10 +6447,38 @@
       </p:sp>
       <p:sp>
         <p:nvSpPr>
-          <p:cNvPr id="9" name="Slide Number">
+          <p:cNvPr id="2" name="Title 1">
             <a:extLst>
               <a:ext uri="{FF2B5EF4-FFF2-40B4-BE49-F238E27FC236}">
-                <a16:creationId xmlns:a16="http://schemas.microsoft.com/office/drawing/2014/main" id="{B64E0BA7-887A-FD56-3777-FEBE70868FF8}"/>
+                <a16:creationId xmlns:a16="http://schemas.microsoft.com/office/drawing/2014/main" id="{15495F26-5934-F2F9-33EC-6229879F02B6}"/>
+              </a:ext>
+            </a:extLst>
+          </p:cNvPr>
+          <p:cNvSpPr>
+            <a:spLocks noGrp="1"/>
+          </p:cNvSpPr>
+          <p:nvPr>
+            <p:ph type="title" hasCustomPrompt="1"/>
+          </p:nvPr>
+        </p:nvSpPr>
+        <p:spPr/>
+        <p:txBody>
+          <a:bodyPr/>
+          <a:lstStyle/>
+          <a:p>
+            <a:r>
+              <a:rPr lang="en-US" dirty="0"/>
+              <a:t>Homework</a:t>
+            </a:r>
+          </a:p>
+        </p:txBody>
+      </p:sp>
+      <p:sp>
+        <p:nvSpPr>
+          <p:cNvPr id="4" name="Slide Number">
+            <a:extLst>
+              <a:ext uri="{FF2B5EF4-FFF2-40B4-BE49-F238E27FC236}">
+                <a16:creationId xmlns:a16="http://schemas.microsoft.com/office/drawing/2014/main" id="{1A1703AB-E434-D010-E5D0-28BB8CF20C17}"/>
               </a:ext>
             </a:extLst>
           </p:cNvPr>
@@ -6534,10 +6523,10 @@
       </p:sp>
       <p:pic>
         <p:nvPicPr>
-          <p:cNvPr id="6" name="Picture 5" descr="AI hand">
+          <p:cNvPr id="5" name="Picture 4" descr="AI hand">
             <a:extLst>
               <a:ext uri="{FF2B5EF4-FFF2-40B4-BE49-F238E27FC236}">
-                <a16:creationId xmlns:a16="http://schemas.microsoft.com/office/drawing/2014/main" id="{B73689DB-85E2-66AD-6FF1-6C5BE92EE309}"/>
+                <a16:creationId xmlns:a16="http://schemas.microsoft.com/office/drawing/2014/main" id="{B13AB13C-DBA6-8FDE-A39C-2E9706C95C5B}"/>
               </a:ext>
             </a:extLst>
           </p:cNvPr>
@@ -6570,10 +6559,10 @@
       </p:pic>
       <p:sp>
         <p:nvSpPr>
-          <p:cNvPr id="11" name="Slide Body Text">
+          <p:cNvPr id="6" name="Slide Body Text">
             <a:extLst>
               <a:ext uri="{FF2B5EF4-FFF2-40B4-BE49-F238E27FC236}">
-                <a16:creationId xmlns:a16="http://schemas.microsoft.com/office/drawing/2014/main" id="{F2A02858-1E3B-C779-6ED0-CC81620DC14D}"/>
+                <a16:creationId xmlns:a16="http://schemas.microsoft.com/office/drawing/2014/main" id="{97E1D00E-AB8E-189E-1BEB-447A35DE465E}"/>
               </a:ext>
             </a:extLst>
           </p:cNvPr>
@@ -6671,7 +6660,7 @@
           <p:cNvPr id="7" name="Picture 6" descr="SoftUni AI logo">
             <a:extLst>
               <a:ext uri="{FF2B5EF4-FFF2-40B4-BE49-F238E27FC236}">
-                <a16:creationId xmlns:a16="http://schemas.microsoft.com/office/drawing/2014/main" id="{26609CEF-9335-7273-7A60-7AEBACF8C933}"/>
+                <a16:creationId xmlns:a16="http://schemas.microsoft.com/office/drawing/2014/main" id="{76D5EF69-3C84-2C4D-7313-715A044AE725}"/>
               </a:ext>
             </a:extLst>
           </p:cNvPr>
@@ -6703,47 +6692,15 @@
           </a:prstGeom>
         </p:spPr>
       </p:pic>
-      <p:sp>
-        <p:nvSpPr>
-          <p:cNvPr id="3" name="Title 2">
-            <a:extLst>
-              <a:ext uri="{FF2B5EF4-FFF2-40B4-BE49-F238E27FC236}">
-                <a16:creationId xmlns:a16="http://schemas.microsoft.com/office/drawing/2014/main" id="{DF703B72-D411-9329-0926-0D669AE9BB97}"/>
-              </a:ext>
-            </a:extLst>
-          </p:cNvPr>
-          <p:cNvSpPr>
-            <a:spLocks noGrp="1"/>
-          </p:cNvSpPr>
-          <p:nvPr>
-            <p:ph type="title" hasCustomPrompt="1"/>
-          </p:nvPr>
-        </p:nvSpPr>
-        <p:spPr/>
-        <p:txBody>
-          <a:bodyPr/>
-          <a:lstStyle>
-            <a:lvl1pPr>
-              <a:defRPr/>
-            </a:lvl1pPr>
-          </a:lstStyle>
-          <a:p>
-            <a:r>
-              <a:rPr lang="en-US" dirty="0"/>
-              <a:t>Homework</a:t>
-            </a:r>
-          </a:p>
-        </p:txBody>
-      </p:sp>
     </p:spTree>
     <p:extLst>
       <p:ext uri="{BB962C8B-B14F-4D97-AF65-F5344CB8AC3E}">
-        <p14:creationId xmlns:p14="http://schemas.microsoft.com/office/powerpoint/2010/main" val="418041915"/>
+        <p14:creationId xmlns:p14="http://schemas.microsoft.com/office/powerpoint/2010/main" val="1186458546"/>
       </p:ext>
     </p:extLst>
   </p:cSld>
   <p:clrMapOvr>
-    <a:overrideClrMapping bg1="lt1" tx1="dk1" bg2="lt2" tx2="dk2" accent1="accent1" accent2="accent2" accent3="accent3" accent4="accent4" accent5="accent5" accent6="accent6" hlink="hlink" folHlink="folHlink"/>
+    <a:masterClrMapping/>
   </p:clrMapOvr>
   <mc:AlternateContent xmlns:mc="http://schemas.openxmlformats.org/markup-compatibility/2006" xmlns:p14="http://schemas.microsoft.com/office/powerpoint/2010/main">
     <mc:Choice Requires="p14">
@@ -6757,7 +6714,7 @@
 </file>
 
 <file path=ppt/slideLayouts/slideLayout19.xml><?xml version="1.0" encoding="utf-8"?>
-<p:sldLayout xmlns:a="http://schemas.openxmlformats.org/drawingml/2006/main" xmlns:r="http://schemas.openxmlformats.org/officeDocument/2006/relationships" xmlns:p="http://schemas.openxmlformats.org/presentationml/2006/main" userDrawn="1">
+<p:sldLayout xmlns:a="http://schemas.openxmlformats.org/drawingml/2006/main" xmlns:r="http://schemas.openxmlformats.org/officeDocument/2006/relationships" xmlns:p="http://schemas.openxmlformats.org/presentationml/2006/main" preserve="1" userDrawn="1">
   <p:cSld name="Additional Resources">
     <p:bg>
       <p:bgPr>
@@ -6789,10 +6746,10 @@
       </p:grpSpPr>
       <p:sp>
         <p:nvSpPr>
-          <p:cNvPr id="7" name="Round Single Corner of Rectangle 4">
+          <p:cNvPr id="3" name="Round Single Corner of Rectangle 4">
             <a:extLst>
               <a:ext uri="{FF2B5EF4-FFF2-40B4-BE49-F238E27FC236}">
-                <a16:creationId xmlns:a16="http://schemas.microsoft.com/office/drawing/2014/main" id="{B0C6FEC7-6CC9-328D-5132-B42E2C1A8B95}"/>
+                <a16:creationId xmlns:a16="http://schemas.microsoft.com/office/drawing/2014/main" id="{BD7EFF37-B738-8068-257E-131A180887F6}"/>
               </a:ext>
             </a:extLst>
           </p:cNvPr>
@@ -6867,10 +6824,10 @@
       </p:sp>
       <p:pic>
         <p:nvPicPr>
-          <p:cNvPr id="3" name="Picture 2" descr="SoftUni AI logo">
+          <p:cNvPr id="4" name="Picture 3" descr="SoftUni AI logo">
             <a:extLst>
               <a:ext uri="{FF2B5EF4-FFF2-40B4-BE49-F238E27FC236}">
-                <a16:creationId xmlns:a16="http://schemas.microsoft.com/office/drawing/2014/main" id="{2883A72D-6197-F91D-54BE-3A556840DA80}"/>
+                <a16:creationId xmlns:a16="http://schemas.microsoft.com/office/drawing/2014/main" id="{B87D1691-87C5-6B09-F808-CDD5E7522A3B}"/>
               </a:ext>
             </a:extLst>
           </p:cNvPr>
@@ -6904,10 +6861,10 @@
       </p:pic>
       <p:pic>
         <p:nvPicPr>
-          <p:cNvPr id="8" name="Picture 7" descr="A book with circuit board">
+          <p:cNvPr id="5" name="Picture 4">
             <a:extLst>
               <a:ext uri="{FF2B5EF4-FFF2-40B4-BE49-F238E27FC236}">
-                <a16:creationId xmlns:a16="http://schemas.microsoft.com/office/drawing/2014/main" id="{5E6161E3-FF9A-689E-4B83-8BF99BD69108}"/>
+                <a16:creationId xmlns:a16="http://schemas.microsoft.com/office/drawing/2014/main" id="{2BBAFD53-CDB0-B2A7-0EDA-89517A807F29}"/>
               </a:ext>
             </a:extLst>
           </p:cNvPr>
@@ -6924,14 +6881,13 @@
               </a:ext>
             </a:extLst>
           </a:blip>
-          <a:stretch>
-            <a:fillRect/>
-          </a:stretch>
+          <a:srcRect/>
+          <a:stretch/>
         </p:blipFill>
         <p:spPr>
           <a:xfrm>
-            <a:off x="8686700" y="4365104"/>
-            <a:ext cx="3115854" cy="2225610"/>
+            <a:off x="9622804" y="4365104"/>
+            <a:ext cx="2318641" cy="2225610"/>
           </a:xfrm>
           <a:prstGeom prst="rect">
             <a:avLst/>
@@ -6940,10 +6896,10 @@
       </p:pic>
       <p:sp>
         <p:nvSpPr>
-          <p:cNvPr id="9" name="Slide Number">
+          <p:cNvPr id="2" name="Title 1">
             <a:extLst>
               <a:ext uri="{FF2B5EF4-FFF2-40B4-BE49-F238E27FC236}">
-                <a16:creationId xmlns:a16="http://schemas.microsoft.com/office/drawing/2014/main" id="{4E7A29FB-8CA9-095D-0CC7-8E8E5D5E919C}"/>
+                <a16:creationId xmlns:a16="http://schemas.microsoft.com/office/drawing/2014/main" id="{38DF5F20-663E-92E8-A8A3-9940492A17BF}"/>
               </a:ext>
             </a:extLst>
           </p:cNvPr>
@@ -6951,47 +6907,28 @@
             <a:spLocks noGrp="1"/>
           </p:cNvSpPr>
           <p:nvPr>
-            <p:ph type="sldNum" sz="quarter" idx="5"/>
+            <p:ph type="title" hasCustomPrompt="1"/>
           </p:nvPr>
         </p:nvSpPr>
-        <p:spPr>
-          <a:xfrm>
-            <a:off x="11753030" y="6507000"/>
-            <a:ext cx="367414" cy="297000"/>
-          </a:xfrm>
-          <a:prstGeom prst="rect">
-            <a:avLst/>
-          </a:prstGeom>
-        </p:spPr>
+        <p:spPr/>
         <p:txBody>
-          <a:bodyPr vert="horz" lIns="91440" tIns="45720" rIns="91440" bIns="45720" rtlCol="0" anchor="b"/>
-          <a:lstStyle>
-            <a:lvl1pPr algn="r">
-              <a:defRPr sz="1000">
-                <a:solidFill>
-                  <a:schemeClr val="bg1">
-                    <a:lumMod val="75000"/>
-                  </a:schemeClr>
-                </a:solidFill>
-              </a:defRPr>
-            </a:lvl1pPr>
-          </a:lstStyle>
-          <a:p>
-            <a:fld id="{2BF067CD-8E6B-4360-9AA8-C5DF2A48A6D1}" type="slidenum">
-              <a:rPr lang="en-US" smtClean="0"/>
-              <a:pPr/>
-              <a:t>‹#›</a:t>
-            </a:fld>
+          <a:bodyPr/>
+          <a:lstStyle/>
+          <a:p>
+            <a:r>
+              <a:rPr lang="en-US" noProof="0" dirty="0"/>
+              <a:t>Additional Resources</a:t>
+            </a:r>
             <a:endParaRPr lang="en-US" dirty="0"/>
           </a:p>
         </p:txBody>
       </p:sp>
       <p:sp>
         <p:nvSpPr>
-          <p:cNvPr id="11" name="Slide Body Text">
+          <p:cNvPr id="6" name="Slide Body Text">
             <a:extLst>
               <a:ext uri="{FF2B5EF4-FFF2-40B4-BE49-F238E27FC236}">
-                <a16:creationId xmlns:a16="http://schemas.microsoft.com/office/drawing/2014/main" id="{2C2EEEE3-44F5-B682-273F-EAA20CDB4834}"/>
+                <a16:creationId xmlns:a16="http://schemas.microsoft.com/office/drawing/2014/main" id="{5B62B853-7F30-21D1-409D-B63DC50CEC9F}"/>
               </a:ext>
             </a:extLst>
           </p:cNvPr>
@@ -7089,10 +7026,10 @@
       </p:sp>
       <p:sp>
         <p:nvSpPr>
-          <p:cNvPr id="14" name="Slide Title">
+          <p:cNvPr id="7" name="Slide Number">
             <a:extLst>
               <a:ext uri="{FF2B5EF4-FFF2-40B4-BE49-F238E27FC236}">
-                <a16:creationId xmlns:a16="http://schemas.microsoft.com/office/drawing/2014/main" id="{E2C5C023-F492-E634-E0ED-6600D56A0362}"/>
+                <a16:creationId xmlns:a16="http://schemas.microsoft.com/office/drawing/2014/main" id="{50B6CEA6-6159-3BE6-1081-F3281822EA4C}"/>
               </a:ext>
             </a:extLst>
           </p:cNvPr>
@@ -7100,46 +7037,45 @@
             <a:spLocks noGrp="1"/>
           </p:cNvSpPr>
           <p:nvPr>
-            <p:ph type="title" hasCustomPrompt="1"/>
+            <p:ph type="sldNum" sz="quarter" idx="5"/>
           </p:nvPr>
         </p:nvSpPr>
         <p:spPr>
           <a:xfrm>
-            <a:off x="190355" y="100750"/>
-            <a:ext cx="10800601" cy="882654"/>
+            <a:off x="11753030" y="6507000"/>
+            <a:ext cx="367414" cy="297000"/>
           </a:xfrm>
           <a:prstGeom prst="rect">
             <a:avLst/>
           </a:prstGeom>
         </p:spPr>
         <p:txBody>
-          <a:bodyPr>
-            <a:normAutofit/>
-          </a:bodyPr>
+          <a:bodyPr vert="horz" lIns="91440" tIns="45720" rIns="91440" bIns="45720" rtlCol="0" anchor="b"/>
           <a:lstStyle>
-            <a:lvl1pPr latinLnBrk="0">
-              <a:defRPr sz="4400">
+            <a:lvl1pPr algn="r">
+              <a:defRPr sz="1000">
                 <a:solidFill>
                   <a:schemeClr val="bg1">
-                    <a:lumMod val="20000"/>
-                    <a:lumOff val="80000"/>
+                    <a:lumMod val="75000"/>
                   </a:schemeClr>
                 </a:solidFill>
               </a:defRPr>
             </a:lvl1pPr>
           </a:lstStyle>
           <a:p>
-            <a:r>
-              <a:rPr lang="en-US" noProof="0" dirty="0"/>
-              <a:t>Additional Resources</a:t>
-            </a:r>
+            <a:fld id="{2BF067CD-8E6B-4360-9AA8-C5DF2A48A6D1}" type="slidenum">
+              <a:rPr lang="en-US" smtClean="0"/>
+              <a:pPr/>
+              <a:t>‹#›</a:t>
+            </a:fld>
+            <a:endParaRPr lang="en-US" dirty="0"/>
           </a:p>
         </p:txBody>
       </p:sp>
     </p:spTree>
     <p:extLst>
       <p:ext uri="{BB962C8B-B14F-4D97-AF65-F5344CB8AC3E}">
-        <p14:creationId xmlns:p14="http://schemas.microsoft.com/office/powerpoint/2010/main" val="3865973751"/>
+        <p14:creationId xmlns:p14="http://schemas.microsoft.com/office/powerpoint/2010/main" val="1168809526"/>
       </p:ext>
     </p:extLst>
   </p:cSld>
@@ -8413,12 +8349,15 @@
 </file>
 
 <file path=ppt/slideLayouts/slideLayout6.xml><?xml version="1.0" encoding="utf-8"?>
-<p:sldLayout xmlns:a="http://schemas.openxmlformats.org/drawingml/2006/main" xmlns:r="http://schemas.openxmlformats.org/officeDocument/2006/relationships" xmlns:p="http://schemas.openxmlformats.org/presentationml/2006/main" userDrawn="1">
+<p:sldLayout xmlns:a="http://schemas.openxmlformats.org/drawingml/2006/main" xmlns:r="http://schemas.openxmlformats.org/officeDocument/2006/relationships" xmlns:p="http://schemas.openxmlformats.org/presentationml/2006/main" preserve="1" userDrawn="1">
   <p:cSld name="Demo Slide Abstract">
     <p:bg>
       <p:bgPr>
-        <a:blipFill>
-          <a:blip r:embed="rId2"/>
+        <a:blipFill dpi="0" rotWithShape="1">
+          <a:blip r:embed="rId2">
+            <a:lum/>
+          </a:blip>
+          <a:srcRect/>
           <a:stretch>
             <a:fillRect/>
           </a:stretch>
@@ -8440,12 +8379,58 @@
           <a:chExt cx="0" cy="0"/>
         </a:xfrm>
       </p:grpSpPr>
+      <p:sp>
+        <p:nvSpPr>
+          <p:cNvPr id="2" name="Title 1">
+            <a:extLst>
+              <a:ext uri="{FF2B5EF4-FFF2-40B4-BE49-F238E27FC236}">
+                <a16:creationId xmlns:a16="http://schemas.microsoft.com/office/drawing/2014/main" id="{8BF37A19-D572-FC4F-F648-382AB4C0E3A1}"/>
+              </a:ext>
+            </a:extLst>
+          </p:cNvPr>
+          <p:cNvSpPr>
+            <a:spLocks noGrp="1"/>
+          </p:cNvSpPr>
+          <p:nvPr>
+            <p:ph type="title" hasCustomPrompt="1"/>
+          </p:nvPr>
+        </p:nvSpPr>
+        <p:spPr>
+          <a:xfrm>
+            <a:off x="4222204" y="2389483"/>
+            <a:ext cx="7632848" cy="967509"/>
+          </a:xfrm>
+        </p:spPr>
+        <p:txBody>
+          <a:bodyPr>
+            <a:noAutofit/>
+          </a:bodyPr>
+          <a:lstStyle>
+            <a:lvl1pPr>
+              <a:defRPr sz="5400">
+                <a:solidFill>
+                  <a:schemeClr val="bg1">
+                    <a:lumMod val="20000"/>
+                    <a:lumOff val="80000"/>
+                  </a:schemeClr>
+                </a:solidFill>
+              </a:defRPr>
+            </a:lvl1pPr>
+          </a:lstStyle>
+          <a:p>
+            <a:r>
+              <a:rPr lang="en-US" dirty="0"/>
+              <a:t>Demo Slide</a:t>
+            </a:r>
+          </a:p>
+        </p:txBody>
+      </p:sp>
       <p:pic>
         <p:nvPicPr>
-          <p:cNvPr id="9" name="Picture 8">
+          <p:cNvPr id="3" name="Picture 2">
             <a:extLst>
               <a:ext uri="{FF2B5EF4-FFF2-40B4-BE49-F238E27FC236}">
-                <a16:creationId xmlns:a16="http://schemas.microsoft.com/office/drawing/2014/main" id="{B2147F7C-860E-4847-822C-CB2C028A6260}"/>
+                <a16:creationId xmlns:a16="http://schemas.microsoft.com/office/drawing/2014/main" id="{6688023F-7165-C782-A747-713DEC261AC8}"/>
               </a:ext>
             </a:extLst>
           </p:cNvPr>
@@ -8470,12 +8455,47 @@
           </a:prstGeom>
         </p:spPr>
       </p:pic>
+      <p:pic>
+        <p:nvPicPr>
+          <p:cNvPr id="4" name="Picture 3" descr="abstract network">
+            <a:extLst>
+              <a:ext uri="{FF2B5EF4-FFF2-40B4-BE49-F238E27FC236}">
+                <a16:creationId xmlns:a16="http://schemas.microsoft.com/office/drawing/2014/main" id="{6F0E1C26-F9D4-9F23-D7F9-430539AAB4CB}"/>
+              </a:ext>
+            </a:extLst>
+          </p:cNvPr>
+          <p:cNvPicPr>
+            <a:picLocks noChangeAspect="1"/>
+          </p:cNvPicPr>
+          <p:nvPr userDrawn="1"/>
+        </p:nvPicPr>
+        <p:blipFill>
+          <a:blip r:embed="rId4">
+            <a:extLst>
+              <a:ext uri="{28A0092B-C50C-407E-A947-70E740481C1C}">
+                <a14:useLocalDpi xmlns:a14="http://schemas.microsoft.com/office/drawing/2010/main" val="0"/>
+              </a:ext>
+            </a:extLst>
+          </a:blip>
+          <a:srcRect/>
+          <a:stretch/>
+        </p:blipFill>
+        <p:spPr>
+          <a:xfrm>
+            <a:off x="117748" y="1848201"/>
+            <a:ext cx="3390668" cy="3233607"/>
+          </a:xfrm>
+          <a:prstGeom prst="rect">
+            <a:avLst/>
+          </a:prstGeom>
+        </p:spPr>
+      </p:pic>
       <p:sp>
         <p:nvSpPr>
-          <p:cNvPr id="3" name="Slide Subtitle">
+          <p:cNvPr id="5" name="Slide Subtitle">
             <a:extLst>
               <a:ext uri="{FF2B5EF4-FFF2-40B4-BE49-F238E27FC236}">
-                <a16:creationId xmlns:a16="http://schemas.microsoft.com/office/drawing/2014/main" id="{35DD5FB3-CB07-D526-0438-08A61A0CF5B0}"/>
+                <a16:creationId xmlns:a16="http://schemas.microsoft.com/office/drawing/2014/main" id="{0344216F-8916-D20C-E7E9-C219340D14B5}"/>
               </a:ext>
             </a:extLst>
           </p:cNvPr>
@@ -8522,106 +8542,17 @@
             <a:pPr lvl="0"/>
             <a:r>
               <a:rPr lang="en-US" dirty="0"/>
-              <a:t>Click to Edit Section Subtitle</a:t>
+              <a:t>Click to Edit Subtitle</a:t>
             </a:r>
           </a:p>
         </p:txBody>
       </p:sp>
       <p:sp>
         <p:nvSpPr>
-          <p:cNvPr id="5" name="Slide Title">
+          <p:cNvPr id="6" name="Slide Number">
             <a:extLst>
               <a:ext uri="{FF2B5EF4-FFF2-40B4-BE49-F238E27FC236}">
-                <a16:creationId xmlns:a16="http://schemas.microsoft.com/office/drawing/2014/main" id="{338C5927-F821-98D2-5C94-589A067C582D}"/>
-              </a:ext>
-            </a:extLst>
-          </p:cNvPr>
-          <p:cNvSpPr>
-            <a:spLocks noGrp="1"/>
-          </p:cNvSpPr>
-          <p:nvPr>
-            <p:ph type="title" hasCustomPrompt="1"/>
-          </p:nvPr>
-        </p:nvSpPr>
-        <p:spPr>
-          <a:xfrm>
-            <a:off x="4222204" y="2492896"/>
-            <a:ext cx="7632848" cy="864096"/>
-          </a:xfrm>
-          <a:prstGeom prst="rect">
-            <a:avLst/>
-          </a:prstGeom>
-        </p:spPr>
-        <p:txBody>
-          <a:bodyPr vert="horz" lIns="108000" tIns="36000" rIns="108000" bIns="36000" rtlCol="0" anchor="ctr">
-            <a:noAutofit/>
-          </a:bodyPr>
-          <a:lstStyle>
-            <a:lvl1pPr algn="l">
-              <a:lnSpc>
-                <a:spcPct val="105000"/>
-              </a:lnSpc>
-              <a:defRPr lang="en-US" sz="5400" b="1" i="0" baseline="0">
-                <a:solidFill>
-                  <a:srgbClr val="75FFE5"/>
-                </a:solidFill>
-                <a:latin typeface="+mj-lt"/>
-                <a:ea typeface="Roboto" panose="02000000000000000000" pitchFamily="2" charset="0"/>
-                <a:cs typeface="Montserrat Bold"/>
-              </a:defRPr>
-            </a:lvl1pPr>
-          </a:lstStyle>
-          <a:p>
-            <a:pPr lvl="0"/>
-            <a:r>
-              <a:rPr lang="en-US" dirty="0"/>
-              <a:t>Demo Slide</a:t>
-            </a:r>
-            <a:endParaRPr lang="en-US" altLang="ko-KR" dirty="0"/>
-          </a:p>
-        </p:txBody>
-      </p:sp>
-      <p:pic>
-        <p:nvPicPr>
-          <p:cNvPr id="7" name="Picture 6" descr="abstract network">
-            <a:extLst>
-              <a:ext uri="{FF2B5EF4-FFF2-40B4-BE49-F238E27FC236}">
-                <a16:creationId xmlns:a16="http://schemas.microsoft.com/office/drawing/2014/main" id="{4E0E6C2D-321B-B240-0844-02E67084A8F8}"/>
-              </a:ext>
-            </a:extLst>
-          </p:cNvPr>
-          <p:cNvPicPr>
-            <a:picLocks noChangeAspect="1"/>
-          </p:cNvPicPr>
-          <p:nvPr userDrawn="1"/>
-        </p:nvPicPr>
-        <p:blipFill>
-          <a:blip r:embed="rId4">
-            <a:extLst>
-              <a:ext uri="{28A0092B-C50C-407E-A947-70E740481C1C}">
-                <a14:useLocalDpi xmlns:a14="http://schemas.microsoft.com/office/drawing/2010/main" val="0"/>
-              </a:ext>
-            </a:extLst>
-          </a:blip>
-          <a:srcRect/>
-          <a:stretch/>
-        </p:blipFill>
-        <p:spPr>
-          <a:xfrm>
-            <a:off x="117748" y="1848201"/>
-            <a:ext cx="3390668" cy="3233607"/>
-          </a:xfrm>
-          <a:prstGeom prst="rect">
-            <a:avLst/>
-          </a:prstGeom>
-        </p:spPr>
-      </p:pic>
-      <p:sp>
-        <p:nvSpPr>
-          <p:cNvPr id="11" name="Slide Number">
-            <a:extLst>
-              <a:ext uri="{FF2B5EF4-FFF2-40B4-BE49-F238E27FC236}">
-                <a16:creationId xmlns:a16="http://schemas.microsoft.com/office/drawing/2014/main" id="{F933D882-65BF-FA4D-87CE-8986B746FF15}"/>
+                <a16:creationId xmlns:a16="http://schemas.microsoft.com/office/drawing/2014/main" id="{EE0DCA5D-3F03-954E-7A78-758BE0865FB6}"/>
               </a:ext>
             </a:extLst>
           </p:cNvPr>
@@ -8648,7 +8579,6 @@
               <a:defRPr sz="1000">
                 <a:solidFill>
                   <a:schemeClr val="bg1">
-                    <a:lumMod val="75000"/>
                     <a:alpha val="50000"/>
                   </a:schemeClr>
                 </a:solidFill>
@@ -8668,7 +8598,7 @@
     </p:spTree>
     <p:extLst>
       <p:ext uri="{BB962C8B-B14F-4D97-AF65-F5344CB8AC3E}">
-        <p14:creationId xmlns:p14="http://schemas.microsoft.com/office/powerpoint/2010/main" val="1663392312"/>
+        <p14:creationId xmlns:p14="http://schemas.microsoft.com/office/powerpoint/2010/main" val="965952296"/>
       </p:ext>
     </p:extLst>
   </p:cSld>
@@ -10254,7 +10184,7 @@
     <p:sldLayoutId id="2147483673" r:id="rId3"/>
     <p:sldLayoutId id="2147483692" r:id="rId4"/>
     <p:sldLayoutId id="2147483688" r:id="rId5"/>
-    <p:sldLayoutId id="2147483694" r:id="rId6"/>
+    <p:sldLayoutId id="2147483702" r:id="rId6"/>
     <p:sldLayoutId id="2147483676" r:id="rId7"/>
     <p:sldLayoutId id="2147483674" r:id="rId8"/>
     <p:sldLayoutId id="2147483698" r:id="rId9"/>
@@ -10263,11 +10193,11 @@
     <p:sldLayoutId id="2147483678" r:id="rId12"/>
     <p:sldLayoutId id="2147483693" r:id="rId13"/>
     <p:sldLayoutId id="2147483677" r:id="rId14"/>
-    <p:sldLayoutId id="2147483695" r:id="rId15"/>
+    <p:sldLayoutId id="2147483701" r:id="rId15"/>
     <p:sldLayoutId id="2147483699" r:id="rId16"/>
     <p:sldLayoutId id="2147483689" r:id="rId17"/>
-    <p:sldLayoutId id="2147483696" r:id="rId18"/>
-    <p:sldLayoutId id="2147483697" r:id="rId19"/>
+    <p:sldLayoutId id="2147483704" r:id="rId18"/>
+    <p:sldLayoutId id="2147483703" r:id="rId19"/>
   </p:sldLayoutIdLst>
   <mc:AlternateContent xmlns:mc="http://schemas.openxmlformats.org/markup-compatibility/2006" xmlns:p14="http://schemas.microsoft.com/office/powerpoint/2010/main">
     <mc:Choice Requires="p14">
@@ -10756,8 +10686,12 @@
           <a:lstStyle/>
           <a:p>
             <a:r>
+              <a:rPr lang="en-US"/>
+              <a:t>Software </a:t>
+            </a:r>
+            <a:r>
               <a:rPr lang="en-US" dirty="0"/>
-              <a:t>Software Engineers in the AI Era</a:t>
+              <a:t>Engineers in the AI Era</a:t>
             </a:r>
           </a:p>
         </p:txBody>
@@ -13241,45 +13175,10 @@
       </p:grpSpPr>
       <p:sp>
         <p:nvSpPr>
-          <p:cNvPr id="2" name="Slide Number Placeholder 1">
+          <p:cNvPr id="2" name="Title 1">
             <a:extLst>
               <a:ext uri="{FF2B5EF4-FFF2-40B4-BE49-F238E27FC236}">
-                <a16:creationId xmlns:a16="http://schemas.microsoft.com/office/drawing/2014/main" id="{5E091A71-3F05-9CF8-AB20-FBBD5F699BB5}"/>
-              </a:ext>
-            </a:extLst>
-          </p:cNvPr>
-          <p:cNvSpPr>
-            <a:spLocks noGrp="1"/>
-          </p:cNvSpPr>
-          <p:nvPr>
-            <p:ph type="sldNum" sz="quarter" idx="5"/>
-          </p:nvPr>
-        </p:nvSpPr>
-        <p:spPr>
-          <a:xfrm>
-            <a:off x="11753030" y="6507000"/>
-            <a:ext cx="367414" cy="297000"/>
-          </a:xfrm>
-        </p:spPr>
-        <p:txBody>
-          <a:bodyPr/>
-          <a:lstStyle/>
-          <a:p>
-            <a:fld id="{2BF067CD-8E6B-4360-9AA8-C5DF2A48A6D1}" type="slidenum">
-              <a:rPr lang="en-US" smtClean="0"/>
-              <a:pPr/>
-              <a:t>18</a:t>
-            </a:fld>
-            <a:endParaRPr lang="en-US" dirty="0"/>
-          </a:p>
-        </p:txBody>
-      </p:sp>
-      <p:sp>
-        <p:nvSpPr>
-          <p:cNvPr id="5" name="Title 4">
-            <a:extLst>
-              <a:ext uri="{FF2B5EF4-FFF2-40B4-BE49-F238E27FC236}">
-                <a16:creationId xmlns:a16="http://schemas.microsoft.com/office/drawing/2014/main" id="{807FFAAC-6924-6A0E-FF3E-17EEEDBB33A6}"/>
+                <a16:creationId xmlns:a16="http://schemas.microsoft.com/office/drawing/2014/main" id="{396E4C01-F726-84AB-02C8-E44A44A0C4E6}"/>
               </a:ext>
             </a:extLst>
           </p:cNvPr>
@@ -13304,7 +13203,37 @@
       </p:sp>
       <p:sp>
         <p:nvSpPr>
-          <p:cNvPr id="3" name="TextBox 2">
+          <p:cNvPr id="3" name="Slide Number Placeholder 2">
+            <a:extLst>
+              <a:ext uri="{FF2B5EF4-FFF2-40B4-BE49-F238E27FC236}">
+                <a16:creationId xmlns:a16="http://schemas.microsoft.com/office/drawing/2014/main" id="{B6EB59B4-E303-581A-744B-B885432DCA6A}"/>
+              </a:ext>
+            </a:extLst>
+          </p:cNvPr>
+          <p:cNvSpPr>
+            <a:spLocks noGrp="1"/>
+          </p:cNvSpPr>
+          <p:nvPr>
+            <p:ph type="sldNum" sz="quarter" idx="5"/>
+          </p:nvPr>
+        </p:nvSpPr>
+        <p:spPr/>
+        <p:txBody>
+          <a:bodyPr/>
+          <a:lstStyle/>
+          <a:p>
+            <a:fld id="{2BF067CD-8E6B-4360-9AA8-C5DF2A48A6D1}" type="slidenum">
+              <a:rPr lang="en-US" smtClean="0"/>
+              <a:pPr/>
+              <a:t>18</a:t>
+            </a:fld>
+            <a:endParaRPr lang="en-US" dirty="0"/>
+          </a:p>
+        </p:txBody>
+      </p:sp>
+      <p:sp>
+        <p:nvSpPr>
+          <p:cNvPr id="4" name="TextBox 3">
             <a:hlinkClick r:id="rId2"/>
             <a:extLst>
               <a:ext uri="{FF2B5EF4-FFF2-40B4-BE49-F238E27FC236}">
@@ -13414,7 +13343,7 @@
     </p:spTree>
     <p:extLst>
       <p:ext uri="{BB962C8B-B14F-4D97-AF65-F5344CB8AC3E}">
-        <p14:creationId xmlns:p14="http://schemas.microsoft.com/office/powerpoint/2010/main" val="412459703"/>
+        <p14:creationId xmlns:p14="http://schemas.microsoft.com/office/powerpoint/2010/main" val="2111085236"/>
       </p:ext>
     </p:extLst>
   </p:cSld>
@@ -17718,10 +17647,38 @@
       </p:grpSpPr>
       <p:sp>
         <p:nvSpPr>
-          <p:cNvPr id="2" name="Text Placeholder 1">
+          <p:cNvPr id="2" name="Title 1">
             <a:extLst>
               <a:ext uri="{FF2B5EF4-FFF2-40B4-BE49-F238E27FC236}">
-                <a16:creationId xmlns:a16="http://schemas.microsoft.com/office/drawing/2014/main" id="{6A6E0EE5-8A96-C4F9-494B-D962C1C5FA94}"/>
+                <a16:creationId xmlns:a16="http://schemas.microsoft.com/office/drawing/2014/main" id="{90A8B70E-4129-B3A8-AFB5-8543A7AC218B}"/>
+              </a:ext>
+            </a:extLst>
+          </p:cNvPr>
+          <p:cNvSpPr>
+            <a:spLocks noGrp="1"/>
+          </p:cNvSpPr>
+          <p:nvPr>
+            <p:ph type="title"/>
+          </p:nvPr>
+        </p:nvSpPr>
+        <p:spPr/>
+        <p:txBody>
+          <a:bodyPr/>
+          <a:lstStyle/>
+          <a:p>
+            <a:r>
+              <a:rPr lang="en-US" dirty="0"/>
+              <a:t>More Examples</a:t>
+            </a:r>
+          </a:p>
+        </p:txBody>
+      </p:sp>
+      <p:sp>
+        <p:nvSpPr>
+          <p:cNvPr id="3" name="Text Placeholder 2">
+            <a:extLst>
+              <a:ext uri="{FF2B5EF4-FFF2-40B4-BE49-F238E27FC236}">
+                <a16:creationId xmlns:a16="http://schemas.microsoft.com/office/drawing/2014/main" id="{540927F5-721D-132E-7C4A-4DED6144AC5F}"/>
               </a:ext>
             </a:extLst>
           </p:cNvPr>
@@ -17738,36 +17695,8 @@
           <a:lstStyle/>
           <a:p>
             <a:r>
-              <a:rPr lang="en-US" sz="3400" dirty="0"/>
+              <a:rPr lang="en-US" sz="3500" dirty="0"/>
               <a:t>Just to Demonstrate Formatting</a:t>
-            </a:r>
-          </a:p>
-        </p:txBody>
-      </p:sp>
-      <p:sp>
-        <p:nvSpPr>
-          <p:cNvPr id="3" name="Title 2">
-            <a:extLst>
-              <a:ext uri="{FF2B5EF4-FFF2-40B4-BE49-F238E27FC236}">
-                <a16:creationId xmlns:a16="http://schemas.microsoft.com/office/drawing/2014/main" id="{C373A462-5D7F-432C-7F99-A4F7E357B13D}"/>
-              </a:ext>
-            </a:extLst>
-          </p:cNvPr>
-          <p:cNvSpPr>
-            <a:spLocks noGrp="1"/>
-          </p:cNvSpPr>
-          <p:nvPr>
-            <p:ph type="title"/>
-          </p:nvPr>
-        </p:nvSpPr>
-        <p:spPr/>
-        <p:txBody>
-          <a:bodyPr/>
-          <a:lstStyle/>
-          <a:p>
-            <a:r>
-              <a:rPr lang="en-US" dirty="0"/>
-              <a:t>More Examples</a:t>
             </a:r>
           </a:p>
         </p:txBody>
@@ -17777,7 +17706,7 @@
           <p:cNvPr id="4" name="Slide Number Placeholder 3">
             <a:extLst>
               <a:ext uri="{FF2B5EF4-FFF2-40B4-BE49-F238E27FC236}">
-                <a16:creationId xmlns:a16="http://schemas.microsoft.com/office/drawing/2014/main" id="{DDB9AAC4-7CF5-0667-D2DF-D676C7105B33}"/>
+                <a16:creationId xmlns:a16="http://schemas.microsoft.com/office/drawing/2014/main" id="{599564C3-9941-5431-C2F2-3EBEC7E2CC48}"/>
               </a:ext>
             </a:extLst>
           </p:cNvPr>
@@ -17805,7 +17734,7 @@
     </p:spTree>
     <p:extLst>
       <p:ext uri="{BB962C8B-B14F-4D97-AF65-F5344CB8AC3E}">
-        <p14:creationId xmlns:p14="http://schemas.microsoft.com/office/powerpoint/2010/main" val="3634052818"/>
+        <p14:creationId xmlns:p14="http://schemas.microsoft.com/office/powerpoint/2010/main" val="2671287617"/>
       </p:ext>
     </p:extLst>
   </p:cSld>
@@ -17842,884 +17771,10 @@
       </p:grpSpPr>
       <p:sp>
         <p:nvSpPr>
-          <p:cNvPr id="463875" name="Rectangle 3"/>
-          <p:cNvSpPr>
-            <a:spLocks noGrp="1" noChangeArrowheads="1"/>
-          </p:cNvSpPr>
-          <p:nvPr>
-            <p:ph type="body" sz="quarter" idx="10"/>
-          </p:nvPr>
-        </p:nvSpPr>
-        <p:spPr/>
-        <p:txBody>
-          <a:bodyPr>
-            <a:normAutofit/>
-          </a:bodyPr>
-          <a:lstStyle/>
-          <a:p>
-            <a:pPr>
-              <a:lnSpc>
-                <a:spcPct val="100000"/>
-              </a:lnSpc>
-            </a:pPr>
-            <a:r>
-              <a:rPr lang="en-US" sz="3200" b="1" dirty="0">
-                <a:solidFill>
-                  <a:schemeClr val="accent4"/>
-                </a:solidFill>
-                <a:latin typeface="Consolas" panose="020B0609020204030204" pitchFamily="49" charset="0"/>
-              </a:rPr>
-              <a:t>switch-case</a:t>
-            </a:r>
-            <a:r>
-              <a:rPr lang="en-US" sz="3200" dirty="0"/>
-              <a:t> works as a sequence of </a:t>
-            </a:r>
-            <a:r>
-              <a:rPr lang="en-US" sz="3200" b="1" dirty="0">
-                <a:solidFill>
-                  <a:schemeClr val="accent4"/>
-                </a:solidFill>
-                <a:latin typeface="Consolas" panose="020B0609020204030204" pitchFamily="49" charset="0"/>
-              </a:rPr>
-              <a:t>if-else-if-else-if…</a:t>
-            </a:r>
-            <a:endParaRPr lang="en-US" sz="3200" dirty="0">
-              <a:solidFill>
-                <a:schemeClr val="accent4"/>
-              </a:solidFill>
-            </a:endParaRPr>
-          </a:p>
-        </p:txBody>
-      </p:sp>
-      <p:sp>
-        <p:nvSpPr>
-          <p:cNvPr id="463874" name="Rectangle 2"/>
-          <p:cNvSpPr>
-            <a:spLocks noGrp="1" noChangeArrowheads="1"/>
-          </p:cNvSpPr>
-          <p:nvPr>
-            <p:ph type="title"/>
-          </p:nvPr>
-        </p:nvSpPr>
-        <p:spPr/>
-        <p:txBody>
-          <a:bodyPr>
-            <a:noAutofit/>
-          </a:bodyPr>
-          <a:lstStyle/>
-          <a:p>
-            <a:r>
-              <a:rPr lang="en-US" sz="3600" dirty="0"/>
-              <a:t>The "</a:t>
-            </a:r>
-            <a:r>
-              <a:rPr lang="en-US" sz="3600" dirty="0">
-                <a:latin typeface="Consolas" panose="020B0609020204030204" pitchFamily="49" charset="0"/>
-              </a:rPr>
-              <a:t>switch-case</a:t>
-            </a:r>
-            <a:r>
-              <a:rPr lang="en-US" sz="3600" dirty="0"/>
-              <a:t>" Conditional Statement</a:t>
-            </a:r>
-            <a:endParaRPr lang="bg-BG" sz="3600" dirty="0">
-              <a:latin typeface="Consolas" pitchFamily="49" charset="0"/>
-              <a:cs typeface="Consolas" pitchFamily="49" charset="0"/>
-            </a:endParaRPr>
-          </a:p>
-        </p:txBody>
-      </p:sp>
-      <p:sp>
-        <p:nvSpPr>
-          <p:cNvPr id="463876" name="Rectangle 4"/>
-          <p:cNvSpPr>
-            <a:spLocks noChangeArrowheads="1"/>
-          </p:cNvSpPr>
-          <p:nvPr/>
-        </p:nvSpPr>
-        <p:spPr bwMode="auto">
-          <a:xfrm>
-            <a:off x="4259445" y="1968520"/>
-            <a:ext cx="3352800" cy="4650092"/>
-          </a:xfrm>
-          <a:prstGeom prst="rect">
-            <a:avLst/>
-          </a:prstGeom>
-          <a:solidFill>
-            <a:schemeClr val="accent6">
-              <a:lumMod val="75000"/>
-              <a:alpha val="15000"/>
-            </a:schemeClr>
-          </a:solidFill>
-          <a:ln w="12700">
-            <a:solidFill>
-              <a:schemeClr val="bg1">
-                <a:lumMod val="50000"/>
-              </a:schemeClr>
-            </a:solidFill>
-          </a:ln>
-        </p:spPr>
-        <p:txBody>
-          <a:bodyPr vert="horz" wrap="square" lIns="144000" tIns="108000" rIns="144000" bIns="108000" rtlCol="0">
-            <a:spAutoFit/>
-          </a:bodyPr>
-          <a:lstStyle/>
-          <a:p>
-            <a:pPr defTabSz="1218438"/>
-            <a:r>
-              <a:rPr lang="en-US" sz="2400" b="1" noProof="1">
-                <a:solidFill>
-                  <a:schemeClr val="bg2"/>
-                </a:solidFill>
-                <a:latin typeface="Consolas" pitchFamily="49" charset="0"/>
-              </a:rPr>
-              <a:t>switch (…)</a:t>
-            </a:r>
-          </a:p>
-          <a:p>
-            <a:pPr defTabSz="1218438"/>
-            <a:r>
-              <a:rPr lang="en-US" sz="2400" b="1" noProof="1">
-                <a:solidFill>
-                  <a:schemeClr val="bg2"/>
-                </a:solidFill>
-                <a:latin typeface="Consolas" pitchFamily="49" charset="0"/>
-              </a:rPr>
-              <a:t>{  </a:t>
-            </a:r>
-          </a:p>
-          <a:p>
-            <a:pPr defTabSz="1218438"/>
-            <a:r>
-              <a:rPr lang="en-US" sz="2400" b="1" noProof="1">
-                <a:solidFill>
-                  <a:schemeClr val="bg2"/>
-                </a:solidFill>
-                <a:latin typeface="Consolas" pitchFamily="49" charset="0"/>
-              </a:rPr>
-              <a:t>   case</a:t>
-            </a:r>
-            <a:r>
-              <a:rPr lang="bg-BG" sz="2400" b="1" noProof="1">
-                <a:solidFill>
-                  <a:schemeClr val="bg2"/>
-                </a:solidFill>
-                <a:latin typeface="Consolas" pitchFamily="49" charset="0"/>
-              </a:rPr>
-              <a:t> </a:t>
-            </a:r>
-            <a:r>
-              <a:rPr lang="en-US" sz="2400" b="1" noProof="1">
-                <a:solidFill>
-                  <a:schemeClr val="bg2"/>
-                </a:solidFill>
-                <a:latin typeface="Consolas" pitchFamily="49" charset="0"/>
-              </a:rPr>
-              <a:t>…:</a:t>
-            </a:r>
-          </a:p>
-          <a:p>
-            <a:pPr defTabSz="1218438"/>
-            <a:r>
-              <a:rPr lang="en-US" sz="2400" b="1" noProof="1">
-                <a:solidFill>
-                  <a:schemeClr val="bg2"/>
-                </a:solidFill>
-                <a:latin typeface="Consolas" pitchFamily="49" charset="0"/>
-              </a:rPr>
-              <a:t>   </a:t>
-            </a:r>
-            <a:r>
-              <a:rPr lang="bg-BG" sz="2400" b="1" noProof="1">
-                <a:solidFill>
-                  <a:schemeClr val="bg2"/>
-                </a:solidFill>
-                <a:latin typeface="Consolas" pitchFamily="49" charset="0"/>
-              </a:rPr>
-              <a:t> </a:t>
-            </a:r>
-            <a:r>
-              <a:rPr lang="en-US" sz="2400" b="1" noProof="1">
-                <a:solidFill>
-                  <a:schemeClr val="bg2"/>
-                </a:solidFill>
-                <a:latin typeface="Consolas" pitchFamily="49" charset="0"/>
-              </a:rPr>
-              <a:t>// code</a:t>
-            </a:r>
-          </a:p>
-          <a:p>
-            <a:pPr defTabSz="1218438"/>
-            <a:r>
-              <a:rPr lang="en-US" sz="2400" b="1" noProof="1">
-                <a:solidFill>
-                  <a:schemeClr val="bg2"/>
-                </a:solidFill>
-                <a:latin typeface="Consolas" pitchFamily="49" charset="0"/>
-              </a:rPr>
-              <a:t>    break;</a:t>
-            </a:r>
-          </a:p>
-          <a:p>
-            <a:pPr defTabSz="1218438"/>
-            <a:r>
-              <a:rPr lang="en-US" sz="2400" b="1" noProof="1">
-                <a:solidFill>
-                  <a:schemeClr val="bg2"/>
-                </a:solidFill>
-                <a:latin typeface="Consolas" pitchFamily="49" charset="0"/>
-              </a:rPr>
-              <a:t>   case</a:t>
-            </a:r>
-            <a:r>
-              <a:rPr lang="bg-BG" sz="2400" b="1" noProof="1">
-                <a:solidFill>
-                  <a:schemeClr val="bg2"/>
-                </a:solidFill>
-                <a:latin typeface="Consolas" pitchFamily="49" charset="0"/>
-              </a:rPr>
-              <a:t> </a:t>
-            </a:r>
-            <a:r>
-              <a:rPr lang="en-US" sz="2400" b="1" noProof="1">
-                <a:solidFill>
-                  <a:schemeClr val="bg2"/>
-                </a:solidFill>
-                <a:latin typeface="Consolas" pitchFamily="49" charset="0"/>
-              </a:rPr>
-              <a:t>…:</a:t>
-            </a:r>
-            <a:endParaRPr lang="bg-BG" sz="2400" b="1" noProof="1">
-              <a:solidFill>
-                <a:schemeClr val="bg2"/>
-              </a:solidFill>
-              <a:latin typeface="Consolas" pitchFamily="49" charset="0"/>
-            </a:endParaRPr>
-          </a:p>
-          <a:p>
-            <a:pPr defTabSz="1218438"/>
-            <a:r>
-              <a:rPr lang="en-US" sz="2400" b="1" noProof="1">
-                <a:solidFill>
-                  <a:schemeClr val="bg2"/>
-                </a:solidFill>
-                <a:latin typeface="Consolas" pitchFamily="49" charset="0"/>
-              </a:rPr>
-              <a:t>  </a:t>
-            </a:r>
-            <a:r>
-              <a:rPr lang="bg-BG" sz="2400" b="1" noProof="1">
-                <a:solidFill>
-                  <a:schemeClr val="bg2"/>
-                </a:solidFill>
-                <a:latin typeface="Consolas" pitchFamily="49" charset="0"/>
-              </a:rPr>
-              <a:t>  </a:t>
-            </a:r>
-            <a:r>
-              <a:rPr lang="en-US" sz="2400" b="1" noProof="1">
-                <a:solidFill>
-                  <a:schemeClr val="bg2"/>
-                </a:solidFill>
-                <a:latin typeface="Consolas" pitchFamily="49" charset="0"/>
-              </a:rPr>
-              <a:t>// code</a:t>
-            </a:r>
-          </a:p>
-          <a:p>
-            <a:pPr defTabSz="1218438"/>
-            <a:r>
-              <a:rPr lang="en-US" sz="2400" b="1" noProof="1">
-                <a:solidFill>
-                  <a:schemeClr val="bg2"/>
-                </a:solidFill>
-                <a:latin typeface="Consolas" pitchFamily="49" charset="0"/>
-              </a:rPr>
-              <a:t>    break;</a:t>
-            </a:r>
-          </a:p>
-          <a:p>
-            <a:pPr defTabSz="1218438"/>
-            <a:r>
-              <a:rPr lang="en-US" sz="2400" b="1" noProof="1">
-                <a:solidFill>
-                  <a:schemeClr val="bg2"/>
-                </a:solidFill>
-                <a:latin typeface="Consolas" pitchFamily="49" charset="0"/>
-              </a:rPr>
-              <a:t>   default:</a:t>
-            </a:r>
-            <a:endParaRPr lang="bg-BG" sz="2400" b="1" noProof="1">
-              <a:solidFill>
-                <a:schemeClr val="bg2"/>
-              </a:solidFill>
-              <a:latin typeface="Consolas" pitchFamily="49" charset="0"/>
-            </a:endParaRPr>
-          </a:p>
-          <a:p>
-            <a:pPr defTabSz="1218438"/>
-            <a:r>
-              <a:rPr lang="en-US" sz="2400" b="1" noProof="1">
-                <a:solidFill>
-                  <a:schemeClr val="bg2"/>
-                </a:solidFill>
-                <a:latin typeface="Consolas" pitchFamily="49" charset="0"/>
-              </a:rPr>
-              <a:t>  </a:t>
-            </a:r>
-            <a:r>
-              <a:rPr lang="bg-BG" sz="2400" b="1" noProof="1">
-                <a:solidFill>
-                  <a:schemeClr val="bg2"/>
-                </a:solidFill>
-                <a:latin typeface="Consolas" pitchFamily="49" charset="0"/>
-              </a:rPr>
-              <a:t>  </a:t>
-            </a:r>
-            <a:r>
-              <a:rPr lang="en-US" sz="2400" b="1" noProof="1">
-                <a:solidFill>
-                  <a:schemeClr val="bg2"/>
-                </a:solidFill>
-                <a:latin typeface="Consolas" pitchFamily="49" charset="0"/>
-              </a:rPr>
-              <a:t>// code</a:t>
-            </a:r>
-          </a:p>
-          <a:p>
-            <a:pPr defTabSz="1218438"/>
-            <a:r>
-              <a:rPr lang="en-US" sz="2400" b="1" noProof="1">
-                <a:solidFill>
-                  <a:schemeClr val="bg2"/>
-                </a:solidFill>
-                <a:latin typeface="Consolas" pitchFamily="49" charset="0"/>
-              </a:rPr>
-              <a:t> </a:t>
-            </a:r>
-            <a:r>
-              <a:rPr lang="bg-BG" sz="2400" b="1" noProof="1">
-                <a:solidFill>
-                  <a:schemeClr val="bg2"/>
-                </a:solidFill>
-                <a:latin typeface="Consolas" pitchFamily="49" charset="0"/>
-              </a:rPr>
-              <a:t>   </a:t>
-            </a:r>
-            <a:r>
-              <a:rPr lang="en-US" sz="2400" b="1" noProof="1">
-                <a:solidFill>
-                  <a:schemeClr val="bg2"/>
-                </a:solidFill>
-                <a:latin typeface="Consolas" pitchFamily="49" charset="0"/>
-              </a:rPr>
-              <a:t>break;</a:t>
-            </a:r>
-          </a:p>
-          <a:p>
-            <a:pPr defTabSz="1218438"/>
-            <a:r>
-              <a:rPr lang="en-US" sz="2400" b="1" noProof="1">
-                <a:solidFill>
-                  <a:schemeClr val="bg2"/>
-                </a:solidFill>
-                <a:latin typeface="Consolas" pitchFamily="49" charset="0"/>
-              </a:rPr>
-              <a:t>}</a:t>
-            </a:r>
-          </a:p>
-        </p:txBody>
-      </p:sp>
-      <p:sp>
-        <p:nvSpPr>
-          <p:cNvPr id="9" name="AutoShape 7">
+          <p:cNvPr id="2" name="Slide Number Placeholder 1">
             <a:extLst>
               <a:ext uri="{FF2B5EF4-FFF2-40B4-BE49-F238E27FC236}">
-                <a16:creationId xmlns:a16="http://schemas.microsoft.com/office/drawing/2014/main" id="{5F087A44-4E2D-4316-8D05-DB28D7C2E5D5}"/>
-              </a:ext>
-            </a:extLst>
-          </p:cNvPr>
-          <p:cNvSpPr>
-            <a:spLocks noChangeArrowheads="1"/>
-          </p:cNvSpPr>
-          <p:nvPr/>
-        </p:nvSpPr>
-        <p:spPr bwMode="auto">
-          <a:xfrm>
-            <a:off x="7140004" y="2133842"/>
-            <a:ext cx="3645389" cy="1131254"/>
-          </a:xfrm>
-          <a:prstGeom prst="wedgeRoundRectCallout">
-            <a:avLst>
-              <a:gd name="adj1" fmla="val -75553"/>
-              <a:gd name="adj2" fmla="val -37133"/>
-              <a:gd name="adj3" fmla="val 16667"/>
-            </a:avLst>
-          </a:prstGeom>
-          <a:solidFill>
-            <a:schemeClr val="accent6">
-              <a:lumMod val="50000"/>
-              <a:alpha val="89804"/>
-            </a:schemeClr>
-          </a:solidFill>
-          <a:ln w="19050">
-            <a:solidFill>
-              <a:schemeClr val="bg1">
-                <a:lumMod val="75000"/>
-                <a:alpha val="80000"/>
-              </a:schemeClr>
-            </a:solidFill>
-          </a:ln>
-        </p:spPr>
-        <p:style>
-          <a:lnRef idx="2">
-            <a:schemeClr val="accent1">
-              <a:shade val="50000"/>
-            </a:schemeClr>
-          </a:lnRef>
-          <a:fillRef idx="1">
-            <a:schemeClr val="accent1"/>
-          </a:fillRef>
-          <a:effectRef idx="0">
-            <a:schemeClr val="accent1"/>
-          </a:effectRef>
-          <a:fontRef idx="minor">
-            <a:schemeClr val="lt1"/>
-          </a:fontRef>
-        </p:style>
-        <p:txBody>
-          <a:bodyPr rot="0" spcFirstLastPara="0" vertOverflow="overflow" horzOverflow="overflow" vert="horz" wrap="square" lIns="91440" tIns="45720" rIns="91440" bIns="45720" numCol="1" spcCol="0" rtlCol="0" fromWordArt="0" anchor="ctr" anchorCtr="0" forceAA="0" compatLnSpc="1">
-            <a:prstTxWarp prst="textNoShape">
-              <a:avLst/>
-            </a:prstTxWarp>
-            <a:noAutofit/>
-          </a:bodyPr>
-          <a:lstStyle/>
-          <a:p>
-            <a:pPr algn="ctr"/>
-            <a:r>
-              <a:rPr lang="en-US" sz="2800" b="1" dirty="0">
-                <a:solidFill>
-                  <a:srgbClr val="FFFFFF"/>
-                </a:solidFill>
-                <a:effectLst>
-                  <a:outerShdw blurRad="38100" dist="38100" dir="2700000" algn="tl">
-                    <a:srgbClr val="000000">
-                      <a:alpha val="43137"/>
-                    </a:srgbClr>
-                  </a:outerShdw>
-                </a:effectLst>
-              </a:rPr>
-              <a:t>The switch starts by an </a:t>
-            </a:r>
-            <a:r>
-              <a:rPr lang="en-US" sz="2800" b="1" dirty="0">
-                <a:solidFill>
-                  <a:schemeClr val="accent4"/>
-                </a:solidFill>
-                <a:effectLst>
-                  <a:outerShdw blurRad="38100" dist="38100" dir="2700000" algn="tl">
-                    <a:srgbClr val="000000">
-                      <a:alpha val="43137"/>
-                    </a:srgbClr>
-                  </a:outerShdw>
-                </a:effectLst>
-              </a:rPr>
-              <a:t>input expression</a:t>
-            </a:r>
-            <a:endParaRPr lang="bg-BG" sz="2800" b="1" dirty="0">
-              <a:solidFill>
-                <a:schemeClr val="accent4"/>
-              </a:solidFill>
-              <a:effectLst>
-                <a:outerShdw blurRad="38100" dist="38100" dir="2700000" algn="tl">
-                  <a:srgbClr val="000000">
-                    <a:alpha val="43137"/>
-                  </a:srgbClr>
-                </a:outerShdw>
-              </a:effectLst>
-            </a:endParaRPr>
-          </a:p>
-        </p:txBody>
-      </p:sp>
-      <p:sp>
-        <p:nvSpPr>
-          <p:cNvPr id="11" name="AutoShape 7">
-            <a:extLst>
-              <a:ext uri="{FF2B5EF4-FFF2-40B4-BE49-F238E27FC236}">
-                <a16:creationId xmlns:a16="http://schemas.microsoft.com/office/drawing/2014/main" id="{9B7F0EE0-F803-4F0A-A1B6-5CBA9EA91972}"/>
-              </a:ext>
-            </a:extLst>
-          </p:cNvPr>
-          <p:cNvSpPr>
-            <a:spLocks noChangeArrowheads="1"/>
-          </p:cNvSpPr>
-          <p:nvPr/>
-        </p:nvSpPr>
-        <p:spPr bwMode="auto">
-          <a:xfrm>
-            <a:off x="549796" y="2945264"/>
-            <a:ext cx="3544741" cy="1131808"/>
-          </a:xfrm>
-          <a:prstGeom prst="wedgeRoundRectCallout">
-            <a:avLst>
-              <a:gd name="adj1" fmla="val 66501"/>
-              <a:gd name="adj2" fmla="val -42769"/>
-              <a:gd name="adj3" fmla="val 16667"/>
-            </a:avLst>
-          </a:prstGeom>
-          <a:solidFill>
-            <a:schemeClr val="accent6">
-              <a:lumMod val="50000"/>
-              <a:alpha val="89804"/>
-            </a:schemeClr>
-          </a:solidFill>
-          <a:ln w="19050">
-            <a:solidFill>
-              <a:schemeClr val="bg1">
-                <a:lumMod val="75000"/>
-                <a:alpha val="80000"/>
-              </a:schemeClr>
-            </a:solidFill>
-          </a:ln>
-        </p:spPr>
-        <p:style>
-          <a:lnRef idx="2">
-            <a:schemeClr val="accent1">
-              <a:shade val="50000"/>
-            </a:schemeClr>
-          </a:lnRef>
-          <a:fillRef idx="1">
-            <a:schemeClr val="accent1"/>
-          </a:fillRef>
-          <a:effectRef idx="0">
-            <a:schemeClr val="accent1"/>
-          </a:effectRef>
-          <a:fontRef idx="minor">
-            <a:schemeClr val="lt1"/>
-          </a:fontRef>
-        </p:style>
-        <p:txBody>
-          <a:bodyPr rot="0" spcFirstLastPara="0" vertOverflow="overflow" horzOverflow="overflow" vert="horz" wrap="square" lIns="91440" tIns="45720" rIns="91440" bIns="45720" numCol="1" spcCol="0" rtlCol="0" fromWordArt="0" anchor="ctr" anchorCtr="0" forceAA="0" compatLnSpc="1">
-            <a:prstTxWarp prst="textNoShape">
-              <a:avLst/>
-            </a:prstTxWarp>
-            <a:noAutofit/>
-          </a:bodyPr>
-          <a:lstStyle/>
-          <a:p>
-            <a:pPr algn="ctr"/>
-            <a:r>
-              <a:rPr lang="en-US" sz="2800" b="1" dirty="0">
-                <a:solidFill>
-                  <a:srgbClr val="FFFFFF"/>
-                </a:solidFill>
-                <a:effectLst>
-                  <a:outerShdw blurRad="38100" dist="38100" dir="2700000" algn="tl">
-                    <a:srgbClr val="000000">
-                      <a:alpha val="43137"/>
-                    </a:srgbClr>
-                  </a:outerShdw>
-                </a:effectLst>
-              </a:rPr>
-              <a:t>Sequence of</a:t>
-            </a:r>
-            <a:br>
-              <a:rPr lang="en-US" sz="2800" b="1" dirty="0">
-                <a:solidFill>
-                  <a:srgbClr val="FFFFFF"/>
-                </a:solidFill>
-                <a:effectLst>
-                  <a:outerShdw blurRad="38100" dist="38100" dir="2700000" algn="tl">
-                    <a:srgbClr val="000000">
-                      <a:alpha val="43137"/>
-                    </a:srgbClr>
-                  </a:outerShdw>
-                </a:effectLst>
-              </a:rPr>
-            </a:br>
-            <a:r>
-              <a:rPr lang="en-US" sz="2800" b="1" dirty="0">
-                <a:solidFill>
-                  <a:schemeClr val="accent4"/>
-                </a:solidFill>
-                <a:effectLst>
-                  <a:outerShdw blurRad="38100" dist="38100" dir="2700000" algn="tl">
-                    <a:srgbClr val="000000">
-                      <a:alpha val="43137"/>
-                    </a:srgbClr>
-                  </a:outerShdw>
-                </a:effectLst>
-              </a:rPr>
-              <a:t>values</a:t>
-            </a:r>
-            <a:r>
-              <a:rPr lang="en-US" sz="2800" b="1" dirty="0">
-                <a:solidFill>
-                  <a:srgbClr val="FFFFFF"/>
-                </a:solidFill>
-                <a:effectLst>
-                  <a:outerShdw blurRad="38100" dist="38100" dir="2700000" algn="tl">
-                    <a:srgbClr val="000000">
-                      <a:alpha val="43137"/>
-                    </a:srgbClr>
-                  </a:outerShdw>
-                </a:effectLst>
-              </a:rPr>
-              <a:t> for checking</a:t>
-            </a:r>
-            <a:endParaRPr lang="bg-BG" sz="2800" b="1" dirty="0">
-              <a:solidFill>
-                <a:srgbClr val="FFFFFF"/>
-              </a:solidFill>
-              <a:effectLst>
-                <a:outerShdw blurRad="38100" dist="38100" dir="2700000" algn="tl">
-                  <a:srgbClr val="000000">
-                    <a:alpha val="43137"/>
-                  </a:srgbClr>
-                </a:outerShdw>
-              </a:effectLst>
-            </a:endParaRPr>
-          </a:p>
-        </p:txBody>
-      </p:sp>
-      <p:sp>
-        <p:nvSpPr>
-          <p:cNvPr id="7" name="Rectangle 6">
-            <a:extLst>
-              <a:ext uri="{FF2B5EF4-FFF2-40B4-BE49-F238E27FC236}">
-                <a16:creationId xmlns:a16="http://schemas.microsoft.com/office/drawing/2014/main" id="{EE4082C5-4D7C-40B5-8738-A16F89CDCEC7}"/>
-              </a:ext>
-            </a:extLst>
-          </p:cNvPr>
-          <p:cNvSpPr/>
-          <p:nvPr/>
-        </p:nvSpPr>
-        <p:spPr>
-          <a:xfrm>
-            <a:off x="4827674" y="2780928"/>
-            <a:ext cx="1723938" cy="2222642"/>
-          </a:xfrm>
-          <a:prstGeom prst="rect">
-            <a:avLst/>
-          </a:prstGeom>
-          <a:noFill/>
-          <a:ln w="50800">
-            <a:solidFill>
-              <a:schemeClr val="tx1">
-                <a:lumMod val="40000"/>
-                <a:lumOff val="60000"/>
-              </a:schemeClr>
-            </a:solidFill>
-          </a:ln>
-        </p:spPr>
-        <p:style>
-          <a:lnRef idx="2">
-            <a:schemeClr val="accent1">
-              <a:shade val="50000"/>
-            </a:schemeClr>
-          </a:lnRef>
-          <a:fillRef idx="1">
-            <a:schemeClr val="accent1"/>
-          </a:fillRef>
-          <a:effectRef idx="0">
-            <a:schemeClr val="accent1"/>
-          </a:effectRef>
-          <a:fontRef idx="minor">
-            <a:schemeClr val="lt1"/>
-          </a:fontRef>
-        </p:style>
-        <p:txBody>
-          <a:bodyPr rtlCol="0" anchor="ctr"/>
-          <a:lstStyle/>
-          <a:p>
-            <a:pPr algn="ctr"/>
-            <a:endParaRPr lang="en-US" sz="2800">
-              <a:solidFill>
-                <a:schemeClr val="bg1"/>
-              </a:solidFill>
-            </a:endParaRPr>
-          </a:p>
-        </p:txBody>
-      </p:sp>
-      <p:sp>
-        <p:nvSpPr>
-          <p:cNvPr id="15" name="Rectangle 14">
-            <a:extLst>
-              <a:ext uri="{FF2B5EF4-FFF2-40B4-BE49-F238E27FC236}">
-                <a16:creationId xmlns:a16="http://schemas.microsoft.com/office/drawing/2014/main" id="{98C62871-31FE-417D-BEF7-57C3F190C2F9}"/>
-              </a:ext>
-            </a:extLst>
-          </p:cNvPr>
-          <p:cNvSpPr/>
-          <p:nvPr/>
-        </p:nvSpPr>
-        <p:spPr>
-          <a:xfrm>
-            <a:off x="4827674" y="5003570"/>
-            <a:ext cx="1723938" cy="1131254"/>
-          </a:xfrm>
-          <a:prstGeom prst="rect">
-            <a:avLst/>
-          </a:prstGeom>
-          <a:noFill/>
-          <a:ln w="50800">
-            <a:solidFill>
-              <a:schemeClr val="tx1">
-                <a:lumMod val="40000"/>
-                <a:lumOff val="60000"/>
-              </a:schemeClr>
-            </a:solidFill>
-          </a:ln>
-        </p:spPr>
-        <p:style>
-          <a:lnRef idx="2">
-            <a:schemeClr val="accent1">
-              <a:shade val="50000"/>
-            </a:schemeClr>
-          </a:lnRef>
-          <a:fillRef idx="1">
-            <a:schemeClr val="accent1"/>
-          </a:fillRef>
-          <a:effectRef idx="0">
-            <a:schemeClr val="accent1"/>
-          </a:effectRef>
-          <a:fontRef idx="minor">
-            <a:schemeClr val="lt1"/>
-          </a:fontRef>
-        </p:style>
-        <p:txBody>
-          <a:bodyPr rtlCol="0" anchor="ctr"/>
-          <a:lstStyle/>
-          <a:p>
-            <a:pPr algn="ctr"/>
-            <a:endParaRPr lang="en-US" sz="2800">
-              <a:solidFill>
-                <a:schemeClr val="bg1"/>
-              </a:solidFill>
-            </a:endParaRPr>
-          </a:p>
-        </p:txBody>
-      </p:sp>
-      <p:sp>
-        <p:nvSpPr>
-          <p:cNvPr id="14" name="AutoShape 7">
-            <a:extLst>
-              <a:ext uri="{FF2B5EF4-FFF2-40B4-BE49-F238E27FC236}">
-                <a16:creationId xmlns:a16="http://schemas.microsoft.com/office/drawing/2014/main" id="{6A527F12-4001-44AE-A55D-804515015173}"/>
-              </a:ext>
-            </a:extLst>
-          </p:cNvPr>
-          <p:cNvSpPr>
-            <a:spLocks noChangeArrowheads="1"/>
-          </p:cNvSpPr>
-          <p:nvPr/>
-        </p:nvSpPr>
-        <p:spPr bwMode="auto">
-          <a:xfrm>
-            <a:off x="7417575" y="4282936"/>
-            <a:ext cx="3645389" cy="1131254"/>
-          </a:xfrm>
-          <a:prstGeom prst="wedgeRoundRectCallout">
-            <a:avLst>
-              <a:gd name="adj1" fmla="val -69479"/>
-              <a:gd name="adj2" fmla="val 30266"/>
-              <a:gd name="adj3" fmla="val 16667"/>
-            </a:avLst>
-          </a:prstGeom>
-          <a:solidFill>
-            <a:schemeClr val="accent6">
-              <a:lumMod val="50000"/>
-              <a:alpha val="89804"/>
-            </a:schemeClr>
-          </a:solidFill>
-          <a:ln w="19050">
-            <a:solidFill>
-              <a:schemeClr val="bg1">
-                <a:lumMod val="75000"/>
-                <a:alpha val="80000"/>
-              </a:schemeClr>
-            </a:solidFill>
-          </a:ln>
-        </p:spPr>
-        <p:style>
-          <a:lnRef idx="2">
-            <a:schemeClr val="accent1">
-              <a:shade val="50000"/>
-            </a:schemeClr>
-          </a:lnRef>
-          <a:fillRef idx="1">
-            <a:schemeClr val="accent1"/>
-          </a:fillRef>
-          <a:effectRef idx="0">
-            <a:schemeClr val="accent1"/>
-          </a:effectRef>
-          <a:fontRef idx="minor">
-            <a:schemeClr val="lt1"/>
-          </a:fontRef>
-        </p:style>
-        <p:txBody>
-          <a:bodyPr rot="0" spcFirstLastPara="0" vertOverflow="overflow" horzOverflow="overflow" vert="horz" wrap="square" lIns="91440" tIns="45720" rIns="91440" bIns="45720" numCol="1" spcCol="0" rtlCol="0" fromWordArt="0" anchor="ctr" anchorCtr="0" forceAA="0" compatLnSpc="1">
-            <a:prstTxWarp prst="textNoShape">
-              <a:avLst/>
-            </a:prstTxWarp>
-            <a:noAutofit/>
-          </a:bodyPr>
-          <a:lstStyle/>
-          <a:p>
-            <a:pPr algn="ctr"/>
-            <a:r>
-              <a:rPr lang="en-US" sz="2800" b="1" dirty="0">
-                <a:solidFill>
-                  <a:srgbClr val="FFFFFF"/>
-                </a:solidFill>
-                <a:effectLst>
-                  <a:outerShdw blurRad="38100" dist="38100" dir="2700000" algn="tl">
-                    <a:srgbClr val="000000">
-                      <a:alpha val="43137"/>
-                    </a:srgbClr>
-                  </a:outerShdw>
-                </a:effectLst>
-              </a:rPr>
-              <a:t>Code to execute if </a:t>
-            </a:r>
-            <a:r>
-              <a:rPr lang="en-US" sz="2800" b="1" dirty="0">
-                <a:solidFill>
-                  <a:schemeClr val="accent4"/>
-                </a:solidFill>
-                <a:effectLst>
-                  <a:outerShdw blurRad="38100" dist="38100" dir="2700000" algn="tl">
-                    <a:srgbClr val="000000">
-                      <a:alpha val="43137"/>
-                    </a:srgbClr>
-                  </a:outerShdw>
-                </a:effectLst>
-              </a:rPr>
-              <a:t>no case is matched</a:t>
-            </a:r>
-            <a:endParaRPr lang="bg-BG" sz="2800" b="1" dirty="0">
-              <a:solidFill>
-                <a:schemeClr val="accent4"/>
-              </a:solidFill>
-              <a:effectLst>
-                <a:outerShdw blurRad="38100" dist="38100" dir="2700000" algn="tl">
-                  <a:srgbClr val="000000">
-                    <a:alpha val="43137"/>
-                  </a:srgbClr>
-                </a:outerShdw>
-              </a:effectLst>
-            </a:endParaRPr>
-          </a:p>
-        </p:txBody>
-      </p:sp>
-      <p:sp>
-        <p:nvSpPr>
-          <p:cNvPr id="12" name="Slide Number Placeholder 1">
-            <a:extLst>
-              <a:ext uri="{FF2B5EF4-FFF2-40B4-BE49-F238E27FC236}">
-                <a16:creationId xmlns:a16="http://schemas.microsoft.com/office/drawing/2014/main" id="{1D3DBB14-B901-465A-AD76-A1962593215B}"/>
+                <a16:creationId xmlns:a16="http://schemas.microsoft.com/office/drawing/2014/main" id="{C5F5A5A6-98F8-CE9F-3EEA-482FB6B8E0AF}"/>
               </a:ext>
             </a:extLst>
           </p:cNvPr>
@@ -18730,308 +17785,175 @@
             <p:ph type="sldNum" sz="quarter" idx="5"/>
           </p:nvPr>
         </p:nvSpPr>
+        <p:spPr/>
+        <p:txBody>
+          <a:bodyPr/>
+          <a:lstStyle/>
+          <a:p>
+            <a:fld id="{2BF067CD-8E6B-4360-9AA8-C5DF2A48A6D1}" type="slidenum">
+              <a:rPr lang="en-US" smtClean="0"/>
+              <a:pPr/>
+              <a:t>29</a:t>
+            </a:fld>
+            <a:endParaRPr lang="en-US" dirty="0"/>
+          </a:p>
+        </p:txBody>
+      </p:sp>
+      <p:sp>
+        <p:nvSpPr>
+          <p:cNvPr id="3" name="Text Placeholder 2">
+            <a:extLst>
+              <a:ext uri="{FF2B5EF4-FFF2-40B4-BE49-F238E27FC236}">
+                <a16:creationId xmlns:a16="http://schemas.microsoft.com/office/drawing/2014/main" id="{D3FC3705-CD57-7C38-3DBC-82F04FE0DD7C}"/>
+              </a:ext>
+            </a:extLst>
+          </p:cNvPr>
+          <p:cNvSpPr>
+            <a:spLocks noGrp="1"/>
+          </p:cNvSpPr>
+          <p:nvPr>
+            <p:ph type="body" sz="quarter" idx="10"/>
+          </p:nvPr>
+        </p:nvSpPr>
+        <p:spPr/>
+        <p:txBody>
+          <a:bodyPr/>
+          <a:lstStyle/>
+          <a:p>
+            <a:r>
+              <a:rPr lang="en-US" dirty="0"/>
+              <a:t>This is a sample HTML code:</a:t>
+            </a:r>
+          </a:p>
+        </p:txBody>
+      </p:sp>
+      <p:sp>
+        <p:nvSpPr>
+          <p:cNvPr id="4" name="Title 3">
+            <a:extLst>
+              <a:ext uri="{FF2B5EF4-FFF2-40B4-BE49-F238E27FC236}">
+                <a16:creationId xmlns:a16="http://schemas.microsoft.com/office/drawing/2014/main" id="{3033BE1B-9EAD-3566-4D70-C6BA384B2565}"/>
+              </a:ext>
+            </a:extLst>
+          </p:cNvPr>
+          <p:cNvSpPr>
+            <a:spLocks noGrp="1"/>
+          </p:cNvSpPr>
+          <p:nvPr>
+            <p:ph type="title"/>
+          </p:nvPr>
+        </p:nvSpPr>
+        <p:spPr/>
+        <p:txBody>
+          <a:bodyPr/>
+          <a:lstStyle/>
+          <a:p>
+            <a:r>
+              <a:rPr lang="en-US" dirty="0"/>
+              <a:t>Code Example</a:t>
+            </a:r>
+          </a:p>
+        </p:txBody>
+      </p:sp>
+      <p:sp>
+        <p:nvSpPr>
+          <p:cNvPr id="5" name="Text Placeholder 4">
+            <a:extLst>
+              <a:ext uri="{FF2B5EF4-FFF2-40B4-BE49-F238E27FC236}">
+                <a16:creationId xmlns:a16="http://schemas.microsoft.com/office/drawing/2014/main" id="{C4125C3A-397C-A684-8C92-64309E74B868}"/>
+              </a:ext>
+            </a:extLst>
+          </p:cNvPr>
+          <p:cNvSpPr>
+            <a:spLocks noGrp="1"/>
+          </p:cNvSpPr>
+          <p:nvPr>
+            <p:ph type="body" sz="quarter" idx="13"/>
+          </p:nvPr>
+        </p:nvSpPr>
         <p:spPr>
           <a:xfrm>
-            <a:off x="11753030" y="6507000"/>
-            <a:ext cx="367414" cy="297000"/>
+            <a:off x="615266" y="1998965"/>
+            <a:ext cx="10951753" cy="4361057"/>
           </a:xfrm>
         </p:spPr>
         <p:txBody>
           <a:bodyPr/>
           <a:lstStyle/>
           <a:p>
-            <a:fld id="{2BF067CD-8E6B-4360-9AA8-C5DF2A48A6D1}" type="slidenum">
-              <a:rPr lang="en-US" noProof="0" smtClean="0"/>
-              <a:pPr/>
-              <a:t>29</a:t>
-            </a:fld>
-            <a:endParaRPr lang="en-US" noProof="0" dirty="0"/>
+            <a:r>
+              <a:rPr lang="en-US" dirty="0"/>
+              <a:t>&lt;!DOCTYPE html&gt;</a:t>
+            </a:r>
+          </a:p>
+          <a:p>
+            <a:r>
+              <a:rPr lang="en-US" dirty="0"/>
+              <a:t>&lt;html&gt;</a:t>
+            </a:r>
+          </a:p>
+          <a:p>
+            <a:r>
+              <a:rPr lang="en-US" dirty="0"/>
+              <a:t>  &lt;head&gt;</a:t>
+            </a:r>
+          </a:p>
+          <a:p>
+            <a:r>
+              <a:rPr lang="en-US" dirty="0"/>
+              <a:t>    &lt;title&gt;Sample HTML Page&lt;/title&gt;</a:t>
+            </a:r>
+          </a:p>
+          <a:p>
+            <a:r>
+              <a:rPr lang="en-US" dirty="0"/>
+              <a:t>  &lt;/head&gt;</a:t>
+            </a:r>
+          </a:p>
+          <a:p>
+            <a:r>
+              <a:rPr lang="en-US" dirty="0"/>
+              <a:t>&lt;body&gt;</a:t>
+            </a:r>
+          </a:p>
+          <a:p>
+            <a:r>
+              <a:rPr lang="en-US" dirty="0"/>
+              <a:t>  &lt;h1&gt;Hello, HTML!&lt;/h1&gt;</a:t>
+            </a:r>
+          </a:p>
+          <a:p>
+            <a:r>
+              <a:rPr lang="en-US" dirty="0"/>
+              <a:t>&lt;/body&gt;</a:t>
+            </a:r>
+          </a:p>
+          <a:p>
+            <a:r>
+              <a:rPr lang="en-US" dirty="0"/>
+              <a:t>&lt;/html&gt;</a:t>
+            </a:r>
           </a:p>
         </p:txBody>
       </p:sp>
     </p:spTree>
     <p:extLst>
       <p:ext uri="{BB962C8B-B14F-4D97-AF65-F5344CB8AC3E}">
-        <p14:creationId xmlns:p14="http://schemas.microsoft.com/office/powerpoint/2010/main" val="4066447655"/>
+        <p14:creationId xmlns:p14="http://schemas.microsoft.com/office/powerpoint/2010/main" val="428787853"/>
       </p:ext>
     </p:extLst>
   </p:cSld>
   <p:clrMapOvr>
     <a:masterClrMapping/>
   </p:clrMapOvr>
-  <p:transition/>
-  <p:timing>
-    <p:tnLst>
-      <p:par>
-        <p:cTn id="1" dur="indefinite" restart="never" nodeType="tmRoot">
-          <p:childTnLst>
-            <p:seq concurrent="1" nextAc="seek">
-              <p:cTn id="2" dur="indefinite" nodeType="mainSeq">
-                <p:childTnLst>
-                  <p:par>
-                    <p:cTn id="3" fill="hold">
-                      <p:stCondLst>
-                        <p:cond delay="indefinite"/>
-                      </p:stCondLst>
-                      <p:childTnLst>
-                        <p:par>
-                          <p:cTn id="4" fill="hold">
-                            <p:stCondLst>
-                              <p:cond delay="0"/>
-                            </p:stCondLst>
-                            <p:childTnLst>
-                              <p:par>
-                                <p:cTn id="5" presetID="1" presetClass="entr" presetSubtype="0" fill="hold" grpId="0" nodeType="clickEffect">
-                                  <p:stCondLst>
-                                    <p:cond delay="0"/>
-                                  </p:stCondLst>
-                                  <p:childTnLst>
-                                    <p:set>
-                                      <p:cBhvr>
-                                        <p:cTn id="6" dur="1" fill="hold">
-                                          <p:stCondLst>
-                                            <p:cond delay="0"/>
-                                          </p:stCondLst>
-                                        </p:cTn>
-                                        <p:tgtEl>
-                                          <p:spTgt spid="463876"/>
-                                        </p:tgtEl>
-                                        <p:attrNameLst>
-                                          <p:attrName>style.visibility</p:attrName>
-                                        </p:attrNameLst>
-                                      </p:cBhvr>
-                                      <p:to>
-                                        <p:strVal val="visible"/>
-                                      </p:to>
-                                    </p:set>
-                                  </p:childTnLst>
-                                </p:cTn>
-                              </p:par>
-                            </p:childTnLst>
-                          </p:cTn>
-                        </p:par>
-                      </p:childTnLst>
-                    </p:cTn>
-                  </p:par>
-                  <p:par>
-                    <p:cTn id="7" fill="hold">
-                      <p:stCondLst>
-                        <p:cond delay="indefinite"/>
-                      </p:stCondLst>
-                      <p:childTnLst>
-                        <p:par>
-                          <p:cTn id="8" fill="hold">
-                            <p:stCondLst>
-                              <p:cond delay="0"/>
-                            </p:stCondLst>
-                            <p:childTnLst>
-                              <p:par>
-                                <p:cTn id="9" presetID="1" presetClass="entr" presetSubtype="0" fill="hold" grpId="0" nodeType="clickEffect">
-                                  <p:stCondLst>
-                                    <p:cond delay="0"/>
-                                  </p:stCondLst>
-                                  <p:childTnLst>
-                                    <p:set>
-                                      <p:cBhvr>
-                                        <p:cTn id="10" dur="1" fill="hold">
-                                          <p:stCondLst>
-                                            <p:cond delay="0"/>
-                                          </p:stCondLst>
-                                        </p:cTn>
-                                        <p:tgtEl>
-                                          <p:spTgt spid="9"/>
-                                        </p:tgtEl>
-                                        <p:attrNameLst>
-                                          <p:attrName>style.visibility</p:attrName>
-                                        </p:attrNameLst>
-                                      </p:cBhvr>
-                                      <p:to>
-                                        <p:strVal val="visible"/>
-                                      </p:to>
-                                    </p:set>
-                                  </p:childTnLst>
-                                </p:cTn>
-                              </p:par>
-                            </p:childTnLst>
-                          </p:cTn>
-                        </p:par>
-                      </p:childTnLst>
-                    </p:cTn>
-                  </p:par>
-                  <p:par>
-                    <p:cTn id="11" fill="hold">
-                      <p:stCondLst>
-                        <p:cond delay="indefinite"/>
-                      </p:stCondLst>
-                      <p:childTnLst>
-                        <p:par>
-                          <p:cTn id="12" fill="hold">
-                            <p:stCondLst>
-                              <p:cond delay="0"/>
-                            </p:stCondLst>
-                            <p:childTnLst>
-                              <p:par>
-                                <p:cTn id="13" presetID="1" presetClass="entr" presetSubtype="0" fill="hold" grpId="0" nodeType="clickEffect">
-                                  <p:stCondLst>
-                                    <p:cond delay="0"/>
-                                  </p:stCondLst>
-                                  <p:childTnLst>
-                                    <p:set>
-                                      <p:cBhvr>
-                                        <p:cTn id="14" dur="1" fill="hold">
-                                          <p:stCondLst>
-                                            <p:cond delay="0"/>
-                                          </p:stCondLst>
-                                        </p:cTn>
-                                        <p:tgtEl>
-                                          <p:spTgt spid="7"/>
-                                        </p:tgtEl>
-                                        <p:attrNameLst>
-                                          <p:attrName>style.visibility</p:attrName>
-                                        </p:attrNameLst>
-                                      </p:cBhvr>
-                                      <p:to>
-                                        <p:strVal val="visible"/>
-                                      </p:to>
-                                    </p:set>
-                                  </p:childTnLst>
-                                </p:cTn>
-                              </p:par>
-                              <p:par>
-                                <p:cTn id="15" presetID="1" presetClass="entr" presetSubtype="0" fill="hold" grpId="0" nodeType="withEffect">
-                                  <p:stCondLst>
-                                    <p:cond delay="0"/>
-                                  </p:stCondLst>
-                                  <p:childTnLst>
-                                    <p:set>
-                                      <p:cBhvr>
-                                        <p:cTn id="16" dur="1" fill="hold">
-                                          <p:stCondLst>
-                                            <p:cond delay="0"/>
-                                          </p:stCondLst>
-                                        </p:cTn>
-                                        <p:tgtEl>
-                                          <p:spTgt spid="11"/>
-                                        </p:tgtEl>
-                                        <p:attrNameLst>
-                                          <p:attrName>style.visibility</p:attrName>
-                                        </p:attrNameLst>
-                                      </p:cBhvr>
-                                      <p:to>
-                                        <p:strVal val="visible"/>
-                                      </p:to>
-                                    </p:set>
-                                  </p:childTnLst>
-                                </p:cTn>
-                              </p:par>
-                            </p:childTnLst>
-                          </p:cTn>
-                        </p:par>
-                      </p:childTnLst>
-                    </p:cTn>
-                  </p:par>
-                  <p:par>
-                    <p:cTn id="17" fill="hold">
-                      <p:stCondLst>
-                        <p:cond delay="indefinite"/>
-                      </p:stCondLst>
-                      <p:childTnLst>
-                        <p:par>
-                          <p:cTn id="18" fill="hold">
-                            <p:stCondLst>
-                              <p:cond delay="0"/>
-                            </p:stCondLst>
-                            <p:childTnLst>
-                              <p:par>
-                                <p:cTn id="19" presetID="1" presetClass="entr" presetSubtype="0" fill="hold" grpId="0" nodeType="clickEffect">
-                                  <p:stCondLst>
-                                    <p:cond delay="0"/>
-                                  </p:stCondLst>
-                                  <p:childTnLst>
-                                    <p:set>
-                                      <p:cBhvr>
-                                        <p:cTn id="20" dur="1" fill="hold">
-                                          <p:stCondLst>
-                                            <p:cond delay="0"/>
-                                          </p:stCondLst>
-                                        </p:cTn>
-                                        <p:tgtEl>
-                                          <p:spTgt spid="15"/>
-                                        </p:tgtEl>
-                                        <p:attrNameLst>
-                                          <p:attrName>style.visibility</p:attrName>
-                                        </p:attrNameLst>
-                                      </p:cBhvr>
-                                      <p:to>
-                                        <p:strVal val="visible"/>
-                                      </p:to>
-                                    </p:set>
-                                  </p:childTnLst>
-                                </p:cTn>
-                              </p:par>
-                              <p:par>
-                                <p:cTn id="21" presetID="1" presetClass="entr" presetSubtype="0" fill="hold" grpId="0" nodeType="withEffect">
-                                  <p:stCondLst>
-                                    <p:cond delay="0"/>
-                                  </p:stCondLst>
-                                  <p:childTnLst>
-                                    <p:set>
-                                      <p:cBhvr>
-                                        <p:cTn id="22" dur="1" fill="hold">
-                                          <p:stCondLst>
-                                            <p:cond delay="0"/>
-                                          </p:stCondLst>
-                                        </p:cTn>
-                                        <p:tgtEl>
-                                          <p:spTgt spid="14"/>
-                                        </p:tgtEl>
-                                        <p:attrNameLst>
-                                          <p:attrName>style.visibility</p:attrName>
-                                        </p:attrNameLst>
-                                      </p:cBhvr>
-                                      <p:to>
-                                        <p:strVal val="visible"/>
-                                      </p:to>
-                                    </p:set>
-                                  </p:childTnLst>
-                                </p:cTn>
-                              </p:par>
-                            </p:childTnLst>
-                          </p:cTn>
-                        </p:par>
-                      </p:childTnLst>
-                    </p:cTn>
-                  </p:par>
-                </p:childTnLst>
-              </p:cTn>
-              <p:prevCondLst>
-                <p:cond evt="onPrev" delay="0">
-                  <p:tgtEl>
-                    <p:sldTgt/>
-                  </p:tgtEl>
-                </p:cond>
-              </p:prevCondLst>
-              <p:nextCondLst>
-                <p:cond evt="onNext" delay="0">
-                  <p:tgtEl>
-                    <p:sldTgt/>
-                  </p:tgtEl>
-                </p:cond>
-              </p:nextCondLst>
-            </p:seq>
-          </p:childTnLst>
-        </p:cTn>
-      </p:par>
-    </p:tnLst>
-    <p:bldLst>
-      <p:bldP spid="463876" grpId="0" animBg="1"/>
-      <p:bldP spid="9" grpId="0" animBg="1"/>
-      <p:bldP spid="11" grpId="0" animBg="1"/>
-      <p:bldP spid="7" grpId="0" animBg="1"/>
-      <p:bldP spid="15" grpId="0" animBg="1"/>
-      <p:bldP spid="14" grpId="0" animBg="1"/>
-    </p:bldLst>
-  </p:timing>
+  <mc:AlternateContent xmlns:mc="http://schemas.openxmlformats.org/markup-compatibility/2006" xmlns:p14="http://schemas.microsoft.com/office/powerpoint/2010/main">
+    <mc:Choice Requires="p14">
+      <p:transition spd="slow" p14:dur="2000" advClick="0" advTm="5000"/>
+    </mc:Choice>
+    <mc:Fallback xmlns="">
+      <p:transition spd="slow" advClick="0" advTm="5000"/>
+    </mc:Fallback>
+  </mc:AlternateContent>
 </p:sld>
 </file>
 
@@ -19587,205 +18509,884 @@
       </p:grpSpPr>
       <p:sp>
         <p:nvSpPr>
-          <p:cNvPr id="20" name="Text Placeholder 19">
-            <a:extLst>
-              <a:ext uri="{FF2B5EF4-FFF2-40B4-BE49-F238E27FC236}">
-                <a16:creationId xmlns:a16="http://schemas.microsoft.com/office/drawing/2014/main" id="{88294DD5-1E25-82CC-8544-6C1B39837564}"/>
-              </a:ext>
-            </a:extLst>
-          </p:cNvPr>
+          <p:cNvPr id="463875" name="Rectangle 3"/>
           <p:cNvSpPr>
-            <a:spLocks noGrp="1"/>
-          </p:cNvSpPr>
-          <p:nvPr>
-            <p:ph type="body" sz="quarter" idx="11"/>
-          </p:nvPr>
-        </p:nvSpPr>
-        <p:spPr>
-          <a:xfrm>
-            <a:off x="6094410" y="1195930"/>
-            <a:ext cx="5904057" cy="5561320"/>
-          </a:xfrm>
-        </p:spPr>
-        <p:txBody>
-          <a:bodyPr>
-            <a:normAutofit fontScale="85000" lnSpcReduction="10000"/>
-          </a:bodyPr>
-          <a:lstStyle/>
-          <a:p>
-            <a:r>
-              <a:rPr lang="en-US" sz="3800" b="1" dirty="0">
-                <a:solidFill>
-                  <a:schemeClr val="accent4"/>
-                </a:solidFill>
-              </a:rPr>
-              <a:t>Service</a:t>
-            </a:r>
-          </a:p>
-          <a:p>
-            <a:pPr lvl="1"/>
-            <a:r>
-              <a:rPr lang="en-US" dirty="0"/>
-              <a:t>Transactions where no physical goods are transferred </a:t>
-            </a:r>
-          </a:p>
-          <a:p>
-            <a:pPr lvl="1"/>
-            <a:r>
-              <a:rPr lang="en-US" dirty="0"/>
-              <a:t>Intangible</a:t>
-            </a:r>
-          </a:p>
-          <a:p>
-            <a:pPr lvl="1"/>
-            <a:r>
-              <a:rPr lang="en-US" dirty="0"/>
-              <a:t>Can’t be manufactured, stored and transported</a:t>
-            </a:r>
-          </a:p>
-          <a:p>
-            <a:pPr lvl="1"/>
-            <a:r>
-              <a:rPr lang="en-US" dirty="0"/>
-              <a:t>Ex: cleaning, car repair, haircuts, medical checkups</a:t>
-            </a:r>
-          </a:p>
-          <a:p>
-            <a:pPr lvl="1"/>
-            <a:r>
-              <a:rPr lang="en-US" dirty="0"/>
-              <a:t>Can’t be returned or replaced</a:t>
-            </a:r>
-          </a:p>
-          <a:p>
-            <a:pPr lvl="1"/>
-            <a:r>
-              <a:rPr lang="en-US" dirty="0"/>
-              <a:t>Each delivery of service is never the same</a:t>
-            </a:r>
-          </a:p>
-        </p:txBody>
-      </p:sp>
-      <p:sp>
-        <p:nvSpPr>
-          <p:cNvPr id="16" name="Text Placeholder 15">
-            <a:extLst>
-              <a:ext uri="{FF2B5EF4-FFF2-40B4-BE49-F238E27FC236}">
-                <a16:creationId xmlns:a16="http://schemas.microsoft.com/office/drawing/2014/main" id="{C6F55889-29BC-FE87-7055-85B1AA40A6FA}"/>
-              </a:ext>
-            </a:extLst>
-          </p:cNvPr>
-          <p:cNvSpPr>
-            <a:spLocks noGrp="1"/>
+            <a:spLocks noGrp="1" noChangeArrowheads="1"/>
           </p:cNvSpPr>
           <p:nvPr>
             <p:ph type="body" sz="quarter" idx="10"/>
           </p:nvPr>
         </p:nvSpPr>
-        <p:spPr>
-          <a:xfrm>
-            <a:off x="190355" y="1195930"/>
-            <a:ext cx="5832049" cy="5561320"/>
-          </a:xfrm>
-        </p:spPr>
+        <p:spPr/>
         <p:txBody>
           <a:bodyPr>
-            <a:normAutofit fontScale="85000" lnSpcReduction="10000"/>
+            <a:normAutofit/>
           </a:bodyPr>
           <a:lstStyle/>
           <a:p>
-            <a:r>
-              <a:rPr lang="en-US" sz="3800" b="1" dirty="0">
+            <a:pPr>
+              <a:lnSpc>
+                <a:spcPct val="100000"/>
+              </a:lnSpc>
+            </a:pPr>
+            <a:r>
+              <a:rPr lang="en-US" sz="3200" b="1" dirty="0">
                 <a:solidFill>
                   <a:schemeClr val="accent4"/>
                 </a:solidFill>
+                <a:latin typeface="Consolas" panose="020B0609020204030204" pitchFamily="49" charset="0"/>
               </a:rPr>
-              <a:t>Goods</a:t>
-            </a:r>
-          </a:p>
-          <a:p>
-            <a:pPr lvl="1"/>
-            <a:r>
-              <a:rPr lang="en-US" dirty="0"/>
-              <a:t>Objects or system made available for customers</a:t>
-            </a:r>
-          </a:p>
-          <a:p>
-            <a:pPr lvl="1"/>
-            <a:r>
-              <a:rPr lang="en-US" dirty="0"/>
-              <a:t>Tangible</a:t>
-            </a:r>
-          </a:p>
-          <a:p>
-            <a:pPr lvl="1"/>
-            <a:r>
-              <a:rPr lang="en-US" dirty="0"/>
-              <a:t>Manufactured, stored and transported</a:t>
-            </a:r>
-          </a:p>
-          <a:p>
-            <a:pPr lvl="1"/>
-            <a:r>
-              <a:rPr lang="en-US" dirty="0"/>
-              <a:t>Ex: Food, furniture, electronic devices </a:t>
-            </a:r>
-          </a:p>
-          <a:p>
-            <a:pPr lvl="1"/>
-            <a:r>
-              <a:rPr lang="en-US" dirty="0"/>
-              <a:t>It can be returned or replaced</a:t>
-            </a:r>
-          </a:p>
-          <a:p>
-            <a:pPr lvl="1"/>
-            <a:r>
-              <a:rPr lang="en-US" dirty="0"/>
-              <a:t>Products sold can be identical</a:t>
-            </a:r>
+              <a:t>switch-case</a:t>
+            </a:r>
+            <a:r>
+              <a:rPr lang="en-US" sz="3200" dirty="0"/>
+              <a:t> works as a sequence of </a:t>
+            </a:r>
+            <a:r>
+              <a:rPr lang="en-US" sz="3200" b="1" dirty="0">
+                <a:solidFill>
+                  <a:schemeClr val="accent4"/>
+                </a:solidFill>
+                <a:latin typeface="Consolas" panose="020B0609020204030204" pitchFamily="49" charset="0"/>
+              </a:rPr>
+              <a:t>if-else-if-else-if…</a:t>
+            </a:r>
+            <a:endParaRPr lang="en-US" sz="3200" dirty="0">
+              <a:solidFill>
+                <a:schemeClr val="accent4"/>
+              </a:solidFill>
+            </a:endParaRPr>
           </a:p>
         </p:txBody>
       </p:sp>
       <p:sp>
         <p:nvSpPr>
-          <p:cNvPr id="5" name="Title 4">
-            <a:extLst>
-              <a:ext uri="{FF2B5EF4-FFF2-40B4-BE49-F238E27FC236}">
-                <a16:creationId xmlns:a16="http://schemas.microsoft.com/office/drawing/2014/main" id="{E2425527-B9CE-0AD3-3E5C-9433685E0451}"/>
-              </a:ext>
-            </a:extLst>
-          </p:cNvPr>
+          <p:cNvPr id="463874" name="Rectangle 2"/>
           <p:cNvSpPr>
-            <a:spLocks noGrp="1"/>
+            <a:spLocks noGrp="1" noChangeArrowheads="1"/>
           </p:cNvSpPr>
           <p:nvPr>
             <p:ph type="title"/>
           </p:nvPr>
         </p:nvSpPr>
-        <p:spPr>
-          <a:xfrm>
-            <a:off x="190355" y="100750"/>
-            <a:ext cx="10800601" cy="882654"/>
-          </a:xfrm>
-        </p:spPr>
+        <p:spPr/>
         <p:txBody>
-          <a:bodyPr/>
+          <a:bodyPr>
+            <a:noAutofit/>
+          </a:bodyPr>
           <a:lstStyle/>
           <a:p>
             <a:r>
-              <a:rPr lang="en-US" dirty="0"/>
-              <a:t>Goods vs. Services</a:t>
-            </a:r>
+              <a:rPr lang="en-US" sz="3600" dirty="0"/>
+              <a:t>The "</a:t>
+            </a:r>
+            <a:r>
+              <a:rPr lang="en-US" sz="3600" dirty="0">
+                <a:latin typeface="Consolas" panose="020B0609020204030204" pitchFamily="49" charset="0"/>
+              </a:rPr>
+              <a:t>switch-case</a:t>
+            </a:r>
+            <a:r>
+              <a:rPr lang="en-US" sz="3600" dirty="0"/>
+              <a:t>" Conditional Statement</a:t>
+            </a:r>
+            <a:endParaRPr lang="bg-BG" sz="3600" dirty="0">
+              <a:latin typeface="Consolas" pitchFamily="49" charset="0"/>
+              <a:cs typeface="Consolas" pitchFamily="49" charset="0"/>
+            </a:endParaRPr>
           </a:p>
         </p:txBody>
       </p:sp>
       <p:sp>
         <p:nvSpPr>
-          <p:cNvPr id="2" name="Slide Number Placeholder 1">
+          <p:cNvPr id="463876" name="Rectangle 4"/>
+          <p:cNvSpPr>
+            <a:spLocks noChangeArrowheads="1"/>
+          </p:cNvSpPr>
+          <p:nvPr/>
+        </p:nvSpPr>
+        <p:spPr bwMode="auto">
+          <a:xfrm>
+            <a:off x="4259445" y="1968520"/>
+            <a:ext cx="3352800" cy="4650092"/>
+          </a:xfrm>
+          <a:prstGeom prst="rect">
+            <a:avLst/>
+          </a:prstGeom>
+          <a:solidFill>
+            <a:schemeClr val="accent6">
+              <a:lumMod val="75000"/>
+              <a:alpha val="15000"/>
+            </a:schemeClr>
+          </a:solidFill>
+          <a:ln w="12700">
+            <a:solidFill>
+              <a:schemeClr val="bg1">
+                <a:lumMod val="50000"/>
+              </a:schemeClr>
+            </a:solidFill>
+          </a:ln>
+        </p:spPr>
+        <p:txBody>
+          <a:bodyPr vert="horz" wrap="square" lIns="144000" tIns="108000" rIns="144000" bIns="108000" rtlCol="0">
+            <a:spAutoFit/>
+          </a:bodyPr>
+          <a:lstStyle/>
+          <a:p>
+            <a:pPr defTabSz="1218438"/>
+            <a:r>
+              <a:rPr lang="en-US" sz="2400" b="1" noProof="1">
+                <a:solidFill>
+                  <a:schemeClr val="bg2"/>
+                </a:solidFill>
+                <a:latin typeface="Consolas" pitchFamily="49" charset="0"/>
+              </a:rPr>
+              <a:t>switch (…)</a:t>
+            </a:r>
+          </a:p>
+          <a:p>
+            <a:pPr defTabSz="1218438"/>
+            <a:r>
+              <a:rPr lang="en-US" sz="2400" b="1" noProof="1">
+                <a:solidFill>
+                  <a:schemeClr val="bg2"/>
+                </a:solidFill>
+                <a:latin typeface="Consolas" pitchFamily="49" charset="0"/>
+              </a:rPr>
+              <a:t>{  </a:t>
+            </a:r>
+          </a:p>
+          <a:p>
+            <a:pPr defTabSz="1218438"/>
+            <a:r>
+              <a:rPr lang="en-US" sz="2400" b="1" noProof="1">
+                <a:solidFill>
+                  <a:schemeClr val="bg2"/>
+                </a:solidFill>
+                <a:latin typeface="Consolas" pitchFamily="49" charset="0"/>
+              </a:rPr>
+              <a:t>   case</a:t>
+            </a:r>
+            <a:r>
+              <a:rPr lang="bg-BG" sz="2400" b="1" noProof="1">
+                <a:solidFill>
+                  <a:schemeClr val="bg2"/>
+                </a:solidFill>
+                <a:latin typeface="Consolas" pitchFamily="49" charset="0"/>
+              </a:rPr>
+              <a:t> </a:t>
+            </a:r>
+            <a:r>
+              <a:rPr lang="en-US" sz="2400" b="1" noProof="1">
+                <a:solidFill>
+                  <a:schemeClr val="bg2"/>
+                </a:solidFill>
+                <a:latin typeface="Consolas" pitchFamily="49" charset="0"/>
+              </a:rPr>
+              <a:t>…:</a:t>
+            </a:r>
+          </a:p>
+          <a:p>
+            <a:pPr defTabSz="1218438"/>
+            <a:r>
+              <a:rPr lang="en-US" sz="2400" b="1" noProof="1">
+                <a:solidFill>
+                  <a:schemeClr val="bg2"/>
+                </a:solidFill>
+                <a:latin typeface="Consolas" pitchFamily="49" charset="0"/>
+              </a:rPr>
+              <a:t>   </a:t>
+            </a:r>
+            <a:r>
+              <a:rPr lang="bg-BG" sz="2400" b="1" noProof="1">
+                <a:solidFill>
+                  <a:schemeClr val="bg2"/>
+                </a:solidFill>
+                <a:latin typeface="Consolas" pitchFamily="49" charset="0"/>
+              </a:rPr>
+              <a:t> </a:t>
+            </a:r>
+            <a:r>
+              <a:rPr lang="en-US" sz="2400" b="1" noProof="1">
+                <a:solidFill>
+                  <a:schemeClr val="bg2"/>
+                </a:solidFill>
+                <a:latin typeface="Consolas" pitchFamily="49" charset="0"/>
+              </a:rPr>
+              <a:t>// code</a:t>
+            </a:r>
+          </a:p>
+          <a:p>
+            <a:pPr defTabSz="1218438"/>
+            <a:r>
+              <a:rPr lang="en-US" sz="2400" b="1" noProof="1">
+                <a:solidFill>
+                  <a:schemeClr val="bg2"/>
+                </a:solidFill>
+                <a:latin typeface="Consolas" pitchFamily="49" charset="0"/>
+              </a:rPr>
+              <a:t>    break;</a:t>
+            </a:r>
+          </a:p>
+          <a:p>
+            <a:pPr defTabSz="1218438"/>
+            <a:r>
+              <a:rPr lang="en-US" sz="2400" b="1" noProof="1">
+                <a:solidFill>
+                  <a:schemeClr val="bg2"/>
+                </a:solidFill>
+                <a:latin typeface="Consolas" pitchFamily="49" charset="0"/>
+              </a:rPr>
+              <a:t>   case</a:t>
+            </a:r>
+            <a:r>
+              <a:rPr lang="bg-BG" sz="2400" b="1" noProof="1">
+                <a:solidFill>
+                  <a:schemeClr val="bg2"/>
+                </a:solidFill>
+                <a:latin typeface="Consolas" pitchFamily="49" charset="0"/>
+              </a:rPr>
+              <a:t> </a:t>
+            </a:r>
+            <a:r>
+              <a:rPr lang="en-US" sz="2400" b="1" noProof="1">
+                <a:solidFill>
+                  <a:schemeClr val="bg2"/>
+                </a:solidFill>
+                <a:latin typeface="Consolas" pitchFamily="49" charset="0"/>
+              </a:rPr>
+              <a:t>…:</a:t>
+            </a:r>
+            <a:endParaRPr lang="bg-BG" sz="2400" b="1" noProof="1">
+              <a:solidFill>
+                <a:schemeClr val="bg2"/>
+              </a:solidFill>
+              <a:latin typeface="Consolas" pitchFamily="49" charset="0"/>
+            </a:endParaRPr>
+          </a:p>
+          <a:p>
+            <a:pPr defTabSz="1218438"/>
+            <a:r>
+              <a:rPr lang="en-US" sz="2400" b="1" noProof="1">
+                <a:solidFill>
+                  <a:schemeClr val="bg2"/>
+                </a:solidFill>
+                <a:latin typeface="Consolas" pitchFamily="49" charset="0"/>
+              </a:rPr>
+              <a:t>  </a:t>
+            </a:r>
+            <a:r>
+              <a:rPr lang="bg-BG" sz="2400" b="1" noProof="1">
+                <a:solidFill>
+                  <a:schemeClr val="bg2"/>
+                </a:solidFill>
+                <a:latin typeface="Consolas" pitchFamily="49" charset="0"/>
+              </a:rPr>
+              <a:t>  </a:t>
+            </a:r>
+            <a:r>
+              <a:rPr lang="en-US" sz="2400" b="1" noProof="1">
+                <a:solidFill>
+                  <a:schemeClr val="bg2"/>
+                </a:solidFill>
+                <a:latin typeface="Consolas" pitchFamily="49" charset="0"/>
+              </a:rPr>
+              <a:t>// code</a:t>
+            </a:r>
+          </a:p>
+          <a:p>
+            <a:pPr defTabSz="1218438"/>
+            <a:r>
+              <a:rPr lang="en-US" sz="2400" b="1" noProof="1">
+                <a:solidFill>
+                  <a:schemeClr val="bg2"/>
+                </a:solidFill>
+                <a:latin typeface="Consolas" pitchFamily="49" charset="0"/>
+              </a:rPr>
+              <a:t>    break;</a:t>
+            </a:r>
+          </a:p>
+          <a:p>
+            <a:pPr defTabSz="1218438"/>
+            <a:r>
+              <a:rPr lang="en-US" sz="2400" b="1" noProof="1">
+                <a:solidFill>
+                  <a:schemeClr val="bg2"/>
+                </a:solidFill>
+                <a:latin typeface="Consolas" pitchFamily="49" charset="0"/>
+              </a:rPr>
+              <a:t>   default:</a:t>
+            </a:r>
+            <a:endParaRPr lang="bg-BG" sz="2400" b="1" noProof="1">
+              <a:solidFill>
+                <a:schemeClr val="bg2"/>
+              </a:solidFill>
+              <a:latin typeface="Consolas" pitchFamily="49" charset="0"/>
+            </a:endParaRPr>
+          </a:p>
+          <a:p>
+            <a:pPr defTabSz="1218438"/>
+            <a:r>
+              <a:rPr lang="en-US" sz="2400" b="1" noProof="1">
+                <a:solidFill>
+                  <a:schemeClr val="bg2"/>
+                </a:solidFill>
+                <a:latin typeface="Consolas" pitchFamily="49" charset="0"/>
+              </a:rPr>
+              <a:t>  </a:t>
+            </a:r>
+            <a:r>
+              <a:rPr lang="bg-BG" sz="2400" b="1" noProof="1">
+                <a:solidFill>
+                  <a:schemeClr val="bg2"/>
+                </a:solidFill>
+                <a:latin typeface="Consolas" pitchFamily="49" charset="0"/>
+              </a:rPr>
+              <a:t>  </a:t>
+            </a:r>
+            <a:r>
+              <a:rPr lang="en-US" sz="2400" b="1" noProof="1">
+                <a:solidFill>
+                  <a:schemeClr val="bg2"/>
+                </a:solidFill>
+                <a:latin typeface="Consolas" pitchFamily="49" charset="0"/>
+              </a:rPr>
+              <a:t>// code</a:t>
+            </a:r>
+          </a:p>
+          <a:p>
+            <a:pPr defTabSz="1218438"/>
+            <a:r>
+              <a:rPr lang="en-US" sz="2400" b="1" noProof="1">
+                <a:solidFill>
+                  <a:schemeClr val="bg2"/>
+                </a:solidFill>
+                <a:latin typeface="Consolas" pitchFamily="49" charset="0"/>
+              </a:rPr>
+              <a:t> </a:t>
+            </a:r>
+            <a:r>
+              <a:rPr lang="bg-BG" sz="2400" b="1" noProof="1">
+                <a:solidFill>
+                  <a:schemeClr val="bg2"/>
+                </a:solidFill>
+                <a:latin typeface="Consolas" pitchFamily="49" charset="0"/>
+              </a:rPr>
+              <a:t>   </a:t>
+            </a:r>
+            <a:r>
+              <a:rPr lang="en-US" sz="2400" b="1" noProof="1">
+                <a:solidFill>
+                  <a:schemeClr val="bg2"/>
+                </a:solidFill>
+                <a:latin typeface="Consolas" pitchFamily="49" charset="0"/>
+              </a:rPr>
+              <a:t>break;</a:t>
+            </a:r>
+          </a:p>
+          <a:p>
+            <a:pPr defTabSz="1218438"/>
+            <a:r>
+              <a:rPr lang="en-US" sz="2400" b="1" noProof="1">
+                <a:solidFill>
+                  <a:schemeClr val="bg2"/>
+                </a:solidFill>
+                <a:latin typeface="Consolas" pitchFamily="49" charset="0"/>
+              </a:rPr>
+              <a:t>}</a:t>
+            </a:r>
+          </a:p>
+        </p:txBody>
+      </p:sp>
+      <p:sp>
+        <p:nvSpPr>
+          <p:cNvPr id="9" name="AutoShape 7">
             <a:extLst>
               <a:ext uri="{FF2B5EF4-FFF2-40B4-BE49-F238E27FC236}">
-                <a16:creationId xmlns:a16="http://schemas.microsoft.com/office/drawing/2014/main" id="{C1D788EE-DE24-DC16-9A20-DA3C5DB57C1F}"/>
+                <a16:creationId xmlns:a16="http://schemas.microsoft.com/office/drawing/2014/main" id="{5F087A44-4E2D-4316-8D05-DB28D7C2E5D5}"/>
+              </a:ext>
+            </a:extLst>
+          </p:cNvPr>
+          <p:cNvSpPr>
+            <a:spLocks noChangeArrowheads="1"/>
+          </p:cNvSpPr>
+          <p:nvPr/>
+        </p:nvSpPr>
+        <p:spPr bwMode="auto">
+          <a:xfrm>
+            <a:off x="7140004" y="2133842"/>
+            <a:ext cx="3645389" cy="1131254"/>
+          </a:xfrm>
+          <a:prstGeom prst="wedgeRoundRectCallout">
+            <a:avLst>
+              <a:gd name="adj1" fmla="val -75553"/>
+              <a:gd name="adj2" fmla="val -37133"/>
+              <a:gd name="adj3" fmla="val 16667"/>
+            </a:avLst>
+          </a:prstGeom>
+          <a:solidFill>
+            <a:schemeClr val="accent6">
+              <a:lumMod val="50000"/>
+              <a:alpha val="89804"/>
+            </a:schemeClr>
+          </a:solidFill>
+          <a:ln w="19050">
+            <a:solidFill>
+              <a:schemeClr val="bg1">
+                <a:lumMod val="75000"/>
+                <a:alpha val="80000"/>
+              </a:schemeClr>
+            </a:solidFill>
+          </a:ln>
+        </p:spPr>
+        <p:style>
+          <a:lnRef idx="2">
+            <a:schemeClr val="accent1">
+              <a:shade val="50000"/>
+            </a:schemeClr>
+          </a:lnRef>
+          <a:fillRef idx="1">
+            <a:schemeClr val="accent1"/>
+          </a:fillRef>
+          <a:effectRef idx="0">
+            <a:schemeClr val="accent1"/>
+          </a:effectRef>
+          <a:fontRef idx="minor">
+            <a:schemeClr val="lt1"/>
+          </a:fontRef>
+        </p:style>
+        <p:txBody>
+          <a:bodyPr rot="0" spcFirstLastPara="0" vertOverflow="overflow" horzOverflow="overflow" vert="horz" wrap="square" lIns="91440" tIns="45720" rIns="91440" bIns="45720" numCol="1" spcCol="0" rtlCol="0" fromWordArt="0" anchor="ctr" anchorCtr="0" forceAA="0" compatLnSpc="1">
+            <a:prstTxWarp prst="textNoShape">
+              <a:avLst/>
+            </a:prstTxWarp>
+            <a:noAutofit/>
+          </a:bodyPr>
+          <a:lstStyle/>
+          <a:p>
+            <a:pPr algn="ctr"/>
+            <a:r>
+              <a:rPr lang="en-US" sz="2800" b="1" dirty="0">
+                <a:solidFill>
+                  <a:srgbClr val="FFFFFF"/>
+                </a:solidFill>
+                <a:effectLst>
+                  <a:outerShdw blurRad="38100" dist="38100" dir="2700000" algn="tl">
+                    <a:srgbClr val="000000">
+                      <a:alpha val="43137"/>
+                    </a:srgbClr>
+                  </a:outerShdw>
+                </a:effectLst>
+              </a:rPr>
+              <a:t>The switch starts by an </a:t>
+            </a:r>
+            <a:r>
+              <a:rPr lang="en-US" sz="2800" b="1" dirty="0">
+                <a:solidFill>
+                  <a:schemeClr val="accent4"/>
+                </a:solidFill>
+                <a:effectLst>
+                  <a:outerShdw blurRad="38100" dist="38100" dir="2700000" algn="tl">
+                    <a:srgbClr val="000000">
+                      <a:alpha val="43137"/>
+                    </a:srgbClr>
+                  </a:outerShdw>
+                </a:effectLst>
+              </a:rPr>
+              <a:t>input expression</a:t>
+            </a:r>
+            <a:endParaRPr lang="bg-BG" sz="2800" b="1" dirty="0">
+              <a:solidFill>
+                <a:schemeClr val="accent4"/>
+              </a:solidFill>
+              <a:effectLst>
+                <a:outerShdw blurRad="38100" dist="38100" dir="2700000" algn="tl">
+                  <a:srgbClr val="000000">
+                    <a:alpha val="43137"/>
+                  </a:srgbClr>
+                </a:outerShdw>
+              </a:effectLst>
+            </a:endParaRPr>
+          </a:p>
+        </p:txBody>
+      </p:sp>
+      <p:sp>
+        <p:nvSpPr>
+          <p:cNvPr id="11" name="AutoShape 7">
+            <a:extLst>
+              <a:ext uri="{FF2B5EF4-FFF2-40B4-BE49-F238E27FC236}">
+                <a16:creationId xmlns:a16="http://schemas.microsoft.com/office/drawing/2014/main" id="{9B7F0EE0-F803-4F0A-A1B6-5CBA9EA91972}"/>
+              </a:ext>
+            </a:extLst>
+          </p:cNvPr>
+          <p:cNvSpPr>
+            <a:spLocks noChangeArrowheads="1"/>
+          </p:cNvSpPr>
+          <p:nvPr/>
+        </p:nvSpPr>
+        <p:spPr bwMode="auto">
+          <a:xfrm>
+            <a:off x="549796" y="2945264"/>
+            <a:ext cx="3544741" cy="1131808"/>
+          </a:xfrm>
+          <a:prstGeom prst="wedgeRoundRectCallout">
+            <a:avLst>
+              <a:gd name="adj1" fmla="val 66501"/>
+              <a:gd name="adj2" fmla="val -42769"/>
+              <a:gd name="adj3" fmla="val 16667"/>
+            </a:avLst>
+          </a:prstGeom>
+          <a:solidFill>
+            <a:schemeClr val="accent6">
+              <a:lumMod val="50000"/>
+              <a:alpha val="89804"/>
+            </a:schemeClr>
+          </a:solidFill>
+          <a:ln w="19050">
+            <a:solidFill>
+              <a:schemeClr val="bg1">
+                <a:lumMod val="75000"/>
+                <a:alpha val="80000"/>
+              </a:schemeClr>
+            </a:solidFill>
+          </a:ln>
+        </p:spPr>
+        <p:style>
+          <a:lnRef idx="2">
+            <a:schemeClr val="accent1">
+              <a:shade val="50000"/>
+            </a:schemeClr>
+          </a:lnRef>
+          <a:fillRef idx="1">
+            <a:schemeClr val="accent1"/>
+          </a:fillRef>
+          <a:effectRef idx="0">
+            <a:schemeClr val="accent1"/>
+          </a:effectRef>
+          <a:fontRef idx="minor">
+            <a:schemeClr val="lt1"/>
+          </a:fontRef>
+        </p:style>
+        <p:txBody>
+          <a:bodyPr rot="0" spcFirstLastPara="0" vertOverflow="overflow" horzOverflow="overflow" vert="horz" wrap="square" lIns="91440" tIns="45720" rIns="91440" bIns="45720" numCol="1" spcCol="0" rtlCol="0" fromWordArt="0" anchor="ctr" anchorCtr="0" forceAA="0" compatLnSpc="1">
+            <a:prstTxWarp prst="textNoShape">
+              <a:avLst/>
+            </a:prstTxWarp>
+            <a:noAutofit/>
+          </a:bodyPr>
+          <a:lstStyle/>
+          <a:p>
+            <a:pPr algn="ctr"/>
+            <a:r>
+              <a:rPr lang="en-US" sz="2800" b="1" dirty="0">
+                <a:solidFill>
+                  <a:srgbClr val="FFFFFF"/>
+                </a:solidFill>
+                <a:effectLst>
+                  <a:outerShdw blurRad="38100" dist="38100" dir="2700000" algn="tl">
+                    <a:srgbClr val="000000">
+                      <a:alpha val="43137"/>
+                    </a:srgbClr>
+                  </a:outerShdw>
+                </a:effectLst>
+              </a:rPr>
+              <a:t>Sequence of</a:t>
+            </a:r>
+            <a:br>
+              <a:rPr lang="en-US" sz="2800" b="1" dirty="0">
+                <a:solidFill>
+                  <a:srgbClr val="FFFFFF"/>
+                </a:solidFill>
+                <a:effectLst>
+                  <a:outerShdw blurRad="38100" dist="38100" dir="2700000" algn="tl">
+                    <a:srgbClr val="000000">
+                      <a:alpha val="43137"/>
+                    </a:srgbClr>
+                  </a:outerShdw>
+                </a:effectLst>
+              </a:rPr>
+            </a:br>
+            <a:r>
+              <a:rPr lang="en-US" sz="2800" b="1" dirty="0">
+                <a:solidFill>
+                  <a:schemeClr val="accent4"/>
+                </a:solidFill>
+                <a:effectLst>
+                  <a:outerShdw blurRad="38100" dist="38100" dir="2700000" algn="tl">
+                    <a:srgbClr val="000000">
+                      <a:alpha val="43137"/>
+                    </a:srgbClr>
+                  </a:outerShdw>
+                </a:effectLst>
+              </a:rPr>
+              <a:t>values</a:t>
+            </a:r>
+            <a:r>
+              <a:rPr lang="en-US" sz="2800" b="1" dirty="0">
+                <a:solidFill>
+                  <a:srgbClr val="FFFFFF"/>
+                </a:solidFill>
+                <a:effectLst>
+                  <a:outerShdw blurRad="38100" dist="38100" dir="2700000" algn="tl">
+                    <a:srgbClr val="000000">
+                      <a:alpha val="43137"/>
+                    </a:srgbClr>
+                  </a:outerShdw>
+                </a:effectLst>
+              </a:rPr>
+              <a:t> for checking</a:t>
+            </a:r>
+            <a:endParaRPr lang="bg-BG" sz="2800" b="1" dirty="0">
+              <a:solidFill>
+                <a:srgbClr val="FFFFFF"/>
+              </a:solidFill>
+              <a:effectLst>
+                <a:outerShdw blurRad="38100" dist="38100" dir="2700000" algn="tl">
+                  <a:srgbClr val="000000">
+                    <a:alpha val="43137"/>
+                  </a:srgbClr>
+                </a:outerShdw>
+              </a:effectLst>
+            </a:endParaRPr>
+          </a:p>
+        </p:txBody>
+      </p:sp>
+      <p:sp>
+        <p:nvSpPr>
+          <p:cNvPr id="7" name="Rectangle 6">
+            <a:extLst>
+              <a:ext uri="{FF2B5EF4-FFF2-40B4-BE49-F238E27FC236}">
+                <a16:creationId xmlns:a16="http://schemas.microsoft.com/office/drawing/2014/main" id="{EE4082C5-4D7C-40B5-8738-A16F89CDCEC7}"/>
+              </a:ext>
+            </a:extLst>
+          </p:cNvPr>
+          <p:cNvSpPr/>
+          <p:nvPr/>
+        </p:nvSpPr>
+        <p:spPr>
+          <a:xfrm>
+            <a:off x="4827674" y="2780928"/>
+            <a:ext cx="1723938" cy="2222642"/>
+          </a:xfrm>
+          <a:prstGeom prst="rect">
+            <a:avLst/>
+          </a:prstGeom>
+          <a:noFill/>
+          <a:ln w="50800">
+            <a:solidFill>
+              <a:schemeClr val="tx1">
+                <a:lumMod val="40000"/>
+                <a:lumOff val="60000"/>
+              </a:schemeClr>
+            </a:solidFill>
+          </a:ln>
+        </p:spPr>
+        <p:style>
+          <a:lnRef idx="2">
+            <a:schemeClr val="accent1">
+              <a:shade val="50000"/>
+            </a:schemeClr>
+          </a:lnRef>
+          <a:fillRef idx="1">
+            <a:schemeClr val="accent1"/>
+          </a:fillRef>
+          <a:effectRef idx="0">
+            <a:schemeClr val="accent1"/>
+          </a:effectRef>
+          <a:fontRef idx="minor">
+            <a:schemeClr val="lt1"/>
+          </a:fontRef>
+        </p:style>
+        <p:txBody>
+          <a:bodyPr rtlCol="0" anchor="ctr"/>
+          <a:lstStyle/>
+          <a:p>
+            <a:pPr algn="ctr"/>
+            <a:endParaRPr lang="en-US" sz="2800">
+              <a:solidFill>
+                <a:schemeClr val="bg1"/>
+              </a:solidFill>
+            </a:endParaRPr>
+          </a:p>
+        </p:txBody>
+      </p:sp>
+      <p:sp>
+        <p:nvSpPr>
+          <p:cNvPr id="15" name="Rectangle 14">
+            <a:extLst>
+              <a:ext uri="{FF2B5EF4-FFF2-40B4-BE49-F238E27FC236}">
+                <a16:creationId xmlns:a16="http://schemas.microsoft.com/office/drawing/2014/main" id="{98C62871-31FE-417D-BEF7-57C3F190C2F9}"/>
+              </a:ext>
+            </a:extLst>
+          </p:cNvPr>
+          <p:cNvSpPr/>
+          <p:nvPr/>
+        </p:nvSpPr>
+        <p:spPr>
+          <a:xfrm>
+            <a:off x="4827674" y="5003570"/>
+            <a:ext cx="1723938" cy="1131254"/>
+          </a:xfrm>
+          <a:prstGeom prst="rect">
+            <a:avLst/>
+          </a:prstGeom>
+          <a:noFill/>
+          <a:ln w="50800">
+            <a:solidFill>
+              <a:schemeClr val="tx1">
+                <a:lumMod val="40000"/>
+                <a:lumOff val="60000"/>
+              </a:schemeClr>
+            </a:solidFill>
+          </a:ln>
+        </p:spPr>
+        <p:style>
+          <a:lnRef idx="2">
+            <a:schemeClr val="accent1">
+              <a:shade val="50000"/>
+            </a:schemeClr>
+          </a:lnRef>
+          <a:fillRef idx="1">
+            <a:schemeClr val="accent1"/>
+          </a:fillRef>
+          <a:effectRef idx="0">
+            <a:schemeClr val="accent1"/>
+          </a:effectRef>
+          <a:fontRef idx="minor">
+            <a:schemeClr val="lt1"/>
+          </a:fontRef>
+        </p:style>
+        <p:txBody>
+          <a:bodyPr rtlCol="0" anchor="ctr"/>
+          <a:lstStyle/>
+          <a:p>
+            <a:pPr algn="ctr"/>
+            <a:endParaRPr lang="en-US" sz="2800">
+              <a:solidFill>
+                <a:schemeClr val="bg1"/>
+              </a:solidFill>
+            </a:endParaRPr>
+          </a:p>
+        </p:txBody>
+      </p:sp>
+      <p:sp>
+        <p:nvSpPr>
+          <p:cNvPr id="14" name="AutoShape 7">
+            <a:extLst>
+              <a:ext uri="{FF2B5EF4-FFF2-40B4-BE49-F238E27FC236}">
+                <a16:creationId xmlns:a16="http://schemas.microsoft.com/office/drawing/2014/main" id="{6A527F12-4001-44AE-A55D-804515015173}"/>
+              </a:ext>
+            </a:extLst>
+          </p:cNvPr>
+          <p:cNvSpPr>
+            <a:spLocks noChangeArrowheads="1"/>
+          </p:cNvSpPr>
+          <p:nvPr/>
+        </p:nvSpPr>
+        <p:spPr bwMode="auto">
+          <a:xfrm>
+            <a:off x="7417575" y="4282936"/>
+            <a:ext cx="3645389" cy="1131254"/>
+          </a:xfrm>
+          <a:prstGeom prst="wedgeRoundRectCallout">
+            <a:avLst>
+              <a:gd name="adj1" fmla="val -69479"/>
+              <a:gd name="adj2" fmla="val 30266"/>
+              <a:gd name="adj3" fmla="val 16667"/>
+            </a:avLst>
+          </a:prstGeom>
+          <a:solidFill>
+            <a:schemeClr val="accent6">
+              <a:lumMod val="50000"/>
+              <a:alpha val="89804"/>
+            </a:schemeClr>
+          </a:solidFill>
+          <a:ln w="19050">
+            <a:solidFill>
+              <a:schemeClr val="bg1">
+                <a:lumMod val="75000"/>
+                <a:alpha val="80000"/>
+              </a:schemeClr>
+            </a:solidFill>
+          </a:ln>
+        </p:spPr>
+        <p:style>
+          <a:lnRef idx="2">
+            <a:schemeClr val="accent1">
+              <a:shade val="50000"/>
+            </a:schemeClr>
+          </a:lnRef>
+          <a:fillRef idx="1">
+            <a:schemeClr val="accent1"/>
+          </a:fillRef>
+          <a:effectRef idx="0">
+            <a:schemeClr val="accent1"/>
+          </a:effectRef>
+          <a:fontRef idx="minor">
+            <a:schemeClr val="lt1"/>
+          </a:fontRef>
+        </p:style>
+        <p:txBody>
+          <a:bodyPr rot="0" spcFirstLastPara="0" vertOverflow="overflow" horzOverflow="overflow" vert="horz" wrap="square" lIns="91440" tIns="45720" rIns="91440" bIns="45720" numCol="1" spcCol="0" rtlCol="0" fromWordArt="0" anchor="ctr" anchorCtr="0" forceAA="0" compatLnSpc="1">
+            <a:prstTxWarp prst="textNoShape">
+              <a:avLst/>
+            </a:prstTxWarp>
+            <a:noAutofit/>
+          </a:bodyPr>
+          <a:lstStyle/>
+          <a:p>
+            <a:pPr algn="ctr"/>
+            <a:r>
+              <a:rPr lang="en-US" sz="2800" b="1" dirty="0">
+                <a:solidFill>
+                  <a:srgbClr val="FFFFFF"/>
+                </a:solidFill>
+                <a:effectLst>
+                  <a:outerShdw blurRad="38100" dist="38100" dir="2700000" algn="tl">
+                    <a:srgbClr val="000000">
+                      <a:alpha val="43137"/>
+                    </a:srgbClr>
+                  </a:outerShdw>
+                </a:effectLst>
+              </a:rPr>
+              <a:t>Code to execute if </a:t>
+            </a:r>
+            <a:r>
+              <a:rPr lang="en-US" sz="2800" b="1" dirty="0">
+                <a:solidFill>
+                  <a:schemeClr val="accent4"/>
+                </a:solidFill>
+                <a:effectLst>
+                  <a:outerShdw blurRad="38100" dist="38100" dir="2700000" algn="tl">
+                    <a:srgbClr val="000000">
+                      <a:alpha val="43137"/>
+                    </a:srgbClr>
+                  </a:outerShdw>
+                </a:effectLst>
+              </a:rPr>
+              <a:t>no case is matched</a:t>
+            </a:r>
+            <a:endParaRPr lang="bg-BG" sz="2800" b="1" dirty="0">
+              <a:solidFill>
+                <a:schemeClr val="accent4"/>
+              </a:solidFill>
+              <a:effectLst>
+                <a:outerShdw blurRad="38100" dist="38100" dir="2700000" algn="tl">
+                  <a:srgbClr val="000000">
+                    <a:alpha val="43137"/>
+                  </a:srgbClr>
+                </a:outerShdw>
+              </a:effectLst>
+            </a:endParaRPr>
+          </a:p>
+        </p:txBody>
+      </p:sp>
+      <p:sp>
+        <p:nvSpPr>
+          <p:cNvPr id="12" name="Slide Number Placeholder 1">
+            <a:extLst>
+              <a:ext uri="{FF2B5EF4-FFF2-40B4-BE49-F238E27FC236}">
+                <a16:creationId xmlns:a16="http://schemas.microsoft.com/office/drawing/2014/main" id="{1D3DBB14-B901-465A-AD76-A1962593215B}"/>
               </a:ext>
             </a:extLst>
           </p:cNvPr>
@@ -19818,21 +19419,286 @@
     </p:spTree>
     <p:extLst>
       <p:ext uri="{BB962C8B-B14F-4D97-AF65-F5344CB8AC3E}">
-        <p14:creationId xmlns:p14="http://schemas.microsoft.com/office/powerpoint/2010/main" val="3312985143"/>
+        <p14:creationId xmlns:p14="http://schemas.microsoft.com/office/powerpoint/2010/main" val="4066447655"/>
       </p:ext>
     </p:extLst>
   </p:cSld>
   <p:clrMapOvr>
     <a:masterClrMapping/>
   </p:clrMapOvr>
-  <mc:AlternateContent xmlns:mc="http://schemas.openxmlformats.org/markup-compatibility/2006" xmlns:p14="http://schemas.microsoft.com/office/powerpoint/2010/main">
-    <mc:Choice Requires="p14">
-      <p:transition spd="slow" p14:dur="2000" advClick="0" advTm="5000"/>
-    </mc:Choice>
-    <mc:Fallback xmlns="">
-      <p:transition spd="slow" advClick="0" advTm="5000"/>
-    </mc:Fallback>
-  </mc:AlternateContent>
+  <p:transition/>
+  <p:timing>
+    <p:tnLst>
+      <p:par>
+        <p:cTn id="1" dur="indefinite" restart="never" nodeType="tmRoot">
+          <p:childTnLst>
+            <p:seq concurrent="1" nextAc="seek">
+              <p:cTn id="2" dur="indefinite" nodeType="mainSeq">
+                <p:childTnLst>
+                  <p:par>
+                    <p:cTn id="3" fill="hold">
+                      <p:stCondLst>
+                        <p:cond delay="indefinite"/>
+                      </p:stCondLst>
+                      <p:childTnLst>
+                        <p:par>
+                          <p:cTn id="4" fill="hold">
+                            <p:stCondLst>
+                              <p:cond delay="0"/>
+                            </p:stCondLst>
+                            <p:childTnLst>
+                              <p:par>
+                                <p:cTn id="5" presetID="1" presetClass="entr" presetSubtype="0" fill="hold" grpId="0" nodeType="clickEffect">
+                                  <p:stCondLst>
+                                    <p:cond delay="0"/>
+                                  </p:stCondLst>
+                                  <p:childTnLst>
+                                    <p:set>
+                                      <p:cBhvr>
+                                        <p:cTn id="6" dur="1" fill="hold">
+                                          <p:stCondLst>
+                                            <p:cond delay="0"/>
+                                          </p:stCondLst>
+                                        </p:cTn>
+                                        <p:tgtEl>
+                                          <p:spTgt spid="463876"/>
+                                        </p:tgtEl>
+                                        <p:attrNameLst>
+                                          <p:attrName>style.visibility</p:attrName>
+                                        </p:attrNameLst>
+                                      </p:cBhvr>
+                                      <p:to>
+                                        <p:strVal val="visible"/>
+                                      </p:to>
+                                    </p:set>
+                                  </p:childTnLst>
+                                </p:cTn>
+                              </p:par>
+                            </p:childTnLst>
+                          </p:cTn>
+                        </p:par>
+                      </p:childTnLst>
+                    </p:cTn>
+                  </p:par>
+                  <p:par>
+                    <p:cTn id="7" fill="hold">
+                      <p:stCondLst>
+                        <p:cond delay="indefinite"/>
+                      </p:stCondLst>
+                      <p:childTnLst>
+                        <p:par>
+                          <p:cTn id="8" fill="hold">
+                            <p:stCondLst>
+                              <p:cond delay="0"/>
+                            </p:stCondLst>
+                            <p:childTnLst>
+                              <p:par>
+                                <p:cTn id="9" presetID="1" presetClass="entr" presetSubtype="0" fill="hold" grpId="0" nodeType="clickEffect">
+                                  <p:stCondLst>
+                                    <p:cond delay="0"/>
+                                  </p:stCondLst>
+                                  <p:childTnLst>
+                                    <p:set>
+                                      <p:cBhvr>
+                                        <p:cTn id="10" dur="1" fill="hold">
+                                          <p:stCondLst>
+                                            <p:cond delay="0"/>
+                                          </p:stCondLst>
+                                        </p:cTn>
+                                        <p:tgtEl>
+                                          <p:spTgt spid="9"/>
+                                        </p:tgtEl>
+                                        <p:attrNameLst>
+                                          <p:attrName>style.visibility</p:attrName>
+                                        </p:attrNameLst>
+                                      </p:cBhvr>
+                                      <p:to>
+                                        <p:strVal val="visible"/>
+                                      </p:to>
+                                    </p:set>
+                                  </p:childTnLst>
+                                </p:cTn>
+                              </p:par>
+                            </p:childTnLst>
+                          </p:cTn>
+                        </p:par>
+                      </p:childTnLst>
+                    </p:cTn>
+                  </p:par>
+                  <p:par>
+                    <p:cTn id="11" fill="hold">
+                      <p:stCondLst>
+                        <p:cond delay="indefinite"/>
+                      </p:stCondLst>
+                      <p:childTnLst>
+                        <p:par>
+                          <p:cTn id="12" fill="hold">
+                            <p:stCondLst>
+                              <p:cond delay="0"/>
+                            </p:stCondLst>
+                            <p:childTnLst>
+                              <p:par>
+                                <p:cTn id="13" presetID="1" presetClass="entr" presetSubtype="0" fill="hold" grpId="0" nodeType="clickEffect">
+                                  <p:stCondLst>
+                                    <p:cond delay="0"/>
+                                  </p:stCondLst>
+                                  <p:childTnLst>
+                                    <p:set>
+                                      <p:cBhvr>
+                                        <p:cTn id="14" dur="1" fill="hold">
+                                          <p:stCondLst>
+                                            <p:cond delay="0"/>
+                                          </p:stCondLst>
+                                        </p:cTn>
+                                        <p:tgtEl>
+                                          <p:spTgt spid="7"/>
+                                        </p:tgtEl>
+                                        <p:attrNameLst>
+                                          <p:attrName>style.visibility</p:attrName>
+                                        </p:attrNameLst>
+                                      </p:cBhvr>
+                                      <p:to>
+                                        <p:strVal val="visible"/>
+                                      </p:to>
+                                    </p:set>
+                                  </p:childTnLst>
+                                </p:cTn>
+                              </p:par>
+                              <p:par>
+                                <p:cTn id="15" presetID="1" presetClass="entr" presetSubtype="0" fill="hold" grpId="0" nodeType="withEffect">
+                                  <p:stCondLst>
+                                    <p:cond delay="0"/>
+                                  </p:stCondLst>
+                                  <p:childTnLst>
+                                    <p:set>
+                                      <p:cBhvr>
+                                        <p:cTn id="16" dur="1" fill="hold">
+                                          <p:stCondLst>
+                                            <p:cond delay="0"/>
+                                          </p:stCondLst>
+                                        </p:cTn>
+                                        <p:tgtEl>
+                                          <p:spTgt spid="11"/>
+                                        </p:tgtEl>
+                                        <p:attrNameLst>
+                                          <p:attrName>style.visibility</p:attrName>
+                                        </p:attrNameLst>
+                                      </p:cBhvr>
+                                      <p:to>
+                                        <p:strVal val="visible"/>
+                                      </p:to>
+                                    </p:set>
+                                  </p:childTnLst>
+                                </p:cTn>
+                              </p:par>
+                            </p:childTnLst>
+                          </p:cTn>
+                        </p:par>
+                      </p:childTnLst>
+                    </p:cTn>
+                  </p:par>
+                  <p:par>
+                    <p:cTn id="17" fill="hold">
+                      <p:stCondLst>
+                        <p:cond delay="indefinite"/>
+                      </p:stCondLst>
+                      <p:childTnLst>
+                        <p:par>
+                          <p:cTn id="18" fill="hold">
+                            <p:stCondLst>
+                              <p:cond delay="0"/>
+                            </p:stCondLst>
+                            <p:childTnLst>
+                              <p:par>
+                                <p:cTn id="19" presetID="1" presetClass="entr" presetSubtype="0" fill="hold" grpId="0" nodeType="clickEffect">
+                                  <p:stCondLst>
+                                    <p:cond delay="0"/>
+                                  </p:stCondLst>
+                                  <p:childTnLst>
+                                    <p:set>
+                                      <p:cBhvr>
+                                        <p:cTn id="20" dur="1" fill="hold">
+                                          <p:stCondLst>
+                                            <p:cond delay="0"/>
+                                          </p:stCondLst>
+                                        </p:cTn>
+                                        <p:tgtEl>
+                                          <p:spTgt spid="15"/>
+                                        </p:tgtEl>
+                                        <p:attrNameLst>
+                                          <p:attrName>style.visibility</p:attrName>
+                                        </p:attrNameLst>
+                                      </p:cBhvr>
+                                      <p:to>
+                                        <p:strVal val="visible"/>
+                                      </p:to>
+                                    </p:set>
+                                  </p:childTnLst>
+                                </p:cTn>
+                              </p:par>
+                              <p:par>
+                                <p:cTn id="21" presetID="1" presetClass="entr" presetSubtype="0" fill="hold" grpId="0" nodeType="withEffect">
+                                  <p:stCondLst>
+                                    <p:cond delay="0"/>
+                                  </p:stCondLst>
+                                  <p:childTnLst>
+                                    <p:set>
+                                      <p:cBhvr>
+                                        <p:cTn id="22" dur="1" fill="hold">
+                                          <p:stCondLst>
+                                            <p:cond delay="0"/>
+                                          </p:stCondLst>
+                                        </p:cTn>
+                                        <p:tgtEl>
+                                          <p:spTgt spid="14"/>
+                                        </p:tgtEl>
+                                        <p:attrNameLst>
+                                          <p:attrName>style.visibility</p:attrName>
+                                        </p:attrNameLst>
+                                      </p:cBhvr>
+                                      <p:to>
+                                        <p:strVal val="visible"/>
+                                      </p:to>
+                                    </p:set>
+                                  </p:childTnLst>
+                                </p:cTn>
+                              </p:par>
+                            </p:childTnLst>
+                          </p:cTn>
+                        </p:par>
+                      </p:childTnLst>
+                    </p:cTn>
+                  </p:par>
+                </p:childTnLst>
+              </p:cTn>
+              <p:prevCondLst>
+                <p:cond evt="onPrev" delay="0">
+                  <p:tgtEl>
+                    <p:sldTgt/>
+                  </p:tgtEl>
+                </p:cond>
+              </p:prevCondLst>
+              <p:nextCondLst>
+                <p:cond evt="onNext" delay="0">
+                  <p:tgtEl>
+                    <p:sldTgt/>
+                  </p:tgtEl>
+                </p:cond>
+              </p:nextCondLst>
+            </p:seq>
+          </p:childTnLst>
+        </p:cTn>
+      </p:par>
+    </p:tnLst>
+    <p:bldLst>
+      <p:bldP spid="463876" grpId="0" animBg="1"/>
+      <p:bldP spid="9" grpId="0" animBg="1"/>
+      <p:bldP spid="11" grpId="0" animBg="1"/>
+      <p:bldP spid="7" grpId="0" animBg="1"/>
+      <p:bldP spid="15" grpId="0" animBg="1"/>
+      <p:bldP spid="14" grpId="0" animBg="1"/>
+    </p:bldLst>
+  </p:timing>
 </p:sld>
 </file>
 
@@ -19853,41 +19719,174 @@
           <a:chExt cx="0" cy="0"/>
         </a:xfrm>
       </p:grpSpPr>
-      <p:pic>
-        <p:nvPicPr>
-          <p:cNvPr id="7" name="Picture Placeholder 6" descr="A group of people sitting around a table&#10;&#10;Description automatically generated">
-            <a:extLst>
-              <a:ext uri="{FF2B5EF4-FFF2-40B4-BE49-F238E27FC236}">
-                <a16:creationId xmlns:a16="http://schemas.microsoft.com/office/drawing/2014/main" id="{895C09E1-D252-91B6-97E3-F52EE4D5AC12}"/>
-              </a:ext>
-            </a:extLst>
-          </p:cNvPr>
-          <p:cNvPicPr>
-            <a:picLocks noGrp="1" noChangeAspect="1"/>
-          </p:cNvPicPr>
-          <p:nvPr>
-            <p:ph type="pic" sz="quarter" idx="10"/>
-          </p:nvPr>
-        </p:nvPicPr>
-        <p:blipFill>
-          <a:blip r:embed="rId2" cstate="screen">
-            <a:extLst>
-              <a:ext uri="{28A0092B-C50C-407E-A947-70E740481C1C}">
-                <a14:useLocalDpi xmlns:a14="http://schemas.microsoft.com/office/drawing/2010/main" val="0"/>
-              </a:ext>
-            </a:extLst>
-          </a:blip>
-          <a:srcRect/>
-          <a:stretch/>
-        </p:blipFill>
-        <p:spPr/>
-      </p:pic>
       <p:sp>
         <p:nvSpPr>
-          <p:cNvPr id="4" name="Title 3">
+          <p:cNvPr id="20" name="Text Placeholder 19">
             <a:extLst>
               <a:ext uri="{FF2B5EF4-FFF2-40B4-BE49-F238E27FC236}">
-                <a16:creationId xmlns:a16="http://schemas.microsoft.com/office/drawing/2014/main" id="{7C0F6BB8-2FDE-3705-EBAC-43D66A14EA92}"/>
+                <a16:creationId xmlns:a16="http://schemas.microsoft.com/office/drawing/2014/main" id="{88294DD5-1E25-82CC-8544-6C1B39837564}"/>
+              </a:ext>
+            </a:extLst>
+          </p:cNvPr>
+          <p:cNvSpPr>
+            <a:spLocks noGrp="1"/>
+          </p:cNvSpPr>
+          <p:nvPr>
+            <p:ph type="body" sz="quarter" idx="11"/>
+          </p:nvPr>
+        </p:nvSpPr>
+        <p:spPr>
+          <a:xfrm>
+            <a:off x="6094410" y="1195930"/>
+            <a:ext cx="5904057" cy="5561320"/>
+          </a:xfrm>
+        </p:spPr>
+        <p:txBody>
+          <a:bodyPr>
+            <a:normAutofit fontScale="85000" lnSpcReduction="10000"/>
+          </a:bodyPr>
+          <a:lstStyle/>
+          <a:p>
+            <a:r>
+              <a:rPr lang="en-US" sz="3800" b="1" dirty="0">
+                <a:solidFill>
+                  <a:schemeClr val="accent4"/>
+                </a:solidFill>
+              </a:rPr>
+              <a:t>Service</a:t>
+            </a:r>
+          </a:p>
+          <a:p>
+            <a:pPr lvl="1"/>
+            <a:r>
+              <a:rPr lang="en-US" dirty="0"/>
+              <a:t>Transactions where no physical goods are transferred </a:t>
+            </a:r>
+          </a:p>
+          <a:p>
+            <a:pPr lvl="1"/>
+            <a:r>
+              <a:rPr lang="en-US" dirty="0"/>
+              <a:t>Intangible</a:t>
+            </a:r>
+          </a:p>
+          <a:p>
+            <a:pPr lvl="1"/>
+            <a:r>
+              <a:rPr lang="en-US" dirty="0"/>
+              <a:t>Can’t be manufactured, stored and transported</a:t>
+            </a:r>
+          </a:p>
+          <a:p>
+            <a:pPr lvl="1"/>
+            <a:r>
+              <a:rPr lang="en-US" dirty="0"/>
+              <a:t>Ex: cleaning, car repair, haircuts, medical checkups</a:t>
+            </a:r>
+          </a:p>
+          <a:p>
+            <a:pPr lvl="1"/>
+            <a:r>
+              <a:rPr lang="en-US" dirty="0"/>
+              <a:t>Can’t be returned or replaced</a:t>
+            </a:r>
+          </a:p>
+          <a:p>
+            <a:pPr lvl="1"/>
+            <a:r>
+              <a:rPr lang="en-US" dirty="0"/>
+              <a:t>Each delivery of service is never the same</a:t>
+            </a:r>
+          </a:p>
+        </p:txBody>
+      </p:sp>
+      <p:sp>
+        <p:nvSpPr>
+          <p:cNvPr id="16" name="Text Placeholder 15">
+            <a:extLst>
+              <a:ext uri="{FF2B5EF4-FFF2-40B4-BE49-F238E27FC236}">
+                <a16:creationId xmlns:a16="http://schemas.microsoft.com/office/drawing/2014/main" id="{C6F55889-29BC-FE87-7055-85B1AA40A6FA}"/>
+              </a:ext>
+            </a:extLst>
+          </p:cNvPr>
+          <p:cNvSpPr>
+            <a:spLocks noGrp="1"/>
+          </p:cNvSpPr>
+          <p:nvPr>
+            <p:ph type="body" sz="quarter" idx="10"/>
+          </p:nvPr>
+        </p:nvSpPr>
+        <p:spPr>
+          <a:xfrm>
+            <a:off x="190355" y="1195930"/>
+            <a:ext cx="5832049" cy="5561320"/>
+          </a:xfrm>
+        </p:spPr>
+        <p:txBody>
+          <a:bodyPr>
+            <a:normAutofit fontScale="85000" lnSpcReduction="10000"/>
+          </a:bodyPr>
+          <a:lstStyle/>
+          <a:p>
+            <a:r>
+              <a:rPr lang="en-US" sz="3800" b="1" dirty="0">
+                <a:solidFill>
+                  <a:schemeClr val="accent4"/>
+                </a:solidFill>
+              </a:rPr>
+              <a:t>Goods</a:t>
+            </a:r>
+          </a:p>
+          <a:p>
+            <a:pPr lvl="1"/>
+            <a:r>
+              <a:rPr lang="en-US" dirty="0"/>
+              <a:t>Objects or system made available for customers</a:t>
+            </a:r>
+          </a:p>
+          <a:p>
+            <a:pPr lvl="1"/>
+            <a:r>
+              <a:rPr lang="en-US" dirty="0"/>
+              <a:t>Tangible</a:t>
+            </a:r>
+          </a:p>
+          <a:p>
+            <a:pPr lvl="1"/>
+            <a:r>
+              <a:rPr lang="en-US" dirty="0"/>
+              <a:t>Manufactured, stored and transported</a:t>
+            </a:r>
+          </a:p>
+          <a:p>
+            <a:pPr lvl="1"/>
+            <a:r>
+              <a:rPr lang="en-US" dirty="0"/>
+              <a:t>Ex: Food, furniture, electronic devices </a:t>
+            </a:r>
+          </a:p>
+          <a:p>
+            <a:pPr lvl="1"/>
+            <a:r>
+              <a:rPr lang="en-US" dirty="0"/>
+              <a:t>It can be returned or replaced</a:t>
+            </a:r>
+          </a:p>
+          <a:p>
+            <a:pPr lvl="1"/>
+            <a:r>
+              <a:rPr lang="en-US" dirty="0"/>
+              <a:t>Products sold can be identical</a:t>
+            </a:r>
+          </a:p>
+        </p:txBody>
+      </p:sp>
+      <p:sp>
+        <p:nvSpPr>
+          <p:cNvPr id="5" name="Title 4">
+            <a:extLst>
+              <a:ext uri="{FF2B5EF4-FFF2-40B4-BE49-F238E27FC236}">
+                <a16:creationId xmlns:a16="http://schemas.microsoft.com/office/drawing/2014/main" id="{E2425527-B9CE-0AD3-3E5C-9433685E0451}"/>
               </a:ext>
             </a:extLst>
           </p:cNvPr>
@@ -19898,22 +19897,62 @@
             <p:ph type="title"/>
           </p:nvPr>
         </p:nvSpPr>
-        <p:spPr/>
+        <p:spPr>
+          <a:xfrm>
+            <a:off x="190355" y="100750"/>
+            <a:ext cx="10800601" cy="882654"/>
+          </a:xfrm>
+        </p:spPr>
         <p:txBody>
           <a:bodyPr/>
           <a:lstStyle/>
           <a:p>
             <a:r>
               <a:rPr lang="en-US" dirty="0"/>
-              <a:t>Pitching Your Product</a:t>
-            </a:r>
+              <a:t>Goods vs. Services</a:t>
+            </a:r>
+          </a:p>
+        </p:txBody>
+      </p:sp>
+      <p:sp>
+        <p:nvSpPr>
+          <p:cNvPr id="2" name="Slide Number Placeholder 1">
+            <a:extLst>
+              <a:ext uri="{FF2B5EF4-FFF2-40B4-BE49-F238E27FC236}">
+                <a16:creationId xmlns:a16="http://schemas.microsoft.com/office/drawing/2014/main" id="{C1D788EE-DE24-DC16-9A20-DA3C5DB57C1F}"/>
+              </a:ext>
+            </a:extLst>
+          </p:cNvPr>
+          <p:cNvSpPr>
+            <a:spLocks noGrp="1"/>
+          </p:cNvSpPr>
+          <p:nvPr>
+            <p:ph type="sldNum" sz="quarter" idx="5"/>
+          </p:nvPr>
+        </p:nvSpPr>
+        <p:spPr>
+          <a:xfrm>
+            <a:off x="11753030" y="6507000"/>
+            <a:ext cx="367414" cy="297000"/>
+          </a:xfrm>
+        </p:spPr>
+        <p:txBody>
+          <a:bodyPr/>
+          <a:lstStyle/>
+          <a:p>
+            <a:fld id="{2BF067CD-8E6B-4360-9AA8-C5DF2A48A6D1}" type="slidenum">
+              <a:rPr lang="en-US" noProof="0" smtClean="0"/>
+              <a:pPr/>
+              <a:t>31</a:t>
+            </a:fld>
+            <a:endParaRPr lang="en-US" noProof="0" dirty="0"/>
           </a:p>
         </p:txBody>
       </p:sp>
     </p:spTree>
     <p:extLst>
       <p:ext uri="{BB962C8B-B14F-4D97-AF65-F5344CB8AC3E}">
-        <p14:creationId xmlns:p14="http://schemas.microsoft.com/office/powerpoint/2010/main" val="2352376806"/>
+        <p14:creationId xmlns:p14="http://schemas.microsoft.com/office/powerpoint/2010/main" val="3312985143"/>
       </p:ext>
     </p:extLst>
   </p:cSld>
@@ -19948,157 +19987,43 @@
           <a:chExt cx="0" cy="0"/>
         </a:xfrm>
       </p:grpSpPr>
+      <p:pic>
+        <p:nvPicPr>
+          <p:cNvPr id="9" name="Picture Placeholder 8" descr="A group of people sitting around a table&#10;&#10;Description automatically generated">
+            <a:extLst>
+              <a:ext uri="{FF2B5EF4-FFF2-40B4-BE49-F238E27FC236}">
+                <a16:creationId xmlns:a16="http://schemas.microsoft.com/office/drawing/2014/main" id="{4CFD1CB1-63C7-1B75-9C72-4D6910DEC2BF}"/>
+              </a:ext>
+            </a:extLst>
+          </p:cNvPr>
+          <p:cNvPicPr>
+            <a:picLocks noGrp="1" noChangeAspect="1"/>
+          </p:cNvPicPr>
+          <p:nvPr>
+            <p:ph type="pic" sz="quarter" idx="10"/>
+          </p:nvPr>
+        </p:nvPicPr>
+        <p:blipFill>
+          <a:blip r:embed="rId2" cstate="screen">
+            <a:extLst>
+              <a:ext uri="{28A0092B-C50C-407E-A947-70E740481C1C}">
+                <a14:useLocalDpi xmlns:a14="http://schemas.microsoft.com/office/drawing/2010/main" val="0"/>
+              </a:ext>
+            </a:extLst>
+          </a:blip>
+          <a:srcRect/>
+          <a:stretch>
+            <a:fillRect/>
+          </a:stretch>
+        </p:blipFill>
+        <p:spPr/>
+      </p:pic>
       <p:sp>
         <p:nvSpPr>
-          <p:cNvPr id="2" name="Slide Number Placeholder 1">
+          <p:cNvPr id="3" name="Title 2">
             <a:extLst>
               <a:ext uri="{FF2B5EF4-FFF2-40B4-BE49-F238E27FC236}">
-                <a16:creationId xmlns:a16="http://schemas.microsoft.com/office/drawing/2014/main" id="{7207B578-B8DC-ECFD-C643-6A935011373D}"/>
-              </a:ext>
-            </a:extLst>
-          </p:cNvPr>
-          <p:cNvSpPr>
-            <a:spLocks noGrp="1"/>
-          </p:cNvSpPr>
-          <p:nvPr>
-            <p:ph type="sldNum" sz="quarter" idx="5"/>
-          </p:nvPr>
-        </p:nvSpPr>
-        <p:spPr>
-          <a:xfrm>
-            <a:off x="11753030" y="6507000"/>
-            <a:ext cx="367414" cy="297000"/>
-          </a:xfrm>
-        </p:spPr>
-        <p:txBody>
-          <a:bodyPr/>
-          <a:lstStyle/>
-          <a:p>
-            <a:fld id="{2BF067CD-8E6B-4360-9AA8-C5DF2A48A6D1}" type="slidenum">
-              <a:rPr lang="en-US" smtClean="0"/>
-              <a:pPr/>
-              <a:t>32</a:t>
-            </a:fld>
-            <a:endParaRPr lang="en-US" dirty="0"/>
-          </a:p>
-        </p:txBody>
-      </p:sp>
-      <p:sp>
-        <p:nvSpPr>
-          <p:cNvPr id="9" name="Text Placeholder 8">
-            <a:extLst>
-              <a:ext uri="{FF2B5EF4-FFF2-40B4-BE49-F238E27FC236}">
-                <a16:creationId xmlns:a16="http://schemas.microsoft.com/office/drawing/2014/main" id="{C6480128-FDDD-386E-16CB-79489FEBA71C}"/>
-              </a:ext>
-            </a:extLst>
-          </p:cNvPr>
-          <p:cNvSpPr>
-            <a:spLocks noGrp="1"/>
-          </p:cNvSpPr>
-          <p:nvPr>
-            <p:ph type="body" sz="quarter" idx="10"/>
-          </p:nvPr>
-        </p:nvSpPr>
-        <p:spPr/>
-        <p:txBody>
-          <a:bodyPr>
-            <a:normAutofit/>
-          </a:bodyPr>
-          <a:lstStyle/>
-          <a:p>
-            <a:pPr marL="514350" indent="-514350">
-              <a:buFont typeface="+mj-lt"/>
-              <a:buAutoNum type="arabicPeriod"/>
-            </a:pPr>
-            <a:r>
-              <a:rPr lang="en-US" dirty="0"/>
-              <a:t>Install and run </a:t>
-            </a:r>
-            <a:r>
-              <a:rPr lang="en-US" b="1" dirty="0">
-                <a:solidFill>
-                  <a:schemeClr val="accent4"/>
-                </a:solidFill>
-              </a:rPr>
-              <a:t>Cursor AI</a:t>
-            </a:r>
-          </a:p>
-          <a:p>
-            <a:pPr marL="514350" indent="-514350">
-              <a:buFont typeface="+mj-lt"/>
-              <a:buAutoNum type="arabicPeriod"/>
-            </a:pPr>
-            <a:r>
-              <a:rPr lang="en-US" dirty="0"/>
-              <a:t>Using Cursor AI, </a:t>
-            </a:r>
-            <a:r>
-              <a:rPr lang="en-US" b="1" dirty="0">
-                <a:solidFill>
-                  <a:schemeClr val="accent4"/>
-                </a:solidFill>
-              </a:rPr>
-              <a:t>write a simple game</a:t>
-            </a:r>
-            <a:br>
-              <a:rPr lang="en-US" b="1" dirty="0">
-                <a:solidFill>
-                  <a:schemeClr val="accent4"/>
-                </a:solidFill>
-              </a:rPr>
-            </a:br>
-            <a:r>
-              <a:rPr lang="en-US" b="1" dirty="0">
-                <a:solidFill>
-                  <a:schemeClr val="accent4"/>
-                </a:solidFill>
-              </a:rPr>
-              <a:t>in JavaScript</a:t>
-            </a:r>
-            <a:r>
-              <a:rPr lang="en-US" dirty="0"/>
-              <a:t>, e.g.</a:t>
-            </a:r>
-          </a:p>
-          <a:p>
-            <a:pPr lvl="1"/>
-            <a:r>
-              <a:rPr lang="en-US" dirty="0"/>
-              <a:t>Objects (of size 1 x 1) fall from the top of the screen to the bottom (objects are food, stones, knives)</a:t>
-            </a:r>
-          </a:p>
-          <a:p>
-            <a:pPr lvl="1"/>
-            <a:r>
-              <a:rPr lang="en-US" dirty="0"/>
-              <a:t>The player (object 3 x 1) moves left and right and should collect food and avoid the other objects</a:t>
-            </a:r>
-          </a:p>
-          <a:p>
-            <a:pPr lvl="1"/>
-            <a:r>
-              <a:rPr lang="en-US" dirty="0"/>
-              <a:t>Each collected object adds score, or causes "game over"</a:t>
-            </a:r>
-          </a:p>
-          <a:p>
-            <a:pPr marL="514350" indent="-514350">
-              <a:buFont typeface="+mj-lt"/>
-              <a:buAutoNum type="arabicPeriod"/>
-            </a:pPr>
-            <a:r>
-              <a:rPr lang="en-US" dirty="0"/>
-              <a:t>Using AI tool, rewrite the game in Python</a:t>
-            </a:r>
-          </a:p>
-        </p:txBody>
-      </p:sp>
-      <p:sp>
-        <p:nvSpPr>
-          <p:cNvPr id="8" name="Title 7">
-            <a:extLst>
-              <a:ext uri="{FF2B5EF4-FFF2-40B4-BE49-F238E27FC236}">
-                <a16:creationId xmlns:a16="http://schemas.microsoft.com/office/drawing/2014/main" id="{81907CD9-34B5-8415-A3D0-1D58AEE815F1}"/>
+                <a16:creationId xmlns:a16="http://schemas.microsoft.com/office/drawing/2014/main" id="{3AAF868D-A1CE-1E76-7CA1-F1D45D1C2449}"/>
               </a:ext>
             </a:extLst>
           </p:cNvPr>
@@ -20116,15 +20041,45 @@
           <a:p>
             <a:r>
               <a:rPr lang="en-US" dirty="0"/>
-              <a:t>Homework</a:t>
-            </a:r>
+              <a:t>Pitching Your Product</a:t>
+            </a:r>
+          </a:p>
+        </p:txBody>
+      </p:sp>
+      <p:sp>
+        <p:nvSpPr>
+          <p:cNvPr id="4" name="Slide Number Placeholder 3">
+            <a:extLst>
+              <a:ext uri="{FF2B5EF4-FFF2-40B4-BE49-F238E27FC236}">
+                <a16:creationId xmlns:a16="http://schemas.microsoft.com/office/drawing/2014/main" id="{AD96AF8B-7241-8C42-79BC-C242D3715AF9}"/>
+              </a:ext>
+            </a:extLst>
+          </p:cNvPr>
+          <p:cNvSpPr>
+            <a:spLocks noGrp="1"/>
+          </p:cNvSpPr>
+          <p:nvPr>
+            <p:ph type="sldNum" sz="quarter" idx="5"/>
+          </p:nvPr>
+        </p:nvSpPr>
+        <p:spPr/>
+        <p:txBody>
+          <a:bodyPr/>
+          <a:lstStyle/>
+          <a:p>
+            <a:fld id="{2BF067CD-8E6B-4360-9AA8-C5DF2A48A6D1}" type="slidenum">
+              <a:rPr lang="en-US" smtClean="0"/>
+              <a:pPr/>
+              <a:t>32</a:t>
+            </a:fld>
+            <a:endParaRPr lang="en-US" dirty="0"/>
           </a:p>
         </p:txBody>
       </p:sp>
     </p:spTree>
     <p:extLst>
       <p:ext uri="{BB962C8B-B14F-4D97-AF65-F5344CB8AC3E}">
-        <p14:creationId xmlns:p14="http://schemas.microsoft.com/office/powerpoint/2010/main" val="2792739461"/>
+        <p14:creationId xmlns:p14="http://schemas.microsoft.com/office/powerpoint/2010/main" val="3169028235"/>
       </p:ext>
     </p:extLst>
   </p:cSld>
@@ -20161,10 +20116,46 @@
       </p:grpSpPr>
       <p:sp>
         <p:nvSpPr>
-          <p:cNvPr id="2" name="Slide Number Placeholder 1">
+          <p:cNvPr id="5" name="Title 4">
             <a:extLst>
               <a:ext uri="{FF2B5EF4-FFF2-40B4-BE49-F238E27FC236}">
-                <a16:creationId xmlns:a16="http://schemas.microsoft.com/office/drawing/2014/main" id="{E7810003-A566-5F12-D1F6-2C672FE7CBE8}"/>
+                <a16:creationId xmlns:a16="http://schemas.microsoft.com/office/drawing/2014/main" id="{1B93DF2E-4AD7-CA83-A8CE-1547A35E9E29}"/>
+              </a:ext>
+            </a:extLst>
+          </p:cNvPr>
+          <p:cNvSpPr>
+            <a:spLocks noGrp="1"/>
+          </p:cNvSpPr>
+          <p:nvPr>
+            <p:ph type="title"/>
+          </p:nvPr>
+        </p:nvSpPr>
+        <p:spPr>
+          <a:xfrm>
+            <a:off x="1953952" y="2132856"/>
+            <a:ext cx="8280920" cy="2232248"/>
+          </a:xfrm>
+        </p:spPr>
+        <p:txBody>
+          <a:bodyPr>
+            <a:normAutofit/>
+          </a:bodyPr>
+          <a:lstStyle/>
+          <a:p>
+            <a:pPr algn="ctr"/>
+            <a:r>
+              <a:rPr lang="en-US" sz="6000" dirty="0"/>
+              <a:t>Blank Slide</a:t>
+            </a:r>
+          </a:p>
+        </p:txBody>
+      </p:sp>
+      <p:sp>
+        <p:nvSpPr>
+          <p:cNvPr id="4" name="Slide Number Placeholder 3">
+            <a:extLst>
+              <a:ext uri="{FF2B5EF4-FFF2-40B4-BE49-F238E27FC236}">
+                <a16:creationId xmlns:a16="http://schemas.microsoft.com/office/drawing/2014/main" id="{2AE6C6A7-CF4B-54A5-BA52-08C42BC8AF3C}"/>
               </a:ext>
             </a:extLst>
           </p:cNvPr>
@@ -20175,12 +20166,7 @@
             <p:ph type="sldNum" sz="quarter" idx="5"/>
           </p:nvPr>
         </p:nvSpPr>
-        <p:spPr>
-          <a:xfrm>
-            <a:off x="11753030" y="6507000"/>
-            <a:ext cx="367414" cy="297000"/>
-          </a:xfrm>
-        </p:spPr>
+        <p:spPr/>
         <p:txBody>
           <a:bodyPr/>
           <a:lstStyle/>
@@ -20194,127 +20180,10 @@
           </a:p>
         </p:txBody>
       </p:sp>
-      <p:sp>
-        <p:nvSpPr>
-          <p:cNvPr id="3" name="Text Placeholder 2">
-            <a:extLst>
-              <a:ext uri="{FF2B5EF4-FFF2-40B4-BE49-F238E27FC236}">
-                <a16:creationId xmlns:a16="http://schemas.microsoft.com/office/drawing/2014/main" id="{059CDAE4-70CB-C1B8-A2AF-48BBBA93730E}"/>
-              </a:ext>
-            </a:extLst>
-          </p:cNvPr>
-          <p:cNvSpPr>
-            <a:spLocks noGrp="1"/>
-          </p:cNvSpPr>
-          <p:nvPr>
-            <p:ph type="body" sz="quarter" idx="10"/>
-          </p:nvPr>
-        </p:nvSpPr>
-        <p:spPr>
-          <a:xfrm>
-            <a:off x="189756" y="1216992"/>
-            <a:ext cx="11809312" cy="5452367"/>
-          </a:xfrm>
-        </p:spPr>
-        <p:txBody>
-          <a:bodyPr>
-            <a:normAutofit/>
-          </a:bodyPr>
-          <a:lstStyle/>
-          <a:p>
-            <a:r>
-              <a:rPr lang="en-US" b="1" dirty="0">
-                <a:solidFill>
-                  <a:schemeClr val="accent4"/>
-                </a:solidFill>
-              </a:rPr>
-              <a:t>Cursor AI Tutorial</a:t>
-            </a:r>
-          </a:p>
-          <a:p>
-            <a:pPr lvl="1"/>
-            <a:r>
-              <a:rPr lang="en-US" dirty="0">
-                <a:hlinkClick r:id="rId2"/>
-              </a:rPr>
-              <a:t>https://datacamp.com/tutorial/cursor-ai-code-editor</a:t>
-            </a:r>
-            <a:endParaRPr lang="en-US" dirty="0"/>
-          </a:p>
-          <a:p>
-            <a:r>
-              <a:rPr lang="en-US" b="1" dirty="0">
-                <a:solidFill>
-                  <a:schemeClr val="accent4"/>
-                </a:solidFill>
-              </a:rPr>
-              <a:t>SWE-Bench</a:t>
-            </a:r>
-          </a:p>
-          <a:p>
-            <a:pPr lvl="1"/>
-            <a:r>
-              <a:rPr lang="en-US" dirty="0">
-                <a:hlinkClick r:id="rId3"/>
-              </a:rPr>
-              <a:t>https://swebench.com</a:t>
-            </a:r>
-            <a:endParaRPr lang="en-US" dirty="0"/>
-          </a:p>
-          <a:p>
-            <a:r>
-              <a:rPr lang="en-US" b="1" dirty="0">
-                <a:solidFill>
-                  <a:schemeClr val="accent4"/>
-                </a:solidFill>
-              </a:rPr>
-              <a:t>LLM Benchmark</a:t>
-            </a:r>
-          </a:p>
-          <a:p>
-            <a:pPr lvl="1"/>
-            <a:r>
-              <a:rPr lang="en-US" dirty="0">
-                <a:hlinkClick r:id="rId4"/>
-              </a:rPr>
-              <a:t>https://livebench.ai</a:t>
-            </a:r>
-            <a:endParaRPr lang="en-US" dirty="0"/>
-          </a:p>
-        </p:txBody>
-      </p:sp>
-      <p:sp>
-        <p:nvSpPr>
-          <p:cNvPr id="6" name="Title 5">
-            <a:extLst>
-              <a:ext uri="{FF2B5EF4-FFF2-40B4-BE49-F238E27FC236}">
-                <a16:creationId xmlns:a16="http://schemas.microsoft.com/office/drawing/2014/main" id="{42F9F35E-0B35-7C30-83F6-F63786D3D9AF}"/>
-              </a:ext>
-            </a:extLst>
-          </p:cNvPr>
-          <p:cNvSpPr>
-            <a:spLocks noGrp="1"/>
-          </p:cNvSpPr>
-          <p:nvPr>
-            <p:ph type="title"/>
-          </p:nvPr>
-        </p:nvSpPr>
-        <p:spPr/>
-        <p:txBody>
-          <a:bodyPr/>
-          <a:lstStyle/>
-          <a:p>
-            <a:r>
-              <a:rPr lang="en-US" dirty="0"/>
-              <a:t>Additional Resources</a:t>
-            </a:r>
-          </a:p>
-        </p:txBody>
-      </p:sp>
     </p:spTree>
     <p:extLst>
       <p:ext uri="{BB962C8B-B14F-4D97-AF65-F5344CB8AC3E}">
-        <p14:creationId xmlns:p14="http://schemas.microsoft.com/office/powerpoint/2010/main" val="1093833476"/>
+        <p14:creationId xmlns:p14="http://schemas.microsoft.com/office/powerpoint/2010/main" val="2274902179"/>
       </p:ext>
     </p:extLst>
   </p:cSld>
@@ -20351,10 +20220,68 @@
       </p:grpSpPr>
       <p:sp>
         <p:nvSpPr>
-          <p:cNvPr id="6" name="Text Placeholder 5">
+          <p:cNvPr id="8" name="Title 7">
             <a:extLst>
               <a:ext uri="{FF2B5EF4-FFF2-40B4-BE49-F238E27FC236}">
-                <a16:creationId xmlns:a16="http://schemas.microsoft.com/office/drawing/2014/main" id="{220D4EE5-BA19-741D-5F4D-B6F38B612153}"/>
+                <a16:creationId xmlns:a16="http://schemas.microsoft.com/office/drawing/2014/main" id="{81907CD9-34B5-8415-A3D0-1D58AEE815F1}"/>
+              </a:ext>
+            </a:extLst>
+          </p:cNvPr>
+          <p:cNvSpPr>
+            <a:spLocks noGrp="1"/>
+          </p:cNvSpPr>
+          <p:nvPr>
+            <p:ph type="title"/>
+          </p:nvPr>
+        </p:nvSpPr>
+        <p:spPr/>
+        <p:txBody>
+          <a:bodyPr/>
+          <a:lstStyle/>
+          <a:p>
+            <a:r>
+              <a:rPr lang="en-US" dirty="0"/>
+              <a:t>Homework</a:t>
+            </a:r>
+          </a:p>
+        </p:txBody>
+      </p:sp>
+      <p:sp>
+        <p:nvSpPr>
+          <p:cNvPr id="2" name="Slide Number Placeholder 1">
+            <a:extLst>
+              <a:ext uri="{FF2B5EF4-FFF2-40B4-BE49-F238E27FC236}">
+                <a16:creationId xmlns:a16="http://schemas.microsoft.com/office/drawing/2014/main" id="{7207B578-B8DC-ECFD-C643-6A935011373D}"/>
+              </a:ext>
+            </a:extLst>
+          </p:cNvPr>
+          <p:cNvSpPr>
+            <a:spLocks noGrp="1"/>
+          </p:cNvSpPr>
+          <p:nvPr>
+            <p:ph type="sldNum" sz="quarter" idx="5"/>
+          </p:nvPr>
+        </p:nvSpPr>
+        <p:spPr/>
+        <p:txBody>
+          <a:bodyPr/>
+          <a:lstStyle/>
+          <a:p>
+            <a:fld id="{2BF067CD-8E6B-4360-9AA8-C5DF2A48A6D1}" type="slidenum">
+              <a:rPr lang="en-US" smtClean="0"/>
+              <a:pPr/>
+              <a:t>34</a:t>
+            </a:fld>
+            <a:endParaRPr lang="en-US" dirty="0"/>
+          </a:p>
+        </p:txBody>
+      </p:sp>
+      <p:sp>
+        <p:nvSpPr>
+          <p:cNvPr id="9" name="Text Placeholder 8">
+            <a:extLst>
+              <a:ext uri="{FF2B5EF4-FFF2-40B4-BE49-F238E27FC236}">
+                <a16:creationId xmlns:a16="http://schemas.microsoft.com/office/drawing/2014/main" id="{C6480128-FDDD-386E-16CB-79489FEBA71C}"/>
               </a:ext>
             </a:extLst>
           </p:cNvPr>
@@ -20365,184 +20292,96 @@
             <p:ph type="body" sz="quarter" idx="10"/>
           </p:nvPr>
         </p:nvSpPr>
-        <p:spPr>
-          <a:xfrm>
-            <a:off x="702170" y="1347938"/>
-            <a:ext cx="11135518" cy="5159225"/>
-          </a:xfrm>
-        </p:spPr>
+        <p:spPr/>
         <p:txBody>
-          <a:bodyPr/>
+          <a:bodyPr>
+            <a:normAutofit/>
+          </a:bodyPr>
           <a:lstStyle/>
           <a:p>
+            <a:pPr marL="514350" indent="-514350">
+              <a:buFont typeface="+mj-lt"/>
+              <a:buAutoNum type="arabicPeriod"/>
+            </a:pPr>
+            <a:r>
+              <a:rPr lang="en-US" dirty="0"/>
+              <a:t>Install and run </a:t>
+            </a:r>
             <a:r>
               <a:rPr lang="en-US" b="1" dirty="0">
                 <a:solidFill>
                   <a:schemeClr val="accent4"/>
                 </a:solidFill>
               </a:rPr>
-              <a:t>AI tools for developers </a:t>
-            </a:r>
+              <a:t>Cursor AI</a:t>
+            </a:r>
+          </a:p>
+          <a:p>
+            <a:pPr marL="514350" indent="-514350">
+              <a:buFont typeface="+mj-lt"/>
+              <a:buAutoNum type="arabicPeriod"/>
+            </a:pPr>
             <a:r>
               <a:rPr lang="en-US" dirty="0"/>
-              <a:t>are improving over the time</a:t>
-            </a:r>
-          </a:p>
-          <a:p>
-            <a:pPr lvl="1"/>
-            <a:r>
-              <a:rPr lang="en-US" dirty="0"/>
-              <a:t>Soon or later AI will be used by all developers</a:t>
-            </a:r>
-          </a:p>
-          <a:p>
-            <a:pPr>
-              <a:spcBef>
-                <a:spcPts val="1200"/>
-              </a:spcBef>
-            </a:pPr>
-            <a:r>
-              <a:rPr lang="en-US" dirty="0"/>
-              <a:t>Layers of AI-powered coding:</a:t>
-            </a:r>
-          </a:p>
-          <a:p>
-            <a:pPr lvl="1"/>
+              <a:t>Using Cursor AI, </a:t>
+            </a:r>
             <a:r>
               <a:rPr lang="en-US" b="1" dirty="0">
                 <a:solidFill>
                   <a:schemeClr val="accent4"/>
                 </a:solidFill>
               </a:rPr>
-              <a:t>AI Chatbots </a:t>
-            </a:r>
-            <a:r>
-              <a:rPr lang="en-US" dirty="0"/>
-              <a:t>(like ChatGPT)</a:t>
-            </a:r>
-          </a:p>
-          <a:p>
-            <a:pPr lvl="1"/>
-            <a:r>
+              <a:t>write a simple game</a:t>
+            </a:r>
+            <a:br>
               <a:rPr lang="en-US" b="1" dirty="0">
                 <a:solidFill>
                   <a:schemeClr val="accent4"/>
                 </a:solidFill>
               </a:rPr>
-              <a:t>AI Coding Assistants </a:t>
-            </a:r>
-            <a:r>
-              <a:rPr lang="en-US" dirty="0"/>
-              <a:t>(like Cursor) </a:t>
-            </a:r>
-          </a:p>
-          <a:p>
-            <a:pPr lvl="1"/>
+            </a:br>
             <a:r>
               <a:rPr lang="en-US" b="1" dirty="0">
                 <a:solidFill>
                   <a:schemeClr val="accent4"/>
                 </a:solidFill>
               </a:rPr>
-              <a:t>AI Developer Agents </a:t>
+              <a:t>in JavaScript</a:t>
             </a:r>
             <a:r>
               <a:rPr lang="en-US" dirty="0"/>
-              <a:t>(like Devin)</a:t>
-            </a:r>
-          </a:p>
-          <a:p>
-            <a:pPr>
-              <a:spcBef>
-                <a:spcPts val="1200"/>
-              </a:spcBef>
+              <a:t>, e.g.</a:t>
+            </a:r>
+          </a:p>
+          <a:p>
+            <a:pPr lvl="1"/>
+            <a:r>
+              <a:rPr lang="en-US" dirty="0"/>
+              <a:t>Objects (of size 1 x 1) fall from the top of the screen to the bottom (objects are food, stones, knives)</a:t>
+            </a:r>
+          </a:p>
+          <a:p>
+            <a:pPr lvl="1"/>
+            <a:r>
+              <a:rPr lang="en-US" dirty="0"/>
+              <a:t>The player (object 3 x 1) moves left and right and should collect food and avoid the other objects</a:t>
+            </a:r>
+          </a:p>
+          <a:p>
+            <a:pPr lvl="1"/>
+            <a:r>
+              <a:rPr lang="en-US" dirty="0"/>
+              <a:t>Each collected object adds score, or causes "game over"</a:t>
+            </a:r>
+          </a:p>
+          <a:p>
+            <a:pPr marL="514350" indent="-514350">
+              <a:buFont typeface="+mj-lt"/>
+              <a:buAutoNum type="arabicPeriod"/>
             </a:pPr>
             <a:r>
               <a:rPr lang="en-US" dirty="0"/>
-              <a:t>AI tools </a:t>
-            </a:r>
-            <a:r>
-              <a:rPr lang="en-US" b="1" dirty="0">
-                <a:solidFill>
-                  <a:schemeClr val="accent4"/>
-                </a:solidFill>
-              </a:rPr>
-              <a:t>empower developers</a:t>
-            </a:r>
-            <a:r>
-              <a:rPr lang="en-US" dirty="0"/>
-              <a:t>, don't replace them!</a:t>
-            </a:r>
-          </a:p>
-          <a:p>
-            <a:endParaRPr lang="en-US" dirty="0"/>
-          </a:p>
-        </p:txBody>
-      </p:sp>
-      <p:sp>
-        <p:nvSpPr>
-          <p:cNvPr id="2" name="Slide Number Placeholder 1">
-            <a:extLst>
-              <a:ext uri="{FF2B5EF4-FFF2-40B4-BE49-F238E27FC236}">
-                <a16:creationId xmlns:a16="http://schemas.microsoft.com/office/drawing/2014/main" id="{AC4AF84E-78EC-3EBB-1F45-77C67EEDB2EE}"/>
-              </a:ext>
-            </a:extLst>
-          </p:cNvPr>
-          <p:cNvSpPr>
-            <a:spLocks noGrp="1"/>
-          </p:cNvSpPr>
-          <p:nvPr>
-            <p:ph type="sldNum" sz="quarter" idx="5"/>
-          </p:nvPr>
-        </p:nvSpPr>
-        <p:spPr>
-          <a:xfrm>
-            <a:off x="11798750" y="6537480"/>
-            <a:ext cx="367414" cy="297000"/>
-          </a:xfrm>
-        </p:spPr>
-        <p:txBody>
-          <a:bodyPr/>
-          <a:lstStyle/>
-          <a:p>
-            <a:fld id="{2BF067CD-8E6B-4360-9AA8-C5DF2A48A6D1}" type="slidenum">
-              <a:rPr lang="en-US" smtClean="0"/>
-              <a:pPr/>
-              <a:t>34</a:t>
-            </a:fld>
-            <a:endParaRPr lang="en-US" dirty="0"/>
-          </a:p>
-        </p:txBody>
-      </p:sp>
-      <p:sp>
-        <p:nvSpPr>
-          <p:cNvPr id="5" name="Title 4">
-            <a:extLst>
-              <a:ext uri="{FF2B5EF4-FFF2-40B4-BE49-F238E27FC236}">
-                <a16:creationId xmlns:a16="http://schemas.microsoft.com/office/drawing/2014/main" id="{F9FE86D2-4296-56D5-DD42-EAA7AB526C96}"/>
-              </a:ext>
-            </a:extLst>
-          </p:cNvPr>
-          <p:cNvSpPr>
-            <a:spLocks noGrp="1"/>
-          </p:cNvSpPr>
-          <p:nvPr>
-            <p:ph type="title"/>
-          </p:nvPr>
-        </p:nvSpPr>
-        <p:spPr>
-          <a:xfrm>
-            <a:off x="190355" y="100750"/>
-            <a:ext cx="10800601" cy="882654"/>
-          </a:xfrm>
-        </p:spPr>
-        <p:txBody>
-          <a:bodyPr/>
-          <a:lstStyle/>
-          <a:p>
-            <a:r>
-              <a:rPr lang="en-US" dirty="0"/>
-              <a:t>Summary</a:t>
+              <a:t>Using AI tool, rewrite the game in Python</a:t>
             </a:r>
           </a:p>
         </p:txBody>
@@ -20550,7 +20389,7 @@
     </p:spTree>
     <p:extLst>
       <p:ext uri="{BB962C8B-B14F-4D97-AF65-F5344CB8AC3E}">
-        <p14:creationId xmlns:p14="http://schemas.microsoft.com/office/powerpoint/2010/main" val="3699455153"/>
+        <p14:creationId xmlns:p14="http://schemas.microsoft.com/office/powerpoint/2010/main" val="2792739461"/>
       </p:ext>
     </p:extLst>
   </p:cSld>
@@ -20587,10 +20426,10 @@
       </p:grpSpPr>
       <p:sp>
         <p:nvSpPr>
-          <p:cNvPr id="2" name="Title 1">
+          <p:cNvPr id="6" name="Title 5">
             <a:extLst>
               <a:ext uri="{FF2B5EF4-FFF2-40B4-BE49-F238E27FC236}">
-                <a16:creationId xmlns:a16="http://schemas.microsoft.com/office/drawing/2014/main" id="{DB5FB656-4854-9BF1-C9B6-5D131E08BF63}"/>
+                <a16:creationId xmlns:a16="http://schemas.microsoft.com/office/drawing/2014/main" id="{42F9F35E-0B35-7C30-83F6-F63786D3D9AF}"/>
               </a:ext>
             </a:extLst>
           </p:cNvPr>
@@ -20608,17 +20447,101 @@
           <a:p>
             <a:r>
               <a:rPr lang="en-US" dirty="0"/>
-              <a:t>Questions?</a:t>
+              <a:t>Additional Resources</a:t>
             </a:r>
           </a:p>
         </p:txBody>
       </p:sp>
       <p:sp>
         <p:nvSpPr>
-          <p:cNvPr id="3" name="Slide Number Placeholder 2">
+          <p:cNvPr id="3" name="Text Placeholder 2">
             <a:extLst>
               <a:ext uri="{FF2B5EF4-FFF2-40B4-BE49-F238E27FC236}">
-                <a16:creationId xmlns:a16="http://schemas.microsoft.com/office/drawing/2014/main" id="{23D67F79-83FA-DAD1-124A-FD106ED19FD3}"/>
+                <a16:creationId xmlns:a16="http://schemas.microsoft.com/office/drawing/2014/main" id="{059CDAE4-70CB-C1B8-A2AF-48BBBA93730E}"/>
+              </a:ext>
+            </a:extLst>
+          </p:cNvPr>
+          <p:cNvSpPr>
+            <a:spLocks noGrp="1"/>
+          </p:cNvSpPr>
+          <p:nvPr>
+            <p:ph type="body" sz="quarter" idx="10"/>
+          </p:nvPr>
+        </p:nvSpPr>
+        <p:spPr/>
+        <p:txBody>
+          <a:bodyPr>
+            <a:normAutofit/>
+          </a:bodyPr>
+          <a:lstStyle/>
+          <a:p>
+            <a:r>
+              <a:rPr lang="en-US" b="1" dirty="0">
+                <a:solidFill>
+                  <a:schemeClr val="accent4"/>
+                </a:solidFill>
+              </a:rPr>
+              <a:t>Cursor AI Tutorial</a:t>
+            </a:r>
+          </a:p>
+          <a:p>
+            <a:pPr lvl="1"/>
+            <a:r>
+              <a:rPr lang="en-US" dirty="0">
+                <a:hlinkClick r:id="rId2"/>
+              </a:rPr>
+              <a:t>https://datacamp.com/tutorial/cursor-ai-code-editor</a:t>
+            </a:r>
+            <a:endParaRPr lang="en-US" dirty="0"/>
+          </a:p>
+          <a:p>
+            <a:r>
+              <a:rPr lang="en-US" b="1" dirty="0">
+                <a:solidFill>
+                  <a:schemeClr val="accent4"/>
+                </a:solidFill>
+              </a:rPr>
+              <a:t>SWE-Bench</a:t>
+            </a:r>
+          </a:p>
+          <a:p>
+            <a:pPr lvl="1"/>
+            <a:r>
+              <a:rPr lang="en-US" dirty="0">
+                <a:hlinkClick r:id="rId3"/>
+              </a:rPr>
+              <a:t>https://swebench.com</a:t>
+            </a:r>
+            <a:endParaRPr lang="en-US" dirty="0"/>
+          </a:p>
+          <a:p>
+            <a:r>
+              <a:rPr lang="en-US" b="1" dirty="0">
+                <a:solidFill>
+                  <a:schemeClr val="accent4"/>
+                </a:solidFill>
+              </a:rPr>
+              <a:t>LLM Benchmark</a:t>
+            </a:r>
+          </a:p>
+          <a:p>
+            <a:pPr lvl="1"/>
+            <a:r>
+              <a:rPr lang="en-US" dirty="0">
+                <a:hlinkClick r:id="rId4"/>
+              </a:rPr>
+              <a:t>https://livebench.ai</a:t>
+            </a:r>
+            <a:endParaRPr lang="en-US" dirty="0"/>
+          </a:p>
+        </p:txBody>
+      </p:sp>
+      <p:sp>
+        <p:nvSpPr>
+          <p:cNvPr id="2" name="Slide Number Placeholder 1">
+            <a:extLst>
+              <a:ext uri="{FF2B5EF4-FFF2-40B4-BE49-F238E27FC236}">
+                <a16:creationId xmlns:a16="http://schemas.microsoft.com/office/drawing/2014/main" id="{E7810003-A566-5F12-D1F6-2C672FE7CBE8}"/>
               </a:ext>
             </a:extLst>
           </p:cNvPr>
@@ -20646,7 +20569,7 @@
     </p:spTree>
     <p:extLst>
       <p:ext uri="{BB962C8B-B14F-4D97-AF65-F5344CB8AC3E}">
-        <p14:creationId xmlns:p14="http://schemas.microsoft.com/office/powerpoint/2010/main" val="2105304631"/>
+        <p14:creationId xmlns:p14="http://schemas.microsoft.com/office/powerpoint/2010/main" val="1093833476"/>
       </p:ext>
     </p:extLst>
   </p:cSld>
@@ -20683,6 +20606,338 @@
       </p:grpSpPr>
       <p:sp>
         <p:nvSpPr>
+          <p:cNvPr id="6" name="Text Placeholder 5">
+            <a:extLst>
+              <a:ext uri="{FF2B5EF4-FFF2-40B4-BE49-F238E27FC236}">
+                <a16:creationId xmlns:a16="http://schemas.microsoft.com/office/drawing/2014/main" id="{220D4EE5-BA19-741D-5F4D-B6F38B612153}"/>
+              </a:ext>
+            </a:extLst>
+          </p:cNvPr>
+          <p:cNvSpPr>
+            <a:spLocks noGrp="1"/>
+          </p:cNvSpPr>
+          <p:nvPr>
+            <p:ph type="body" sz="quarter" idx="10"/>
+          </p:nvPr>
+        </p:nvSpPr>
+        <p:spPr>
+          <a:xfrm>
+            <a:off x="702170" y="1347938"/>
+            <a:ext cx="11135518" cy="5159225"/>
+          </a:xfrm>
+        </p:spPr>
+        <p:txBody>
+          <a:bodyPr/>
+          <a:lstStyle/>
+          <a:p>
+            <a:r>
+              <a:rPr lang="en-US" b="1" dirty="0">
+                <a:solidFill>
+                  <a:schemeClr val="accent4"/>
+                </a:solidFill>
+              </a:rPr>
+              <a:t>AI tools for developers </a:t>
+            </a:r>
+            <a:r>
+              <a:rPr lang="en-US" dirty="0"/>
+              <a:t>are improving over the time</a:t>
+            </a:r>
+          </a:p>
+          <a:p>
+            <a:pPr lvl="1"/>
+            <a:r>
+              <a:rPr lang="en-US" dirty="0"/>
+              <a:t>Soon or later AI will be used by all developers</a:t>
+            </a:r>
+          </a:p>
+          <a:p>
+            <a:pPr>
+              <a:spcBef>
+                <a:spcPts val="1200"/>
+              </a:spcBef>
+            </a:pPr>
+            <a:r>
+              <a:rPr lang="en-US" dirty="0"/>
+              <a:t>Layers of AI-powered coding:</a:t>
+            </a:r>
+          </a:p>
+          <a:p>
+            <a:pPr lvl="1"/>
+            <a:r>
+              <a:rPr lang="en-US" b="1" dirty="0">
+                <a:solidFill>
+                  <a:schemeClr val="accent4"/>
+                </a:solidFill>
+              </a:rPr>
+              <a:t>AI Chatbots </a:t>
+            </a:r>
+            <a:r>
+              <a:rPr lang="en-US" dirty="0"/>
+              <a:t>(like ChatGPT)</a:t>
+            </a:r>
+          </a:p>
+          <a:p>
+            <a:pPr lvl="1"/>
+            <a:r>
+              <a:rPr lang="en-US" b="1" dirty="0">
+                <a:solidFill>
+                  <a:schemeClr val="accent4"/>
+                </a:solidFill>
+              </a:rPr>
+              <a:t>AI Coding Assistants </a:t>
+            </a:r>
+            <a:r>
+              <a:rPr lang="en-US" dirty="0"/>
+              <a:t>(like Cursor) </a:t>
+            </a:r>
+          </a:p>
+          <a:p>
+            <a:pPr lvl="1"/>
+            <a:r>
+              <a:rPr lang="en-US" b="1" dirty="0">
+                <a:solidFill>
+                  <a:schemeClr val="accent4"/>
+                </a:solidFill>
+              </a:rPr>
+              <a:t>AI Developer Agents </a:t>
+            </a:r>
+            <a:r>
+              <a:rPr lang="en-US" dirty="0"/>
+              <a:t>(like Devin)</a:t>
+            </a:r>
+          </a:p>
+          <a:p>
+            <a:pPr>
+              <a:spcBef>
+                <a:spcPts val="1200"/>
+              </a:spcBef>
+            </a:pPr>
+            <a:r>
+              <a:rPr lang="en-US" dirty="0"/>
+              <a:t>AI tools </a:t>
+            </a:r>
+            <a:r>
+              <a:rPr lang="en-US" b="1" dirty="0">
+                <a:solidFill>
+                  <a:schemeClr val="accent4"/>
+                </a:solidFill>
+              </a:rPr>
+              <a:t>empower developers</a:t>
+            </a:r>
+            <a:r>
+              <a:rPr lang="en-US" dirty="0"/>
+              <a:t>, don't replace them!</a:t>
+            </a:r>
+          </a:p>
+          <a:p>
+            <a:endParaRPr lang="en-US" dirty="0"/>
+          </a:p>
+        </p:txBody>
+      </p:sp>
+      <p:sp>
+        <p:nvSpPr>
+          <p:cNvPr id="2" name="Slide Number Placeholder 1">
+            <a:extLst>
+              <a:ext uri="{FF2B5EF4-FFF2-40B4-BE49-F238E27FC236}">
+                <a16:creationId xmlns:a16="http://schemas.microsoft.com/office/drawing/2014/main" id="{AC4AF84E-78EC-3EBB-1F45-77C67EEDB2EE}"/>
+              </a:ext>
+            </a:extLst>
+          </p:cNvPr>
+          <p:cNvSpPr>
+            <a:spLocks noGrp="1"/>
+          </p:cNvSpPr>
+          <p:nvPr>
+            <p:ph type="sldNum" sz="quarter" idx="5"/>
+          </p:nvPr>
+        </p:nvSpPr>
+        <p:spPr>
+          <a:xfrm>
+            <a:off x="11798750" y="6537480"/>
+            <a:ext cx="367414" cy="297000"/>
+          </a:xfrm>
+        </p:spPr>
+        <p:txBody>
+          <a:bodyPr/>
+          <a:lstStyle/>
+          <a:p>
+            <a:fld id="{2BF067CD-8E6B-4360-9AA8-C5DF2A48A6D1}" type="slidenum">
+              <a:rPr lang="en-US" smtClean="0"/>
+              <a:pPr/>
+              <a:t>36</a:t>
+            </a:fld>
+            <a:endParaRPr lang="en-US" dirty="0"/>
+          </a:p>
+        </p:txBody>
+      </p:sp>
+      <p:sp>
+        <p:nvSpPr>
+          <p:cNvPr id="5" name="Title 4">
+            <a:extLst>
+              <a:ext uri="{FF2B5EF4-FFF2-40B4-BE49-F238E27FC236}">
+                <a16:creationId xmlns:a16="http://schemas.microsoft.com/office/drawing/2014/main" id="{F9FE86D2-4296-56D5-DD42-EAA7AB526C96}"/>
+              </a:ext>
+            </a:extLst>
+          </p:cNvPr>
+          <p:cNvSpPr>
+            <a:spLocks noGrp="1"/>
+          </p:cNvSpPr>
+          <p:nvPr>
+            <p:ph type="title"/>
+          </p:nvPr>
+        </p:nvSpPr>
+        <p:spPr>
+          <a:xfrm>
+            <a:off x="190355" y="100750"/>
+            <a:ext cx="10800601" cy="882654"/>
+          </a:xfrm>
+        </p:spPr>
+        <p:txBody>
+          <a:bodyPr/>
+          <a:lstStyle/>
+          <a:p>
+            <a:r>
+              <a:rPr lang="en-US" dirty="0"/>
+              <a:t>Summary</a:t>
+            </a:r>
+          </a:p>
+        </p:txBody>
+      </p:sp>
+    </p:spTree>
+    <p:extLst>
+      <p:ext uri="{BB962C8B-B14F-4D97-AF65-F5344CB8AC3E}">
+        <p14:creationId xmlns:p14="http://schemas.microsoft.com/office/powerpoint/2010/main" val="3699455153"/>
+      </p:ext>
+    </p:extLst>
+  </p:cSld>
+  <p:clrMapOvr>
+    <a:masterClrMapping/>
+  </p:clrMapOvr>
+  <mc:AlternateContent xmlns:mc="http://schemas.openxmlformats.org/markup-compatibility/2006" xmlns:p14="http://schemas.microsoft.com/office/powerpoint/2010/main">
+    <mc:Choice Requires="p14">
+      <p:transition spd="slow" p14:dur="2000" advClick="0" advTm="5000"/>
+    </mc:Choice>
+    <mc:Fallback xmlns="">
+      <p:transition spd="slow" advClick="0" advTm="5000"/>
+    </mc:Fallback>
+  </mc:AlternateContent>
+</p:sld>
+</file>
+
+<file path=ppt/slides/slide37.xml><?xml version="1.0" encoding="utf-8"?>
+<p:sld xmlns:a="http://schemas.openxmlformats.org/drawingml/2006/main" xmlns:r="http://schemas.openxmlformats.org/officeDocument/2006/relationships" xmlns:p="http://schemas.openxmlformats.org/presentationml/2006/main">
+  <p:cSld>
+    <p:spTree>
+      <p:nvGrpSpPr>
+        <p:cNvPr id="1" name=""/>
+        <p:cNvGrpSpPr/>
+        <p:nvPr/>
+      </p:nvGrpSpPr>
+      <p:grpSpPr>
+        <a:xfrm>
+          <a:off x="0" y="0"/>
+          <a:ext cx="0" cy="0"/>
+          <a:chOff x="0" y="0"/>
+          <a:chExt cx="0" cy="0"/>
+        </a:xfrm>
+      </p:grpSpPr>
+      <p:sp>
+        <p:nvSpPr>
+          <p:cNvPr id="2" name="Title 1">
+            <a:extLst>
+              <a:ext uri="{FF2B5EF4-FFF2-40B4-BE49-F238E27FC236}">
+                <a16:creationId xmlns:a16="http://schemas.microsoft.com/office/drawing/2014/main" id="{DB5FB656-4854-9BF1-C9B6-5D131E08BF63}"/>
+              </a:ext>
+            </a:extLst>
+          </p:cNvPr>
+          <p:cNvSpPr>
+            <a:spLocks noGrp="1"/>
+          </p:cNvSpPr>
+          <p:nvPr>
+            <p:ph type="title"/>
+          </p:nvPr>
+        </p:nvSpPr>
+        <p:spPr/>
+        <p:txBody>
+          <a:bodyPr/>
+          <a:lstStyle/>
+          <a:p>
+            <a:r>
+              <a:rPr lang="en-US" dirty="0"/>
+              <a:t>Questions?</a:t>
+            </a:r>
+          </a:p>
+        </p:txBody>
+      </p:sp>
+      <p:sp>
+        <p:nvSpPr>
+          <p:cNvPr id="3" name="Slide Number Placeholder 2">
+            <a:extLst>
+              <a:ext uri="{FF2B5EF4-FFF2-40B4-BE49-F238E27FC236}">
+                <a16:creationId xmlns:a16="http://schemas.microsoft.com/office/drawing/2014/main" id="{23D67F79-83FA-DAD1-124A-FD106ED19FD3}"/>
+              </a:ext>
+            </a:extLst>
+          </p:cNvPr>
+          <p:cNvSpPr>
+            <a:spLocks noGrp="1"/>
+          </p:cNvSpPr>
+          <p:nvPr>
+            <p:ph type="sldNum" sz="quarter" idx="5"/>
+          </p:nvPr>
+        </p:nvSpPr>
+        <p:spPr/>
+        <p:txBody>
+          <a:bodyPr/>
+          <a:lstStyle/>
+          <a:p>
+            <a:fld id="{2BF067CD-8E6B-4360-9AA8-C5DF2A48A6D1}" type="slidenum">
+              <a:rPr lang="en-US" smtClean="0"/>
+              <a:pPr/>
+              <a:t>37</a:t>
+            </a:fld>
+            <a:endParaRPr lang="en-US" dirty="0"/>
+          </a:p>
+        </p:txBody>
+      </p:sp>
+    </p:spTree>
+    <p:extLst>
+      <p:ext uri="{BB962C8B-B14F-4D97-AF65-F5344CB8AC3E}">
+        <p14:creationId xmlns:p14="http://schemas.microsoft.com/office/powerpoint/2010/main" val="2105304631"/>
+      </p:ext>
+    </p:extLst>
+  </p:cSld>
+  <p:clrMapOvr>
+    <a:masterClrMapping/>
+  </p:clrMapOvr>
+  <mc:AlternateContent xmlns:mc="http://schemas.openxmlformats.org/markup-compatibility/2006" xmlns:p14="http://schemas.microsoft.com/office/powerpoint/2010/main">
+    <mc:Choice Requires="p14">
+      <p:transition spd="slow" p14:dur="2000" advClick="0" advTm="5000"/>
+    </mc:Choice>
+    <mc:Fallback xmlns="">
+      <p:transition spd="slow" advClick="0" advTm="5000"/>
+    </mc:Fallback>
+  </mc:AlternateContent>
+</p:sld>
+</file>
+
+<file path=ppt/slides/slide38.xml><?xml version="1.0" encoding="utf-8"?>
+<p:sld xmlns:a="http://schemas.openxmlformats.org/drawingml/2006/main" xmlns:r="http://schemas.openxmlformats.org/officeDocument/2006/relationships" xmlns:p="http://schemas.openxmlformats.org/presentationml/2006/main">
+  <p:cSld>
+    <p:spTree>
+      <p:nvGrpSpPr>
+        <p:cNvPr id="1" name=""/>
+        <p:cNvGrpSpPr/>
+        <p:nvPr/>
+      </p:nvGrpSpPr>
+      <p:grpSpPr>
+        <a:xfrm>
+          <a:off x="0" y="0"/>
+          <a:ext cx="0" cy="0"/>
+          <a:chOff x="0" y="0"/>
+          <a:chExt cx="0" cy="0"/>
+        </a:xfrm>
+      </p:grpSpPr>
+      <p:sp>
+        <p:nvSpPr>
           <p:cNvPr id="2" name="Subtitle 1">
             <a:extLst>
               <a:ext uri="{FF2B5EF4-FFF2-40B4-BE49-F238E27FC236}">
@@ -20772,7 +21027,7 @@
             <a:fld id="{2BF067CD-8E6B-4360-9AA8-C5DF2A48A6D1}" type="slidenum">
               <a:rPr lang="en-US" smtClean="0"/>
               <a:pPr/>
-              <a:t>36</a:t>
+              <a:t>38</a:t>
             </a:fld>
             <a:endParaRPr lang="en-US" dirty="0"/>
           </a:p>
@@ -20870,7 +21125,7 @@
           </a:lstStyle>
           <a:p>
             <a:r>
-              <a:rPr lang="en-US" sz="4800" dirty="0">
+              <a:rPr lang="en-US" sz="4400" dirty="0">
                 <a:solidFill>
                   <a:schemeClr val="accent4"/>
                 </a:solidFill>
@@ -20884,7 +21139,7 @@
               </a:rPr>
               <a:t>https://ai.softuni.bg</a:t>
             </a:r>
-            <a:endParaRPr lang="en-US" sz="4800" dirty="0">
+            <a:endParaRPr lang="en-US" sz="4400" dirty="0">
               <a:solidFill>
                 <a:schemeClr val="accent4"/>
               </a:solidFill>
@@ -20908,8 +21163,8 @@
         </p:nvSpPr>
         <p:spPr>
           <a:xfrm>
-            <a:off x="261766" y="4987468"/>
-            <a:ext cx="11521278" cy="623047"/>
+            <a:off x="261766" y="4956146"/>
+            <a:ext cx="11521278" cy="685691"/>
           </a:xfrm>
           <a:prstGeom prst="rect">
             <a:avLst/>
@@ -21088,15 +21343,21 @@
           </a:lstStyle>
           <a:p>
             <a:r>
-              <a:rPr lang="en-US" dirty="0"/>
+              <a:rPr lang="en-US" sz="4000" dirty="0">
+                <a:latin typeface="+mn-lt"/>
+              </a:rPr>
               <a:t>Enroll for the free "</a:t>
             </a:r>
             <a:r>
-              <a:rPr lang="en-US" b="1" dirty="0"/>
+              <a:rPr lang="en-US" sz="4000" b="1" dirty="0">
+                <a:latin typeface="+mn-lt"/>
+              </a:rPr>
               <a:t>AI Basics</a:t>
             </a:r>
             <a:r>
-              <a:rPr lang="en-US" dirty="0"/>
+              <a:rPr lang="en-US" sz="4000" dirty="0">
+                <a:latin typeface="+mn-lt"/>
+              </a:rPr>
               <a:t>" course now:</a:t>
             </a:r>
           </a:p>
@@ -21123,7 +21384,7 @@
 </p:sld>
 </file>
 
-<file path=ppt/slides/slide37.xml><?xml version="1.0" encoding="utf-8"?>
+<file path=ppt/slides/slide39.xml><?xml version="1.0" encoding="utf-8"?>
 <p:sld xmlns:a="http://schemas.openxmlformats.org/drawingml/2006/main" xmlns:r="http://schemas.openxmlformats.org/officeDocument/2006/relationships" xmlns:p="http://schemas.openxmlformats.org/presentationml/2006/main" show="0">
   <p:cSld>
     <p:spTree>
@@ -21286,8 +21547,8 @@
           <p:nvPr/>
         </p:nvPicPr>
         <p:blipFill>
-          <a:blip r:embed="rId5">
-            <a:alphaModFix amt="70000"/>
+          <a:blip r:embed="rId5" cstate="screen">
+            <a:alphaModFix amt="85000"/>
             <a:extLst>
               <a:ext uri="{28A0092B-C50C-407E-A947-70E740481C1C}">
                 <a14:useLocalDpi xmlns:a14="http://schemas.microsoft.com/office/drawing/2010/main" val="0"/>
@@ -21299,12 +21560,33 @@
         </p:blipFill>
         <p:spPr>
           <a:xfrm>
-            <a:off x="9838828" y="4437112"/>
-            <a:ext cx="1750758" cy="1856227"/>
+            <a:off x="9691101" y="4365104"/>
+            <a:ext cx="2061929" cy="2061929"/>
           </a:xfrm>
           <a:prstGeom prst="rect">
             <a:avLst/>
           </a:prstGeom>
+          <a:gradFill>
+            <a:gsLst>
+              <a:gs pos="100000">
+                <a:srgbClr val="3D0791">
+                  <a:alpha val="80000"/>
+                </a:srgbClr>
+              </a:gs>
+              <a:gs pos="2098">
+                <a:schemeClr val="accent2">
+                  <a:lumMod val="75000"/>
+                  <a:alpha val="50000"/>
+                </a:schemeClr>
+              </a:gs>
+              <a:gs pos="42000">
+                <a:srgbClr val="009276">
+                  <a:alpha val="80000"/>
+                </a:srgbClr>
+              </a:gs>
+            </a:gsLst>
+            <a:lin ang="12600000" scaled="0"/>
+          </a:gradFill>
         </p:spPr>
       </p:pic>
       <p:sp>
@@ -21372,7 +21654,7 @@
             <a:fld id="{2BF067CD-8E6B-4360-9AA8-C5DF2A48A6D1}" type="slidenum">
               <a:rPr lang="en-US" noProof="0" smtClean="0"/>
               <a:pPr/>
-              <a:t>37</a:t>
+              <a:t>39</a:t>
             </a:fld>
             <a:endParaRPr lang="en-US" noProof="0" dirty="0"/>
           </a:p>
@@ -21399,7 +21681,199 @@
 </p:sld>
 </file>
 
-<file path=ppt/slides/slide38.xml><?xml version="1.0" encoding="utf-8"?>
+<file path=ppt/slides/slide4.xml><?xml version="1.0" encoding="utf-8"?>
+<p:sld xmlns:a="http://schemas.openxmlformats.org/drawingml/2006/main" xmlns:r="http://schemas.openxmlformats.org/officeDocument/2006/relationships" xmlns:p="http://schemas.openxmlformats.org/presentationml/2006/main">
+  <p:cSld>
+    <p:spTree>
+      <p:nvGrpSpPr>
+        <p:cNvPr id="1" name=""/>
+        <p:cNvGrpSpPr/>
+        <p:nvPr/>
+      </p:nvGrpSpPr>
+      <p:grpSpPr>
+        <a:xfrm>
+          <a:off x="0" y="0"/>
+          <a:ext cx="0" cy="0"/>
+          <a:chOff x="0" y="0"/>
+          <a:chExt cx="0" cy="0"/>
+        </a:xfrm>
+      </p:grpSpPr>
+      <p:sp>
+        <p:nvSpPr>
+          <p:cNvPr id="2" name="Text Placeholder 1">
+            <a:extLst>
+              <a:ext uri="{FF2B5EF4-FFF2-40B4-BE49-F238E27FC236}">
+                <a16:creationId xmlns:a16="http://schemas.microsoft.com/office/drawing/2014/main" id="{CF050F4A-36FB-6DF1-9916-27CCD4C20168}"/>
+              </a:ext>
+            </a:extLst>
+          </p:cNvPr>
+          <p:cNvSpPr>
+            <a:spLocks noGrp="1"/>
+          </p:cNvSpPr>
+          <p:nvPr>
+            <p:ph type="body" sz="quarter" idx="11"/>
+          </p:nvPr>
+        </p:nvSpPr>
+        <p:spPr>
+          <a:xfrm>
+            <a:off x="1565930" y="1484525"/>
+            <a:ext cx="9056966" cy="1296403"/>
+          </a:xfrm>
+        </p:spPr>
+        <p:txBody>
+          <a:bodyPr/>
+          <a:lstStyle/>
+          <a:p>
+            <a:r>
+              <a:rPr lang="en-GB"/>
+              <a:t>Evolution: AI Chatbots </a:t>
+            </a:r>
+            <a:r>
+              <a:rPr lang="en-GB">
+                <a:sym typeface="Wingdings" panose="05000000000000000000" pitchFamily="2" charset="2"/>
+              </a:rPr>
+              <a:t> AI Coding Assistants  AI Dev Agents</a:t>
+            </a:r>
+            <a:endParaRPr lang="en-US" dirty="0"/>
+          </a:p>
+        </p:txBody>
+      </p:sp>
+      <p:sp>
+        <p:nvSpPr>
+          <p:cNvPr id="3" name="Title 2">
+            <a:extLst>
+              <a:ext uri="{FF2B5EF4-FFF2-40B4-BE49-F238E27FC236}">
+                <a16:creationId xmlns:a16="http://schemas.microsoft.com/office/drawing/2014/main" id="{DE60BD5A-8C10-4CC3-39C4-82F381F8471C}"/>
+              </a:ext>
+            </a:extLst>
+          </p:cNvPr>
+          <p:cNvSpPr>
+            <a:spLocks noGrp="1"/>
+          </p:cNvSpPr>
+          <p:nvPr>
+            <p:ph type="title"/>
+          </p:nvPr>
+        </p:nvSpPr>
+        <p:spPr>
+          <a:xfrm>
+            <a:off x="614949" y="548680"/>
+            <a:ext cx="10958928" cy="780383"/>
+          </a:xfrm>
+        </p:spPr>
+        <p:txBody>
+          <a:bodyPr/>
+          <a:lstStyle/>
+          <a:p>
+            <a:r>
+              <a:rPr lang="en-US"/>
+              <a:t>AI Tools for Developers</a:t>
+            </a:r>
+            <a:endParaRPr lang="en-US" dirty="0"/>
+          </a:p>
+        </p:txBody>
+      </p:sp>
+      <p:pic>
+        <p:nvPicPr>
+          <p:cNvPr id="11" name="Picture Placeholder 10">
+            <a:extLst>
+              <a:ext uri="{FF2B5EF4-FFF2-40B4-BE49-F238E27FC236}">
+                <a16:creationId xmlns:a16="http://schemas.microsoft.com/office/drawing/2014/main" id="{073C6204-64AE-D03E-F742-96684D4C047C}"/>
+              </a:ext>
+            </a:extLst>
+          </p:cNvPr>
+          <p:cNvPicPr>
+            <a:picLocks noGrp="1" noChangeAspect="1"/>
+          </p:cNvPicPr>
+          <p:nvPr>
+            <p:ph type="pic" sz="quarter" idx="12"/>
+          </p:nvPr>
+        </p:nvPicPr>
+        <p:blipFill>
+          <a:blip r:embed="rId2" cstate="screen">
+            <a:extLst>
+              <a:ext uri="{28A0092B-C50C-407E-A947-70E740481C1C}">
+                <a14:useLocalDpi xmlns:a14="http://schemas.microsoft.com/office/drawing/2010/main" val="0"/>
+              </a:ext>
+            </a:extLst>
+          </a:blip>
+          <a:srcRect/>
+          <a:stretch/>
+        </p:blipFill>
+        <p:spPr>
+          <a:xfrm>
+            <a:off x="3009606" y="3160607"/>
+            <a:ext cx="6169613" cy="3076705"/>
+          </a:xfrm>
+          <a:ln>
+            <a:solidFill>
+              <a:schemeClr val="tx1">
+                <a:lumMod val="40000"/>
+                <a:lumOff val="60000"/>
+              </a:schemeClr>
+            </a:solidFill>
+          </a:ln>
+        </p:spPr>
+      </p:pic>
+      <p:sp>
+        <p:nvSpPr>
+          <p:cNvPr id="5" name="Slide Number Placeholder 4">
+            <a:extLst>
+              <a:ext uri="{FF2B5EF4-FFF2-40B4-BE49-F238E27FC236}">
+                <a16:creationId xmlns:a16="http://schemas.microsoft.com/office/drawing/2014/main" id="{830EFD6E-63CE-F41F-E267-CB0C49E28951}"/>
+              </a:ext>
+            </a:extLst>
+          </p:cNvPr>
+          <p:cNvSpPr>
+            <a:spLocks noGrp="1"/>
+          </p:cNvSpPr>
+          <p:nvPr>
+            <p:ph type="sldNum" sz="quarter" idx="5"/>
+          </p:nvPr>
+        </p:nvSpPr>
+        <p:spPr>
+          <a:xfrm>
+            <a:off x="11753030" y="6507000"/>
+            <a:ext cx="367414" cy="297000"/>
+          </a:xfrm>
+          <a:prstGeom prst="rect">
+            <a:avLst/>
+          </a:prstGeom>
+        </p:spPr>
+        <p:txBody>
+          <a:bodyPr/>
+          <a:lstStyle/>
+          <a:p>
+            <a:fld id="{2BF067CD-8E6B-4360-9AA8-C5DF2A48A6D1}" type="slidenum">
+              <a:rPr lang="en-US" smtClean="0"/>
+              <a:pPr/>
+              <a:t>4</a:t>
+            </a:fld>
+            <a:endParaRPr lang="en-US" dirty="0"/>
+          </a:p>
+        </p:txBody>
+      </p:sp>
+    </p:spTree>
+    <p:extLst>
+      <p:ext uri="{BB962C8B-B14F-4D97-AF65-F5344CB8AC3E}">
+        <p14:creationId xmlns:p14="http://schemas.microsoft.com/office/powerpoint/2010/main" val="1516416620"/>
+      </p:ext>
+    </p:extLst>
+  </p:cSld>
+  <p:clrMapOvr>
+    <a:masterClrMapping/>
+  </p:clrMapOvr>
+  <mc:AlternateContent xmlns:mc="http://schemas.openxmlformats.org/markup-compatibility/2006" xmlns:p14="http://schemas.microsoft.com/office/powerpoint/2010/main">
+    <mc:Choice Requires="p14">
+      <p:transition spd="slow" p14:dur="2000" advClick="0" advTm="5000"/>
+    </mc:Choice>
+    <mc:Fallback xmlns="">
+      <p:transition spd="slow" advClick="0" advTm="5000"/>
+    </mc:Fallback>
+  </mc:AlternateContent>
+</p:sld>
+</file>
+
+<file path=ppt/slides/slide40.xml><?xml version="1.0" encoding="utf-8"?>
 <p:sld xmlns:a="http://schemas.openxmlformats.org/drawingml/2006/main" xmlns:r="http://schemas.openxmlformats.org/officeDocument/2006/relationships" xmlns:p="http://schemas.openxmlformats.org/presentationml/2006/main" show="0">
   <p:cSld>
     <p:spTree>
@@ -21444,7 +21918,7 @@
             <a:fld id="{2BF067CD-8E6B-4360-9AA8-C5DF2A48A6D1}" type="slidenum">
               <a:rPr lang="en-US" noProof="0" smtClean="0"/>
               <a:pPr/>
-              <a:t>38</a:t>
+              <a:t>40</a:t>
             </a:fld>
             <a:endParaRPr lang="en-US" noProof="0" dirty="0"/>
           </a:p>
@@ -21634,6 +22108,7 @@
         </p:nvPicPr>
         <p:blipFill>
           <a:blip r:embed="rId7" cstate="screen">
+            <a:alphaModFix amt="95000"/>
             <a:extLst>
               <a:ext uri="{28A0092B-C50C-407E-A947-70E740481C1C}">
                 <a14:useLocalDpi xmlns:a14="http://schemas.microsoft.com/office/drawing/2010/main" val="0"/>
@@ -21679,7 +22154,7 @@
         </p:nvPicPr>
         <p:blipFill>
           <a:blip r:embed="rId8">
-            <a:alphaModFix amt="90000"/>
+            <a:alphaModFix/>
             <a:extLst>
               <a:ext uri="{28A0092B-C50C-407E-A947-70E740481C1C}">
                 <a14:useLocalDpi xmlns:a14="http://schemas.microsoft.com/office/drawing/2010/main" val="0"/>
@@ -21972,198 +22447,6 @@
       </p:par>
     </p:tnLst>
   </p:timing>
-</p:sld>
-</file>
-
-<file path=ppt/slides/slide4.xml><?xml version="1.0" encoding="utf-8"?>
-<p:sld xmlns:a="http://schemas.openxmlformats.org/drawingml/2006/main" xmlns:r="http://schemas.openxmlformats.org/officeDocument/2006/relationships" xmlns:p="http://schemas.openxmlformats.org/presentationml/2006/main">
-  <p:cSld>
-    <p:spTree>
-      <p:nvGrpSpPr>
-        <p:cNvPr id="1" name=""/>
-        <p:cNvGrpSpPr/>
-        <p:nvPr/>
-      </p:nvGrpSpPr>
-      <p:grpSpPr>
-        <a:xfrm>
-          <a:off x="0" y="0"/>
-          <a:ext cx="0" cy="0"/>
-          <a:chOff x="0" y="0"/>
-          <a:chExt cx="0" cy="0"/>
-        </a:xfrm>
-      </p:grpSpPr>
-      <p:sp>
-        <p:nvSpPr>
-          <p:cNvPr id="2" name="Text Placeholder 1">
-            <a:extLst>
-              <a:ext uri="{FF2B5EF4-FFF2-40B4-BE49-F238E27FC236}">
-                <a16:creationId xmlns:a16="http://schemas.microsoft.com/office/drawing/2014/main" id="{CF050F4A-36FB-6DF1-9916-27CCD4C20168}"/>
-              </a:ext>
-            </a:extLst>
-          </p:cNvPr>
-          <p:cNvSpPr>
-            <a:spLocks noGrp="1"/>
-          </p:cNvSpPr>
-          <p:nvPr>
-            <p:ph type="body" sz="quarter" idx="11"/>
-          </p:nvPr>
-        </p:nvSpPr>
-        <p:spPr>
-          <a:xfrm>
-            <a:off x="1565930" y="1484525"/>
-            <a:ext cx="9056966" cy="1296403"/>
-          </a:xfrm>
-        </p:spPr>
-        <p:txBody>
-          <a:bodyPr/>
-          <a:lstStyle/>
-          <a:p>
-            <a:r>
-              <a:rPr lang="en-GB"/>
-              <a:t>Evolution: AI Chatbots </a:t>
-            </a:r>
-            <a:r>
-              <a:rPr lang="en-GB">
-                <a:sym typeface="Wingdings" panose="05000000000000000000" pitchFamily="2" charset="2"/>
-              </a:rPr>
-              <a:t> AI Coding Assistants  AI Dev Agents</a:t>
-            </a:r>
-            <a:endParaRPr lang="en-US" dirty="0"/>
-          </a:p>
-        </p:txBody>
-      </p:sp>
-      <p:sp>
-        <p:nvSpPr>
-          <p:cNvPr id="3" name="Title 2">
-            <a:extLst>
-              <a:ext uri="{FF2B5EF4-FFF2-40B4-BE49-F238E27FC236}">
-                <a16:creationId xmlns:a16="http://schemas.microsoft.com/office/drawing/2014/main" id="{DE60BD5A-8C10-4CC3-39C4-82F381F8471C}"/>
-              </a:ext>
-            </a:extLst>
-          </p:cNvPr>
-          <p:cNvSpPr>
-            <a:spLocks noGrp="1"/>
-          </p:cNvSpPr>
-          <p:nvPr>
-            <p:ph type="title"/>
-          </p:nvPr>
-        </p:nvSpPr>
-        <p:spPr>
-          <a:xfrm>
-            <a:off x="614949" y="548680"/>
-            <a:ext cx="10958928" cy="780383"/>
-          </a:xfrm>
-        </p:spPr>
-        <p:txBody>
-          <a:bodyPr/>
-          <a:lstStyle/>
-          <a:p>
-            <a:r>
-              <a:rPr lang="en-US"/>
-              <a:t>AI Tools for Developers</a:t>
-            </a:r>
-            <a:endParaRPr lang="en-US" dirty="0"/>
-          </a:p>
-        </p:txBody>
-      </p:sp>
-      <p:pic>
-        <p:nvPicPr>
-          <p:cNvPr id="11" name="Picture Placeholder 10">
-            <a:extLst>
-              <a:ext uri="{FF2B5EF4-FFF2-40B4-BE49-F238E27FC236}">
-                <a16:creationId xmlns:a16="http://schemas.microsoft.com/office/drawing/2014/main" id="{073C6204-64AE-D03E-F742-96684D4C047C}"/>
-              </a:ext>
-            </a:extLst>
-          </p:cNvPr>
-          <p:cNvPicPr>
-            <a:picLocks noGrp="1" noChangeAspect="1"/>
-          </p:cNvPicPr>
-          <p:nvPr>
-            <p:ph type="pic" sz="quarter" idx="12"/>
-          </p:nvPr>
-        </p:nvPicPr>
-        <p:blipFill>
-          <a:blip r:embed="rId2" cstate="screen">
-            <a:extLst>
-              <a:ext uri="{28A0092B-C50C-407E-A947-70E740481C1C}">
-                <a14:useLocalDpi xmlns:a14="http://schemas.microsoft.com/office/drawing/2010/main" val="0"/>
-              </a:ext>
-            </a:extLst>
-          </a:blip>
-          <a:srcRect/>
-          <a:stretch/>
-        </p:blipFill>
-        <p:spPr>
-          <a:xfrm>
-            <a:off x="3009606" y="3160607"/>
-            <a:ext cx="6169613" cy="3076705"/>
-          </a:xfrm>
-          <a:ln>
-            <a:solidFill>
-              <a:schemeClr val="tx1">
-                <a:lumMod val="40000"/>
-                <a:lumOff val="60000"/>
-              </a:schemeClr>
-            </a:solidFill>
-          </a:ln>
-        </p:spPr>
-      </p:pic>
-      <p:sp>
-        <p:nvSpPr>
-          <p:cNvPr id="5" name="Slide Number Placeholder 4">
-            <a:extLst>
-              <a:ext uri="{FF2B5EF4-FFF2-40B4-BE49-F238E27FC236}">
-                <a16:creationId xmlns:a16="http://schemas.microsoft.com/office/drawing/2014/main" id="{830EFD6E-63CE-F41F-E267-CB0C49E28951}"/>
-              </a:ext>
-            </a:extLst>
-          </p:cNvPr>
-          <p:cNvSpPr>
-            <a:spLocks noGrp="1"/>
-          </p:cNvSpPr>
-          <p:nvPr>
-            <p:ph type="sldNum" sz="quarter" idx="5"/>
-          </p:nvPr>
-        </p:nvSpPr>
-        <p:spPr>
-          <a:xfrm>
-            <a:off x="11753030" y="6507000"/>
-            <a:ext cx="367414" cy="297000"/>
-          </a:xfrm>
-          <a:prstGeom prst="rect">
-            <a:avLst/>
-          </a:prstGeom>
-        </p:spPr>
-        <p:txBody>
-          <a:bodyPr/>
-          <a:lstStyle/>
-          <a:p>
-            <a:fld id="{2BF067CD-8E6B-4360-9AA8-C5DF2A48A6D1}" type="slidenum">
-              <a:rPr lang="en-US" smtClean="0"/>
-              <a:pPr/>
-              <a:t>4</a:t>
-            </a:fld>
-            <a:endParaRPr lang="en-US" dirty="0"/>
-          </a:p>
-        </p:txBody>
-      </p:sp>
-    </p:spTree>
-    <p:extLst>
-      <p:ext uri="{BB962C8B-B14F-4D97-AF65-F5344CB8AC3E}">
-        <p14:creationId xmlns:p14="http://schemas.microsoft.com/office/powerpoint/2010/main" val="1516416620"/>
-      </p:ext>
-    </p:extLst>
-  </p:cSld>
-  <p:clrMapOvr>
-    <a:masterClrMapping/>
-  </p:clrMapOvr>
-  <mc:AlternateContent xmlns:mc="http://schemas.openxmlformats.org/markup-compatibility/2006" xmlns:p14="http://schemas.microsoft.com/office/powerpoint/2010/main">
-    <mc:Choice Requires="p14">
-      <p:transition spd="slow" p14:dur="2000" advClick="0" advTm="5000"/>
-    </mc:Choice>
-    <mc:Fallback xmlns="">
-      <p:transition spd="slow" advClick="0" advTm="5000"/>
-    </mc:Fallback>
-  </mc:AlternateContent>
 </p:sld>
 </file>
 
@@ -25747,15 +26030,6 @@
 </file>
 
 <file path=customXml/item1.xml><?xml version="1.0" encoding="utf-8"?>
-<?mso-contentType ?>
-<FormTemplates xmlns="http://schemas.microsoft.com/sharepoint/v3/contenttype/forms">
-  <Display>DocumentLibraryForm</Display>
-  <Edit>DocumentLibraryForm</Edit>
-  <New>DocumentLibraryForm</New>
-</FormTemplates>
-</file>
-
-<file path=customXml/item2.xml><?xml version="1.0" encoding="utf-8"?>
 <p:properties xmlns:p="http://schemas.microsoft.com/office/2006/metadata/properties" xmlns:xsi="http://www.w3.org/2001/XMLSchema-instance" xmlns:pc="http://schemas.microsoft.com/office/infopath/2007/PartnerControls">
   <documentManagement>
     <TaxCatchAll xmlns="b7aee57a-33bc-479a-b375-2a9789967078" xsi:nil="true"/>
@@ -25766,7 +26040,7 @@
 </p:properties>
 </file>
 
-<file path=customXml/item3.xml><?xml version="1.0" encoding="utf-8"?>
+<file path=customXml/item2.xml><?xml version="1.0" encoding="utf-8"?>
 <ct:contentTypeSchema xmlns:ct="http://schemas.microsoft.com/office/2006/metadata/contentType" xmlns:ma="http://schemas.microsoft.com/office/2006/metadata/properties/metaAttributes" ct:_="" ma:_="" ma:contentTypeName="Document" ma:contentTypeID="0x010100B4E63F92689E2344800622A05AA3C338" ma:contentTypeVersion="18" ma:contentTypeDescription="Create a new document." ma:contentTypeScope="" ma:versionID="8b3b91c10ae4ded6346f94cf0d666012">
   <xsd:schema xmlns:xsd="http://www.w3.org/2001/XMLSchema" xmlns:xs="http://www.w3.org/2001/XMLSchema" xmlns:p="http://schemas.microsoft.com/office/2006/metadata/properties" xmlns:ns2="d0d25b69-8e68-4841-9284-bd8f9504d222" xmlns:ns3="b7aee57a-33bc-479a-b375-2a9789967078" targetNamespace="http://schemas.microsoft.com/office/2006/metadata/properties" ma:root="true" ma:fieldsID="c7e6442cb5abeb5ea84ce9d48cd96538" ns2:_="" ns3:_="">
     <xsd:import namespace="d0d25b69-8e68-4841-9284-bd8f9504d222"/>
@@ -26021,15 +26295,16 @@
 </ct:contentTypeSchema>
 </file>
 
-<file path=customXml/itemProps1.xml><?xml version="1.0" encoding="utf-8"?>
-<ds:datastoreItem xmlns:ds="http://schemas.openxmlformats.org/officeDocument/2006/customXml" ds:itemID="{F573CD36-4F48-4AD8-B46C-49DE08E6AC9C}">
-  <ds:schemaRefs>
-    <ds:schemaRef ds:uri="http://schemas.microsoft.com/sharepoint/v3/contenttype/forms"/>
-  </ds:schemaRefs>
-</ds:datastoreItem>
+<file path=customXml/item3.xml><?xml version="1.0" encoding="utf-8"?>
+<?mso-contentType ?>
+<FormTemplates xmlns="http://schemas.microsoft.com/sharepoint/v3/contenttype/forms">
+  <Display>DocumentLibraryForm</Display>
+  <Edit>DocumentLibraryForm</Edit>
+  <New>DocumentLibraryForm</New>
+</FormTemplates>
 </file>
 
-<file path=customXml/itemProps2.xml><?xml version="1.0" encoding="utf-8"?>
+<file path=customXml/itemProps1.xml><?xml version="1.0" encoding="utf-8"?>
 <ds:datastoreItem xmlns:ds="http://schemas.openxmlformats.org/officeDocument/2006/customXml" ds:itemID="{1CC6AC7F-F4C9-4C02-9C8E-00B5F4588C84}">
   <ds:schemaRefs>
     <ds:schemaRef ds:uri="http://schemas.microsoft.com/office/2006/metadata/properties"/>
@@ -26046,7 +26321,7 @@
 </ds:datastoreItem>
 </file>
 
-<file path=customXml/itemProps3.xml><?xml version="1.0" encoding="utf-8"?>
+<file path=customXml/itemProps2.xml><?xml version="1.0" encoding="utf-8"?>
 <ds:datastoreItem xmlns:ds="http://schemas.openxmlformats.org/officeDocument/2006/customXml" ds:itemID="{9F14A640-A01C-4552-A616-6CE9E90D6A03}">
   <ds:schemaRefs>
     <ds:schemaRef ds:uri="http://schemas.microsoft.com/office/2006/metadata/contentType"/>
@@ -26063,4 +26338,12 @@
     <ds:schemaRef ds:uri="http://schemas.microsoft.com/internal/obd"/>
   </ds:schemaRefs>
 </ds:datastoreItem>
+</file>
+
+<file path=customXml/itemProps3.xml><?xml version="1.0" encoding="utf-8"?>
+<ds:datastoreItem xmlns:ds="http://schemas.openxmlformats.org/officeDocument/2006/customXml" ds:itemID="{F573CD36-4F48-4AD8-B46C-49DE08E6AC9C}">
+  <ds:schemaRefs>
+    <ds:schemaRef ds:uri="http://schemas.microsoft.com/sharepoint/v3/contenttype/forms"/>
+  </ds:schemaRefs>
+</ds:datastoreItem>
 </file>
--- a/Document-Templates/SoftUni-AI-PowerPoint-Template-EN-Oct-2024.pptx
+++ b/Document-Templates/SoftUni-AI-PowerPoint-Template-EN-Oct-2024.pptx
@@ -6557,6 +6557,43 @@
           </a:prstGeom>
         </p:spPr>
       </p:pic>
+      <p:pic>
+        <p:nvPicPr>
+          <p:cNvPr id="7" name="Picture 6" descr="SoftUni AI logo">
+            <a:extLst>
+              <a:ext uri="{FF2B5EF4-FFF2-40B4-BE49-F238E27FC236}">
+                <a16:creationId xmlns:a16="http://schemas.microsoft.com/office/drawing/2014/main" id="{76D5EF69-3C84-2C4D-7313-715A044AE725}"/>
+              </a:ext>
+            </a:extLst>
+          </p:cNvPr>
+          <p:cNvPicPr>
+            <a:picLocks noChangeAspect="1"/>
+          </p:cNvPicPr>
+          <p:nvPr userDrawn="1"/>
+        </p:nvPicPr>
+        <p:blipFill>
+          <a:blip r:embed="rId4" cstate="screen">
+            <a:alphaModFix amt="85000"/>
+            <a:extLst>
+              <a:ext uri="{28A0092B-C50C-407E-A947-70E740481C1C}">
+                <a14:useLocalDpi xmlns:a14="http://schemas.microsoft.com/office/drawing/2010/main" val="0"/>
+              </a:ext>
+            </a:extLst>
+          </a:blip>
+          <a:stretch>
+            <a:fillRect/>
+          </a:stretch>
+        </p:blipFill>
+        <p:spPr>
+          <a:xfrm>
+            <a:off x="11169683" y="164257"/>
+            <a:ext cx="757377" cy="710987"/>
+          </a:xfrm>
+          <a:prstGeom prst="rect">
+            <a:avLst/>
+          </a:prstGeom>
+        </p:spPr>
+      </p:pic>
       <p:sp>
         <p:nvSpPr>
           <p:cNvPr id="6" name="Slide Body Text">
@@ -6655,43 +6692,6 @@
           </a:p>
         </p:txBody>
       </p:sp>
-      <p:pic>
-        <p:nvPicPr>
-          <p:cNvPr id="7" name="Picture 6" descr="SoftUni AI logo">
-            <a:extLst>
-              <a:ext uri="{FF2B5EF4-FFF2-40B4-BE49-F238E27FC236}">
-                <a16:creationId xmlns:a16="http://schemas.microsoft.com/office/drawing/2014/main" id="{76D5EF69-3C84-2C4D-7313-715A044AE725}"/>
-              </a:ext>
-            </a:extLst>
-          </p:cNvPr>
-          <p:cNvPicPr>
-            <a:picLocks noChangeAspect="1"/>
-          </p:cNvPicPr>
-          <p:nvPr userDrawn="1"/>
-        </p:nvPicPr>
-        <p:blipFill>
-          <a:blip r:embed="rId4" cstate="screen">
-            <a:alphaModFix amt="85000"/>
-            <a:extLst>
-              <a:ext uri="{28A0092B-C50C-407E-A947-70E740481C1C}">
-                <a14:useLocalDpi xmlns:a14="http://schemas.microsoft.com/office/drawing/2010/main" val="0"/>
-              </a:ext>
-            </a:extLst>
-          </a:blip>
-          <a:stretch>
-            <a:fillRect/>
-          </a:stretch>
-        </p:blipFill>
-        <p:spPr>
-          <a:xfrm>
-            <a:off x="11169683" y="164257"/>
-            <a:ext cx="757377" cy="710987"/>
-          </a:xfrm>
-          <a:prstGeom prst="rect">
-            <a:avLst/>
-          </a:prstGeom>
-        </p:spPr>
-      </p:pic>
     </p:spTree>
     <p:extLst>
       <p:ext uri="{BB962C8B-B14F-4D97-AF65-F5344CB8AC3E}">
@@ -26030,6 +26030,15 @@
 </file>
 
 <file path=customXml/item1.xml><?xml version="1.0" encoding="utf-8"?>
+<?mso-contentType ?>
+<FormTemplates xmlns="http://schemas.microsoft.com/sharepoint/v3/contenttype/forms">
+  <Display>DocumentLibraryForm</Display>
+  <Edit>DocumentLibraryForm</Edit>
+  <New>DocumentLibraryForm</New>
+</FormTemplates>
+</file>
+
+<file path=customXml/item2.xml><?xml version="1.0" encoding="utf-8"?>
 <p:properties xmlns:p="http://schemas.microsoft.com/office/2006/metadata/properties" xmlns:xsi="http://www.w3.org/2001/XMLSchema-instance" xmlns:pc="http://schemas.microsoft.com/office/infopath/2007/PartnerControls">
   <documentManagement>
     <TaxCatchAll xmlns="b7aee57a-33bc-479a-b375-2a9789967078" xsi:nil="true"/>
@@ -26040,7 +26049,7 @@
 </p:properties>
 </file>
 
-<file path=customXml/item2.xml><?xml version="1.0" encoding="utf-8"?>
+<file path=customXml/item3.xml><?xml version="1.0" encoding="utf-8"?>
 <ct:contentTypeSchema xmlns:ct="http://schemas.microsoft.com/office/2006/metadata/contentType" xmlns:ma="http://schemas.microsoft.com/office/2006/metadata/properties/metaAttributes" ct:_="" ma:_="" ma:contentTypeName="Document" ma:contentTypeID="0x010100B4E63F92689E2344800622A05AA3C338" ma:contentTypeVersion="18" ma:contentTypeDescription="Create a new document." ma:contentTypeScope="" ma:versionID="8b3b91c10ae4ded6346f94cf0d666012">
   <xsd:schema xmlns:xsd="http://www.w3.org/2001/XMLSchema" xmlns:xs="http://www.w3.org/2001/XMLSchema" xmlns:p="http://schemas.microsoft.com/office/2006/metadata/properties" xmlns:ns2="d0d25b69-8e68-4841-9284-bd8f9504d222" xmlns:ns3="b7aee57a-33bc-479a-b375-2a9789967078" targetNamespace="http://schemas.microsoft.com/office/2006/metadata/properties" ma:root="true" ma:fieldsID="c7e6442cb5abeb5ea84ce9d48cd96538" ns2:_="" ns3:_="">
     <xsd:import namespace="d0d25b69-8e68-4841-9284-bd8f9504d222"/>
@@ -26295,16 +26304,15 @@
 </ct:contentTypeSchema>
 </file>
 
-<file path=customXml/item3.xml><?xml version="1.0" encoding="utf-8"?>
-<?mso-contentType ?>
-<FormTemplates xmlns="http://schemas.microsoft.com/sharepoint/v3/contenttype/forms">
-  <Display>DocumentLibraryForm</Display>
-  <Edit>DocumentLibraryForm</Edit>
-  <New>DocumentLibraryForm</New>
-</FormTemplates>
+<file path=customXml/itemProps1.xml><?xml version="1.0" encoding="utf-8"?>
+<ds:datastoreItem xmlns:ds="http://schemas.openxmlformats.org/officeDocument/2006/customXml" ds:itemID="{F573CD36-4F48-4AD8-B46C-49DE08E6AC9C}">
+  <ds:schemaRefs>
+    <ds:schemaRef ds:uri="http://schemas.microsoft.com/sharepoint/v3/contenttype/forms"/>
+  </ds:schemaRefs>
+</ds:datastoreItem>
 </file>
 
-<file path=customXml/itemProps1.xml><?xml version="1.0" encoding="utf-8"?>
+<file path=customXml/itemProps2.xml><?xml version="1.0" encoding="utf-8"?>
 <ds:datastoreItem xmlns:ds="http://schemas.openxmlformats.org/officeDocument/2006/customXml" ds:itemID="{1CC6AC7F-F4C9-4C02-9C8E-00B5F4588C84}">
   <ds:schemaRefs>
     <ds:schemaRef ds:uri="http://schemas.microsoft.com/office/2006/metadata/properties"/>
@@ -26321,7 +26329,7 @@
 </ds:datastoreItem>
 </file>
 
-<file path=customXml/itemProps2.xml><?xml version="1.0" encoding="utf-8"?>
+<file path=customXml/itemProps3.xml><?xml version="1.0" encoding="utf-8"?>
 <ds:datastoreItem xmlns:ds="http://schemas.openxmlformats.org/officeDocument/2006/customXml" ds:itemID="{9F14A640-A01C-4552-A616-6CE9E90D6A03}">
   <ds:schemaRefs>
     <ds:schemaRef ds:uri="http://schemas.microsoft.com/office/2006/metadata/contentType"/>
@@ -26338,12 +26346,4 @@
     <ds:schemaRef ds:uri="http://schemas.microsoft.com/internal/obd"/>
   </ds:schemaRefs>
 </ds:datastoreItem>
-</file>
-
-<file path=customXml/itemProps3.xml><?xml version="1.0" encoding="utf-8"?>
-<ds:datastoreItem xmlns:ds="http://schemas.openxmlformats.org/officeDocument/2006/customXml" ds:itemID="{F573CD36-4F48-4AD8-B46C-49DE08E6AC9C}">
-  <ds:schemaRefs>
-    <ds:schemaRef ds:uri="http://schemas.microsoft.com/sharepoint/v3/contenttype/forms"/>
-  </ds:schemaRefs>
-</ds:datastoreItem>
 </file>